--- a/NBP_Website.pptx
+++ b/NBP_Website.pptx
@@ -2,21 +2,28 @@
 <file path=ppt/presentation.xml><?xml version="1.0" encoding="utf-8"?>
 <p:presentation xmlns:a="http://schemas.openxmlformats.org/drawingml/2006/main" xmlns:r="http://schemas.openxmlformats.org/officeDocument/2006/relationships" xmlns:p="http://schemas.openxmlformats.org/presentationml/2006/main" saveSubsetFonts="1">
   <p:sldMasterIdLst>
-    <p:sldMasterId id="2147483694" r:id="rId1"/>
+    <p:sldMasterId id="2147483730" r:id="rId1"/>
   </p:sldMasterIdLst>
   <p:sldIdLst>
     <p:sldId id="256" r:id="rId2"/>
     <p:sldId id="257" r:id="rId3"/>
-    <p:sldId id="258" r:id="rId4"/>
-    <p:sldId id="259" r:id="rId5"/>
+    <p:sldId id="259" r:id="rId4"/>
+    <p:sldId id="258" r:id="rId5"/>
+    <p:sldId id="260" r:id="rId6"/>
+    <p:sldId id="261" r:id="rId7"/>
+    <p:sldId id="262" r:id="rId8"/>
+    <p:sldId id="263" r:id="rId9"/>
+    <p:sldId id="264" r:id="rId10"/>
+    <p:sldId id="265" r:id="rId11"/>
+    <p:sldId id="266" r:id="rId12"/>
   </p:sldIdLst>
   <p:sldSz cx="12192000" cy="6858000"/>
   <p:notesSz cx="6858000" cy="9144000"/>
   <p:defaultTextStyle>
     <a:defPPr>
-      <a:defRPr lang="ru-RU"/>
+      <a:defRPr lang="en-US"/>
     </a:defPPr>
-    <a:lvl1pPr marL="0" algn="l" defTabSz="914400" rtl="0" eaLnBrk="1" latinLnBrk="0" hangingPunct="1">
+    <a:lvl1pPr marL="0" algn="l" defTabSz="457200" rtl="0" eaLnBrk="1" latinLnBrk="0" hangingPunct="1">
       <a:defRPr sz="1800" kern="1200">
         <a:solidFill>
           <a:schemeClr val="tx1"/>
@@ -26,7 +33,7 @@
         <a:cs typeface="+mn-cs"/>
       </a:defRPr>
     </a:lvl1pPr>
-    <a:lvl2pPr marL="457200" algn="l" defTabSz="914400" rtl="0" eaLnBrk="1" latinLnBrk="0" hangingPunct="1">
+    <a:lvl2pPr marL="457200" algn="l" defTabSz="457200" rtl="0" eaLnBrk="1" latinLnBrk="0" hangingPunct="1">
       <a:defRPr sz="1800" kern="1200">
         <a:solidFill>
           <a:schemeClr val="tx1"/>
@@ -36,7 +43,7 @@
         <a:cs typeface="+mn-cs"/>
       </a:defRPr>
     </a:lvl2pPr>
-    <a:lvl3pPr marL="914400" algn="l" defTabSz="914400" rtl="0" eaLnBrk="1" latinLnBrk="0" hangingPunct="1">
+    <a:lvl3pPr marL="914400" algn="l" defTabSz="457200" rtl="0" eaLnBrk="1" latinLnBrk="0" hangingPunct="1">
       <a:defRPr sz="1800" kern="1200">
         <a:solidFill>
           <a:schemeClr val="tx1"/>
@@ -46,7 +53,7 @@
         <a:cs typeface="+mn-cs"/>
       </a:defRPr>
     </a:lvl3pPr>
-    <a:lvl4pPr marL="1371600" algn="l" defTabSz="914400" rtl="0" eaLnBrk="1" latinLnBrk="0" hangingPunct="1">
+    <a:lvl4pPr marL="1371600" algn="l" defTabSz="457200" rtl="0" eaLnBrk="1" latinLnBrk="0" hangingPunct="1">
       <a:defRPr sz="1800" kern="1200">
         <a:solidFill>
           <a:schemeClr val="tx1"/>
@@ -56,7 +63,7 @@
         <a:cs typeface="+mn-cs"/>
       </a:defRPr>
     </a:lvl4pPr>
-    <a:lvl5pPr marL="1828800" algn="l" defTabSz="914400" rtl="0" eaLnBrk="1" latinLnBrk="0" hangingPunct="1">
+    <a:lvl5pPr marL="1828800" algn="l" defTabSz="457200" rtl="0" eaLnBrk="1" latinLnBrk="0" hangingPunct="1">
       <a:defRPr sz="1800" kern="1200">
         <a:solidFill>
           <a:schemeClr val="tx1"/>
@@ -66,7 +73,7 @@
         <a:cs typeface="+mn-cs"/>
       </a:defRPr>
     </a:lvl5pPr>
-    <a:lvl6pPr marL="2286000" algn="l" defTabSz="914400" rtl="0" eaLnBrk="1" latinLnBrk="0" hangingPunct="1">
+    <a:lvl6pPr marL="2286000" algn="l" defTabSz="457200" rtl="0" eaLnBrk="1" latinLnBrk="0" hangingPunct="1">
       <a:defRPr sz="1800" kern="1200">
         <a:solidFill>
           <a:schemeClr val="tx1"/>
@@ -76,7 +83,7 @@
         <a:cs typeface="+mn-cs"/>
       </a:defRPr>
     </a:lvl6pPr>
-    <a:lvl7pPr marL="2743200" algn="l" defTabSz="914400" rtl="0" eaLnBrk="1" latinLnBrk="0" hangingPunct="1">
+    <a:lvl7pPr marL="2743200" algn="l" defTabSz="457200" rtl="0" eaLnBrk="1" latinLnBrk="0" hangingPunct="1">
       <a:defRPr sz="1800" kern="1200">
         <a:solidFill>
           <a:schemeClr val="tx1"/>
@@ -86,7 +93,7 @@
         <a:cs typeface="+mn-cs"/>
       </a:defRPr>
     </a:lvl7pPr>
-    <a:lvl8pPr marL="3200400" algn="l" defTabSz="914400" rtl="0" eaLnBrk="1" latinLnBrk="0" hangingPunct="1">
+    <a:lvl8pPr marL="3200400" algn="l" defTabSz="457200" rtl="0" eaLnBrk="1" latinLnBrk="0" hangingPunct="1">
       <a:defRPr sz="1800" kern="1200">
         <a:solidFill>
           <a:schemeClr val="tx1"/>
@@ -96,7 +103,7 @@
         <a:cs typeface="+mn-cs"/>
       </a:defRPr>
     </a:lvl8pPr>
-    <a:lvl9pPr marL="3657600" algn="l" defTabSz="914400" rtl="0" eaLnBrk="1" latinLnBrk="0" hangingPunct="1">
+    <a:lvl9pPr marL="3657600" algn="l" defTabSz="457200" rtl="0" eaLnBrk="1" latinLnBrk="0" hangingPunct="1">
       <a:defRPr sz="1800" kern="1200">
         <a:solidFill>
           <a:schemeClr val="tx1"/>
@@ -107,12 +114,25 @@
       </a:defRPr>
     </a:lvl9pPr>
   </p:defaultTextStyle>
+  <p:extLst>
+    <p:ext uri="{EFAFB233-063F-42B5-8137-9DF3F51BA10A}">
+      <p15:sldGuideLst xmlns:p15="http://schemas.microsoft.com/office/powerpoint/2012/main"/>
+    </p:ext>
+  </p:extLst>
 </p:presentation>
 </file>
 
 <file path=ppt/slideLayouts/slideLayout1.xml><?xml version="1.0" encoding="utf-8"?>
-<p:sldLayout xmlns:a="http://schemas.openxmlformats.org/drawingml/2006/main" xmlns:r="http://schemas.openxmlformats.org/officeDocument/2006/relationships" xmlns:p="http://schemas.openxmlformats.org/presentationml/2006/main" type="title" preserve="1">
+<p:sldLayout xmlns:a="http://schemas.openxmlformats.org/drawingml/2006/main" xmlns:r="http://schemas.openxmlformats.org/officeDocument/2006/relationships" xmlns:p="http://schemas.openxmlformats.org/presentationml/2006/main" showMasterSp="0" type="title" preserve="1">
   <p:cSld name="Титульный слайд">
+    <p:bg>
+      <p:bgPr>
+        <a:solidFill>
+          <a:schemeClr val="bg2"/>
+        </a:solidFill>
+        <a:effectLst/>
+      </p:bgPr>
+    </p:bg>
     <p:spTree>
       <p:nvGrpSpPr>
         <p:cNvPr id="1" name=""/>
@@ -129,13 +149,7 @@
       </p:grpSpPr>
       <p:sp>
         <p:nvSpPr>
-          <p:cNvPr id="2" name="Заголовок 1">
-            <a:extLst>
-              <a:ext uri="{FF2B5EF4-FFF2-40B4-BE49-F238E27FC236}">
-                <a16:creationId xmlns:a16="http://schemas.microsoft.com/office/drawing/2014/main" id="{7EC4D8FA-E48A-D9C4-F5AF-8796E22A1221}"/>
-              </a:ext>
-            </a:extLst>
-          </p:cNvPr>
+          <p:cNvPr id="2" name="Title 1"/>
           <p:cNvSpPr>
             <a:spLocks noGrp="1"/>
           </p:cNvSpPr>
@@ -145,15 +159,21 @@
         </p:nvSpPr>
         <p:spPr>
           <a:xfrm>
-            <a:off x="1524000" y="1122363"/>
-            <a:ext cx="9144000" cy="2387600"/>
-          </a:xfrm>
-        </p:spPr>
-        <p:txBody>
-          <a:bodyPr anchor="b"/>
+            <a:off x="1915128" y="1788454"/>
+            <a:ext cx="8361229" cy="2098226"/>
+          </a:xfrm>
+        </p:spPr>
+        <p:txBody>
+          <a:bodyPr anchor="b">
+            <a:noAutofit/>
+          </a:bodyPr>
           <a:lstStyle>
             <a:lvl1pPr algn="ctr">
-              <a:defRPr sz="6000"/>
+              <a:defRPr sz="7200" cap="all" baseline="0">
+                <a:solidFill>
+                  <a:schemeClr val="tx2"/>
+                </a:solidFill>
+              </a:defRPr>
             </a:lvl1pPr>
           </a:lstStyle>
           <a:p>
@@ -161,18 +181,13 @@
               <a:rPr lang="ru-RU"/>
               <a:t>Образец заголовка</a:t>
             </a:r>
-          </a:p>
-        </p:txBody>
-      </p:sp>
-      <p:sp>
-        <p:nvSpPr>
-          <p:cNvPr id="3" name="Подзаголовок 2">
-            <a:extLst>
-              <a:ext uri="{FF2B5EF4-FFF2-40B4-BE49-F238E27FC236}">
-                <a16:creationId xmlns:a16="http://schemas.microsoft.com/office/drawing/2014/main" id="{7EF4CD67-CD74-AE86-9473-E3D16253558F}"/>
-              </a:ext>
-            </a:extLst>
-          </p:cNvPr>
+            <a:endParaRPr lang="en-US" dirty="0"/>
+          </a:p>
+        </p:txBody>
+      </p:sp>
+      <p:sp>
+        <p:nvSpPr>
+          <p:cNvPr id="3" name="Subtitle 2"/>
           <p:cNvSpPr>
             <a:spLocks noGrp="1"/>
           </p:cNvSpPr>
@@ -182,16 +197,27 @@
         </p:nvSpPr>
         <p:spPr>
           <a:xfrm>
-            <a:off x="1524000" y="3602038"/>
-            <a:ext cx="9144000" cy="1655762"/>
-          </a:xfrm>
-        </p:spPr>
-        <p:txBody>
-          <a:bodyPr/>
+            <a:off x="2679906" y="3956279"/>
+            <a:ext cx="6831673" cy="1086237"/>
+          </a:xfrm>
+        </p:spPr>
+        <p:txBody>
+          <a:bodyPr>
+            <a:normAutofit/>
+          </a:bodyPr>
           <a:lstStyle>
             <a:lvl1pPr marL="0" indent="0" algn="ctr">
-              <a:buNone/>
-              <a:defRPr sz="2400"/>
+              <a:lnSpc>
+                <a:spcPct val="112000"/>
+              </a:lnSpc>
+              <a:spcBef>
+                <a:spcPts val="0"/>
+              </a:spcBef>
+              <a:spcAft>
+                <a:spcPts val="0"/>
+              </a:spcAft>
+              <a:buNone/>
+              <a:defRPr sz="2300"/>
             </a:lvl1pPr>
             <a:lvl2pPr marL="457200" indent="0" algn="ctr">
               <a:buNone/>
@@ -231,18 +257,13 @@
               <a:rPr lang="ru-RU"/>
               <a:t>Образец подзаголовка</a:t>
             </a:r>
-          </a:p>
-        </p:txBody>
-      </p:sp>
-      <p:sp>
-        <p:nvSpPr>
-          <p:cNvPr id="4" name="Дата 3">
-            <a:extLst>
-              <a:ext uri="{FF2B5EF4-FFF2-40B4-BE49-F238E27FC236}">
-                <a16:creationId xmlns:a16="http://schemas.microsoft.com/office/drawing/2014/main" id="{8BECC672-0BBA-BDCE-F7FD-CCF57CDA0F14}"/>
-              </a:ext>
-            </a:extLst>
-          </p:cNvPr>
+            <a:endParaRPr lang="en-US" dirty="0"/>
+          </a:p>
+        </p:txBody>
+      </p:sp>
+      <p:sp>
+        <p:nvSpPr>
+          <p:cNvPr id="4" name="Date Placeholder 3"/>
           <p:cNvSpPr>
             <a:spLocks noGrp="1"/>
           </p:cNvSpPr>
@@ -250,14 +271,27 @@
             <p:ph type="dt" sz="half" idx="10"/>
           </p:nvPr>
         </p:nvSpPr>
-        <p:spPr/>
-        <p:txBody>
-          <a:bodyPr/>
-          <a:lstStyle/>
+        <p:spPr>
+          <a:xfrm>
+            <a:off x="752858" y="6453386"/>
+            <a:ext cx="1607944" cy="404614"/>
+          </a:xfrm>
+        </p:spPr>
+        <p:txBody>
+          <a:bodyPr/>
+          <a:lstStyle>
+            <a:lvl1pPr>
+              <a:defRPr baseline="0">
+                <a:solidFill>
+                  <a:schemeClr val="tx2"/>
+                </a:solidFill>
+              </a:defRPr>
+            </a:lvl1pPr>
+          </a:lstStyle>
           <a:p>
             <a:fld id="{7D352F4E-3E31-4954-BD79-3E3958D48CAC}" type="datetimeFigureOut">
               <a:rPr lang="ru-RU" smtClean="0"/>
-              <a:t>14.04.2023</a:t>
+              <a:t>27.04.2023</a:t>
             </a:fld>
             <a:endParaRPr lang="ru-RU"/>
           </a:p>
@@ -265,13 +299,7 @@
       </p:sp>
       <p:sp>
         <p:nvSpPr>
-          <p:cNvPr id="5" name="Нижний колонтитул 4">
-            <a:extLst>
-              <a:ext uri="{FF2B5EF4-FFF2-40B4-BE49-F238E27FC236}">
-                <a16:creationId xmlns:a16="http://schemas.microsoft.com/office/drawing/2014/main" id="{5FEA1D29-5BE6-CBFC-3677-40B4F3467F3E}"/>
-              </a:ext>
-            </a:extLst>
-          </p:cNvPr>
+          <p:cNvPr id="5" name="Footer Placeholder 4"/>
           <p:cNvSpPr>
             <a:spLocks noGrp="1"/>
           </p:cNvSpPr>
@@ -279,10 +307,23 @@
             <p:ph type="ftr" sz="quarter" idx="11"/>
           </p:nvPr>
         </p:nvSpPr>
-        <p:spPr/>
-        <p:txBody>
-          <a:bodyPr/>
-          <a:lstStyle/>
+        <p:spPr>
+          <a:xfrm>
+            <a:off x="2584054" y="6453386"/>
+            <a:ext cx="7023377" cy="404614"/>
+          </a:xfrm>
+        </p:spPr>
+        <p:txBody>
+          <a:bodyPr/>
+          <a:lstStyle>
+            <a:lvl1pPr algn="ctr">
+              <a:defRPr baseline="0">
+                <a:solidFill>
+                  <a:schemeClr val="tx2"/>
+                </a:solidFill>
+              </a:defRPr>
+            </a:lvl1pPr>
+          </a:lstStyle>
           <a:p>
             <a:endParaRPr lang="ru-RU"/>
           </a:p>
@@ -290,13 +331,7 @@
       </p:sp>
       <p:sp>
         <p:nvSpPr>
-          <p:cNvPr id="6" name="Номер слайда 5">
-            <a:extLst>
-              <a:ext uri="{FF2B5EF4-FFF2-40B4-BE49-F238E27FC236}">
-                <a16:creationId xmlns:a16="http://schemas.microsoft.com/office/drawing/2014/main" id="{D373A6EC-C6A8-BC57-F8AD-C665527FFFC6}"/>
-              </a:ext>
-            </a:extLst>
-          </p:cNvPr>
+          <p:cNvPr id="6" name="Slide Number Placeholder 5"/>
           <p:cNvSpPr>
             <a:spLocks noGrp="1"/>
           </p:cNvSpPr>
@@ -304,10 +339,23 @@
             <p:ph type="sldNum" sz="quarter" idx="12"/>
           </p:nvPr>
         </p:nvSpPr>
-        <p:spPr/>
-        <p:txBody>
-          <a:bodyPr/>
-          <a:lstStyle/>
+        <p:spPr>
+          <a:xfrm>
+            <a:off x="9830683" y="6453386"/>
+            <a:ext cx="1596292" cy="404614"/>
+          </a:xfrm>
+        </p:spPr>
+        <p:txBody>
+          <a:bodyPr/>
+          <a:lstStyle>
+            <a:lvl1pPr>
+              <a:defRPr baseline="0">
+                <a:solidFill>
+                  <a:schemeClr val="tx2"/>
+                </a:solidFill>
+              </a:defRPr>
+            </a:lvl1pPr>
+          </a:lstStyle>
           <a:p>
             <a:fld id="{DDA2BE4B-F33C-4F1A-9893-4799D809970F}" type="slidenum">
               <a:rPr lang="ru-RU" smtClean="0"/>
@@ -317,15 +365,144 @@
           </a:p>
         </p:txBody>
       </p:sp>
+      <p:grpSp>
+        <p:nvGrpSpPr>
+          <p:cNvPr id="7" name="Group 6"/>
+          <p:cNvGrpSpPr/>
+          <p:nvPr/>
+        </p:nvGrpSpPr>
+        <p:grpSpPr>
+          <a:xfrm>
+            <a:off x="752858" y="744469"/>
+            <a:ext cx="10674117" cy="5349671"/>
+            <a:chOff x="752858" y="744469"/>
+            <a:chExt cx="10674117" cy="5349671"/>
+          </a:xfrm>
+        </p:grpSpPr>
+        <p:sp>
+          <p:nvSpPr>
+            <p:cNvPr id="11" name="Freeform 6"/>
+            <p:cNvSpPr/>
+            <p:nvPr/>
+          </p:nvSpPr>
+          <p:spPr bwMode="auto">
+            <a:xfrm>
+              <a:off x="8151962" y="1685652"/>
+              <a:ext cx="3275013" cy="4408488"/>
+            </a:xfrm>
+            <a:custGeom>
+              <a:avLst/>
+              <a:gdLst/>
+              <a:ahLst/>
+              <a:cxnLst/>
+              <a:rect l="l" t="t" r="r" b="b"/>
+              <a:pathLst>
+                <a:path w="10000" h="10000">
+                  <a:moveTo>
+                    <a:pt x="8761" y="0"/>
+                  </a:moveTo>
+                  <a:lnTo>
+                    <a:pt x="10000" y="0"/>
+                  </a:lnTo>
+                  <a:lnTo>
+                    <a:pt x="10000" y="10000"/>
+                  </a:lnTo>
+                  <a:lnTo>
+                    <a:pt x="0" y="10000"/>
+                  </a:lnTo>
+                  <a:lnTo>
+                    <a:pt x="0" y="9126"/>
+                  </a:lnTo>
+                  <a:lnTo>
+                    <a:pt x="8761" y="9127"/>
+                  </a:lnTo>
+                  <a:lnTo>
+                    <a:pt x="8761" y="0"/>
+                  </a:lnTo>
+                  <a:close/>
+                </a:path>
+              </a:pathLst>
+            </a:custGeom>
+            <a:solidFill>
+              <a:schemeClr val="tx2"/>
+            </a:solidFill>
+            <a:ln w="0">
+              <a:noFill/>
+              <a:prstDash val="solid"/>
+              <a:round/>
+              <a:headEnd/>
+              <a:tailEnd/>
+            </a:ln>
+          </p:spPr>
+        </p:sp>
+        <p:sp>
+          <p:nvSpPr>
+            <p:cNvPr id="14" name="Freeform 6"/>
+            <p:cNvSpPr/>
+            <p:nvPr/>
+          </p:nvSpPr>
+          <p:spPr bwMode="auto">
+            <a:xfrm flipH="1" flipV="1">
+              <a:off x="752858" y="744469"/>
+              <a:ext cx="3275668" cy="4408488"/>
+            </a:xfrm>
+            <a:custGeom>
+              <a:avLst/>
+              <a:gdLst/>
+              <a:ahLst/>
+              <a:cxnLst/>
+              <a:rect l="l" t="t" r="r" b="b"/>
+              <a:pathLst>
+                <a:path w="10002" h="10000">
+                  <a:moveTo>
+                    <a:pt x="8763" y="0"/>
+                  </a:moveTo>
+                  <a:lnTo>
+                    <a:pt x="10002" y="0"/>
+                  </a:lnTo>
+                  <a:lnTo>
+                    <a:pt x="10002" y="10000"/>
+                  </a:lnTo>
+                  <a:lnTo>
+                    <a:pt x="2" y="10000"/>
+                  </a:lnTo>
+                  <a:cubicBezTo>
+                    <a:pt x="-2" y="9698"/>
+                    <a:pt x="4" y="9427"/>
+                    <a:pt x="0" y="9125"/>
+                  </a:cubicBezTo>
+                  <a:lnTo>
+                    <a:pt x="8763" y="9128"/>
+                  </a:lnTo>
+                  <a:lnTo>
+                    <a:pt x="8763" y="0"/>
+                  </a:lnTo>
+                  <a:close/>
+                </a:path>
+              </a:pathLst>
+            </a:custGeom>
+            <a:solidFill>
+              <a:schemeClr val="tx2"/>
+            </a:solidFill>
+            <a:ln w="0">
+              <a:noFill/>
+              <a:prstDash val="solid"/>
+              <a:round/>
+              <a:headEnd/>
+              <a:tailEnd/>
+            </a:ln>
+          </p:spPr>
+        </p:sp>
+      </p:grpSp>
     </p:spTree>
     <p:extLst>
       <p:ext uri="{BB962C8B-B14F-4D97-AF65-F5344CB8AC3E}">
-        <p14:creationId xmlns:p14="http://schemas.microsoft.com/office/powerpoint/2010/main" val="1122205040"/>
+        <p14:creationId xmlns:p14="http://schemas.microsoft.com/office/powerpoint/2010/main" val="1904039122"/>
       </p:ext>
     </p:extLst>
   </p:cSld>
   <p:clrMapOvr>
-    <a:masterClrMapping/>
+    <a:overrideClrMapping bg1="lt1" tx1="dk1" bg2="lt2" tx2="dk2" accent1="accent1" accent2="accent2" accent3="accent3" accent4="accent4" accent5="accent5" accent6="accent6" hlink="hlink" folHlink="folHlink"/>
   </p:clrMapOvr>
 </p:sldLayout>
 </file>
@@ -349,13 +526,7 @@
       </p:grpSpPr>
       <p:sp>
         <p:nvSpPr>
-          <p:cNvPr id="2" name="Заголовок 1">
-            <a:extLst>
-              <a:ext uri="{FF2B5EF4-FFF2-40B4-BE49-F238E27FC236}">
-                <a16:creationId xmlns:a16="http://schemas.microsoft.com/office/drawing/2014/main" id="{F3358A0C-26E7-8A70-A53D-5B48D93458FB}"/>
-              </a:ext>
-            </a:extLst>
-          </p:cNvPr>
+          <p:cNvPr id="2" name="Title 1"/>
           <p:cNvSpPr>
             <a:spLocks noGrp="1"/>
           </p:cNvSpPr>
@@ -372,18 +543,13 @@
               <a:rPr lang="ru-RU"/>
               <a:t>Образец заголовка</a:t>
             </a:r>
-          </a:p>
-        </p:txBody>
-      </p:sp>
-      <p:sp>
-        <p:nvSpPr>
-          <p:cNvPr id="3" name="Вертикальный текст 2">
-            <a:extLst>
-              <a:ext uri="{FF2B5EF4-FFF2-40B4-BE49-F238E27FC236}">
-                <a16:creationId xmlns:a16="http://schemas.microsoft.com/office/drawing/2014/main" id="{9FCFA2F9-AE44-BE76-D31B-495729C43375}"/>
-              </a:ext>
-            </a:extLst>
-          </p:cNvPr>
+            <a:endParaRPr lang="en-US" dirty="0"/>
+          </a:p>
+        </p:txBody>
+      </p:sp>
+      <p:sp>
+        <p:nvSpPr>
+          <p:cNvPr id="3" name="Vertical Text Placeholder 2"/>
           <p:cNvSpPr>
             <a:spLocks noGrp="1"/>
           </p:cNvSpPr>
@@ -391,7 +557,12 @@
             <p:ph type="body" orient="vert" idx="1"/>
           </p:nvPr>
         </p:nvSpPr>
-        <p:spPr/>
+        <p:spPr>
+          <a:xfrm>
+            <a:off x="1371600" y="2295525"/>
+            <a:ext cx="9601200" cy="3571875"/>
+          </a:xfrm>
+        </p:spPr>
         <p:txBody>
           <a:bodyPr vert="eaVert"/>
           <a:lstStyle/>
@@ -429,18 +600,13 @@
               <a:rPr lang="ru-RU"/>
               <a:t>Пятый уровень</a:t>
             </a:r>
-          </a:p>
-        </p:txBody>
-      </p:sp>
-      <p:sp>
-        <p:nvSpPr>
-          <p:cNvPr id="4" name="Дата 3">
-            <a:extLst>
-              <a:ext uri="{FF2B5EF4-FFF2-40B4-BE49-F238E27FC236}">
-                <a16:creationId xmlns:a16="http://schemas.microsoft.com/office/drawing/2014/main" id="{919CF6B2-AB2F-8BD6-FD49-81E92B7ED3FB}"/>
-              </a:ext>
-            </a:extLst>
-          </p:cNvPr>
+            <a:endParaRPr lang="en-US" dirty="0"/>
+          </a:p>
+        </p:txBody>
+      </p:sp>
+      <p:sp>
+        <p:nvSpPr>
+          <p:cNvPr id="4" name="Date Placeholder 3"/>
           <p:cNvSpPr>
             <a:spLocks noGrp="1"/>
           </p:cNvSpPr>
@@ -455,7 +621,7 @@
           <a:p>
             <a:fld id="{7D352F4E-3E31-4954-BD79-3E3958D48CAC}" type="datetimeFigureOut">
               <a:rPr lang="ru-RU" smtClean="0"/>
-              <a:t>14.04.2023</a:t>
+              <a:t>27.04.2023</a:t>
             </a:fld>
             <a:endParaRPr lang="ru-RU"/>
           </a:p>
@@ -463,13 +629,7 @@
       </p:sp>
       <p:sp>
         <p:nvSpPr>
-          <p:cNvPr id="5" name="Нижний колонтитул 4">
-            <a:extLst>
-              <a:ext uri="{FF2B5EF4-FFF2-40B4-BE49-F238E27FC236}">
-                <a16:creationId xmlns:a16="http://schemas.microsoft.com/office/drawing/2014/main" id="{7CE4A720-3F52-AC95-621B-5AC467901BB2}"/>
-              </a:ext>
-            </a:extLst>
-          </p:cNvPr>
+          <p:cNvPr id="5" name="Footer Placeholder 4"/>
           <p:cNvSpPr>
             <a:spLocks noGrp="1"/>
           </p:cNvSpPr>
@@ -488,13 +648,7 @@
       </p:sp>
       <p:sp>
         <p:nvSpPr>
-          <p:cNvPr id="6" name="Номер слайда 5">
-            <a:extLst>
-              <a:ext uri="{FF2B5EF4-FFF2-40B4-BE49-F238E27FC236}">
-                <a16:creationId xmlns:a16="http://schemas.microsoft.com/office/drawing/2014/main" id="{B48172FC-8A7B-9CD1-A96A-29D5389ABED1}"/>
-              </a:ext>
-            </a:extLst>
-          </p:cNvPr>
+          <p:cNvPr id="6" name="Slide Number Placeholder 5"/>
           <p:cNvSpPr>
             <a:spLocks noGrp="1"/>
           </p:cNvSpPr>
@@ -518,7 +672,7 @@
     </p:spTree>
     <p:extLst>
       <p:ext uri="{BB962C8B-B14F-4D97-AF65-F5344CB8AC3E}">
-        <p14:creationId xmlns:p14="http://schemas.microsoft.com/office/powerpoint/2010/main" val="2558442144"/>
+        <p14:creationId xmlns:p14="http://schemas.microsoft.com/office/powerpoint/2010/main" val="2810743836"/>
       </p:ext>
     </p:extLst>
   </p:cSld>
@@ -547,13 +701,7 @@
       </p:grpSpPr>
       <p:sp>
         <p:nvSpPr>
-          <p:cNvPr id="2" name="Вертикальный заголовок 1">
-            <a:extLst>
-              <a:ext uri="{FF2B5EF4-FFF2-40B4-BE49-F238E27FC236}">
-                <a16:creationId xmlns:a16="http://schemas.microsoft.com/office/drawing/2014/main" id="{D7D27ADE-2552-089B-8CA6-99DA7BADB707}"/>
-              </a:ext>
-            </a:extLst>
-          </p:cNvPr>
+          <p:cNvPr id="2" name="Vertical Title 1"/>
           <p:cNvSpPr>
             <a:spLocks noGrp="1"/>
           </p:cNvSpPr>
@@ -563,8 +711,8 @@
         </p:nvSpPr>
         <p:spPr>
           <a:xfrm>
-            <a:off x="8724900" y="365125"/>
-            <a:ext cx="2628900" cy="5811838"/>
+            <a:off x="9596561" y="624156"/>
+            <a:ext cx="1565766" cy="5243244"/>
           </a:xfrm>
         </p:spPr>
         <p:txBody>
@@ -575,18 +723,13 @@
               <a:rPr lang="ru-RU"/>
               <a:t>Образец заголовка</a:t>
             </a:r>
-          </a:p>
-        </p:txBody>
-      </p:sp>
-      <p:sp>
-        <p:nvSpPr>
-          <p:cNvPr id="3" name="Вертикальный текст 2">
-            <a:extLst>
-              <a:ext uri="{FF2B5EF4-FFF2-40B4-BE49-F238E27FC236}">
-                <a16:creationId xmlns:a16="http://schemas.microsoft.com/office/drawing/2014/main" id="{1AD88620-6EDA-A306-AAF2-CDAEE0FF681F}"/>
-              </a:ext>
-            </a:extLst>
-          </p:cNvPr>
+            <a:endParaRPr lang="en-US" dirty="0"/>
+          </a:p>
+        </p:txBody>
+      </p:sp>
+      <p:sp>
+        <p:nvSpPr>
+          <p:cNvPr id="3" name="Vertical Text Placeholder 2"/>
           <p:cNvSpPr>
             <a:spLocks noGrp="1"/>
           </p:cNvSpPr>
@@ -596,8 +739,8 @@
         </p:nvSpPr>
         <p:spPr>
           <a:xfrm>
-            <a:off x="838200" y="365125"/>
-            <a:ext cx="7734300" cy="5811838"/>
+            <a:off x="1371600" y="624156"/>
+            <a:ext cx="8179641" cy="5243244"/>
           </a:xfrm>
         </p:spPr>
         <p:txBody>
@@ -637,18 +780,13 @@
               <a:rPr lang="ru-RU"/>
               <a:t>Пятый уровень</a:t>
             </a:r>
-          </a:p>
-        </p:txBody>
-      </p:sp>
-      <p:sp>
-        <p:nvSpPr>
-          <p:cNvPr id="4" name="Дата 3">
-            <a:extLst>
-              <a:ext uri="{FF2B5EF4-FFF2-40B4-BE49-F238E27FC236}">
-                <a16:creationId xmlns:a16="http://schemas.microsoft.com/office/drawing/2014/main" id="{BBD28F24-D34B-AE25-6678-612A3036D128}"/>
-              </a:ext>
-            </a:extLst>
-          </p:cNvPr>
+            <a:endParaRPr lang="en-US" dirty="0"/>
+          </a:p>
+        </p:txBody>
+      </p:sp>
+      <p:sp>
+        <p:nvSpPr>
+          <p:cNvPr id="4" name="Date Placeholder 3"/>
           <p:cNvSpPr>
             <a:spLocks noGrp="1"/>
           </p:cNvSpPr>
@@ -663,7 +801,7 @@
           <a:p>
             <a:fld id="{7D352F4E-3E31-4954-BD79-3E3958D48CAC}" type="datetimeFigureOut">
               <a:rPr lang="ru-RU" smtClean="0"/>
-              <a:t>14.04.2023</a:t>
+              <a:t>27.04.2023</a:t>
             </a:fld>
             <a:endParaRPr lang="ru-RU"/>
           </a:p>
@@ -671,13 +809,7 @@
       </p:sp>
       <p:sp>
         <p:nvSpPr>
-          <p:cNvPr id="5" name="Нижний колонтитул 4">
-            <a:extLst>
-              <a:ext uri="{FF2B5EF4-FFF2-40B4-BE49-F238E27FC236}">
-                <a16:creationId xmlns:a16="http://schemas.microsoft.com/office/drawing/2014/main" id="{30F760F6-9951-35C2-869E-EDA5BCF72EC0}"/>
-              </a:ext>
-            </a:extLst>
-          </p:cNvPr>
+          <p:cNvPr id="5" name="Footer Placeholder 4"/>
           <p:cNvSpPr>
             <a:spLocks noGrp="1"/>
           </p:cNvSpPr>
@@ -696,13 +828,7 @@
       </p:sp>
       <p:sp>
         <p:nvSpPr>
-          <p:cNvPr id="6" name="Номер слайда 5">
-            <a:extLst>
-              <a:ext uri="{FF2B5EF4-FFF2-40B4-BE49-F238E27FC236}">
-                <a16:creationId xmlns:a16="http://schemas.microsoft.com/office/drawing/2014/main" id="{EC15D589-6EE6-27C3-D829-259CAC8B084F}"/>
-              </a:ext>
-            </a:extLst>
-          </p:cNvPr>
+          <p:cNvPr id="6" name="Slide Number Placeholder 5"/>
           <p:cNvSpPr>
             <a:spLocks noGrp="1"/>
           </p:cNvSpPr>
@@ -726,7 +852,7 @@
     </p:spTree>
     <p:extLst>
       <p:ext uri="{BB962C8B-B14F-4D97-AF65-F5344CB8AC3E}">
-        <p14:creationId xmlns:p14="http://schemas.microsoft.com/office/powerpoint/2010/main" val="1300365314"/>
+        <p14:creationId xmlns:p14="http://schemas.microsoft.com/office/powerpoint/2010/main" val="1554822184"/>
       </p:ext>
     </p:extLst>
   </p:cSld>
@@ -755,13 +881,7 @@
       </p:grpSpPr>
       <p:sp>
         <p:nvSpPr>
-          <p:cNvPr id="2" name="Заголовок 1">
-            <a:extLst>
-              <a:ext uri="{FF2B5EF4-FFF2-40B4-BE49-F238E27FC236}">
-                <a16:creationId xmlns:a16="http://schemas.microsoft.com/office/drawing/2014/main" id="{A8536CF7-2B20-7EA5-5837-DA63F5066ECA}"/>
-              </a:ext>
-            </a:extLst>
-          </p:cNvPr>
+          <p:cNvPr id="2" name="Title 1"/>
           <p:cNvSpPr>
             <a:spLocks noGrp="1"/>
           </p:cNvSpPr>
@@ -778,18 +898,13 @@
               <a:rPr lang="ru-RU"/>
               <a:t>Образец заголовка</a:t>
             </a:r>
-          </a:p>
-        </p:txBody>
-      </p:sp>
-      <p:sp>
-        <p:nvSpPr>
-          <p:cNvPr id="3" name="Объект 2">
-            <a:extLst>
-              <a:ext uri="{FF2B5EF4-FFF2-40B4-BE49-F238E27FC236}">
-                <a16:creationId xmlns:a16="http://schemas.microsoft.com/office/drawing/2014/main" id="{C6D5B432-0694-2FD4-0206-C97E1A2070D8}"/>
-              </a:ext>
-            </a:extLst>
-          </p:cNvPr>
+            <a:endParaRPr lang="en-US" dirty="0"/>
+          </a:p>
+        </p:txBody>
+      </p:sp>
+      <p:sp>
+        <p:nvSpPr>
+          <p:cNvPr id="3" name="Content Placeholder 2"/>
           <p:cNvSpPr>
             <a:spLocks noGrp="1"/>
           </p:cNvSpPr>
@@ -835,18 +950,13 @@
               <a:rPr lang="ru-RU"/>
               <a:t>Пятый уровень</a:t>
             </a:r>
-          </a:p>
-        </p:txBody>
-      </p:sp>
-      <p:sp>
-        <p:nvSpPr>
-          <p:cNvPr id="4" name="Дата 3">
-            <a:extLst>
-              <a:ext uri="{FF2B5EF4-FFF2-40B4-BE49-F238E27FC236}">
-                <a16:creationId xmlns:a16="http://schemas.microsoft.com/office/drawing/2014/main" id="{F6FDA4C6-A25B-8D4B-773D-4314CD87E0E3}"/>
-              </a:ext>
-            </a:extLst>
-          </p:cNvPr>
+            <a:endParaRPr lang="en-US" dirty="0"/>
+          </a:p>
+        </p:txBody>
+      </p:sp>
+      <p:sp>
+        <p:nvSpPr>
+          <p:cNvPr id="4" name="Date Placeholder 3"/>
           <p:cNvSpPr>
             <a:spLocks noGrp="1"/>
           </p:cNvSpPr>
@@ -861,7 +971,7 @@
           <a:p>
             <a:fld id="{7D352F4E-3E31-4954-BD79-3E3958D48CAC}" type="datetimeFigureOut">
               <a:rPr lang="ru-RU" smtClean="0"/>
-              <a:t>14.04.2023</a:t>
+              <a:t>27.04.2023</a:t>
             </a:fld>
             <a:endParaRPr lang="ru-RU"/>
           </a:p>
@@ -869,13 +979,7 @@
       </p:sp>
       <p:sp>
         <p:nvSpPr>
-          <p:cNvPr id="5" name="Нижний колонтитул 4">
-            <a:extLst>
-              <a:ext uri="{FF2B5EF4-FFF2-40B4-BE49-F238E27FC236}">
-                <a16:creationId xmlns:a16="http://schemas.microsoft.com/office/drawing/2014/main" id="{349EA578-6346-651D-1DF8-70839B984709}"/>
-              </a:ext>
-            </a:extLst>
-          </p:cNvPr>
+          <p:cNvPr id="5" name="Footer Placeholder 4"/>
           <p:cNvSpPr>
             <a:spLocks noGrp="1"/>
           </p:cNvSpPr>
@@ -894,13 +998,7 @@
       </p:sp>
       <p:sp>
         <p:nvSpPr>
-          <p:cNvPr id="6" name="Номер слайда 5">
-            <a:extLst>
-              <a:ext uri="{FF2B5EF4-FFF2-40B4-BE49-F238E27FC236}">
-                <a16:creationId xmlns:a16="http://schemas.microsoft.com/office/drawing/2014/main" id="{7005449B-814D-44EC-9B99-9775865604F2}"/>
-              </a:ext>
-            </a:extLst>
-          </p:cNvPr>
+          <p:cNvPr id="6" name="Slide Number Placeholder 5"/>
           <p:cNvSpPr>
             <a:spLocks noGrp="1"/>
           </p:cNvSpPr>
@@ -924,7 +1022,7 @@
     </p:spTree>
     <p:extLst>
       <p:ext uri="{BB962C8B-B14F-4D97-AF65-F5344CB8AC3E}">
-        <p14:creationId xmlns:p14="http://schemas.microsoft.com/office/powerpoint/2010/main" val="1833551827"/>
+        <p14:creationId xmlns:p14="http://schemas.microsoft.com/office/powerpoint/2010/main" val="3384657771"/>
       </p:ext>
     </p:extLst>
   </p:cSld>
@@ -935,8 +1033,13 @@
 </file>
 
 <file path=ppt/slideLayouts/slideLayout3.xml><?xml version="1.0" encoding="utf-8"?>
-<p:sldLayout xmlns:a="http://schemas.openxmlformats.org/drawingml/2006/main" xmlns:r="http://schemas.openxmlformats.org/officeDocument/2006/relationships" xmlns:p="http://schemas.openxmlformats.org/presentationml/2006/main" type="secHead" preserve="1">
+<p:sldLayout xmlns:a="http://schemas.openxmlformats.org/drawingml/2006/main" xmlns:r="http://schemas.openxmlformats.org/officeDocument/2006/relationships" xmlns:p="http://schemas.openxmlformats.org/presentationml/2006/main" showMasterSp="0" type="secHead" preserve="1">
   <p:cSld name="Заголовок раздела">
+    <p:bg>
+      <p:bgRef idx="1001">
+        <a:schemeClr val="bg2"/>
+      </p:bgRef>
+    </p:bg>
     <p:spTree>
       <p:nvGrpSpPr>
         <p:cNvPr id="1" name=""/>
@@ -953,13 +1056,7 @@
       </p:grpSpPr>
       <p:sp>
         <p:nvSpPr>
-          <p:cNvPr id="2" name="Заголовок 1">
-            <a:extLst>
-              <a:ext uri="{FF2B5EF4-FFF2-40B4-BE49-F238E27FC236}">
-                <a16:creationId xmlns:a16="http://schemas.microsoft.com/office/drawing/2014/main" id="{843F3C3C-D557-B5B6-6BFA-70A28BD2C439}"/>
-              </a:ext>
-            </a:extLst>
-          </p:cNvPr>
+          <p:cNvPr id="2" name="Title 1"/>
           <p:cNvSpPr>
             <a:spLocks noGrp="1"/>
           </p:cNvSpPr>
@@ -969,15 +1066,21 @@
         </p:nvSpPr>
         <p:spPr>
           <a:xfrm>
-            <a:off x="831850" y="1709738"/>
-            <a:ext cx="10515600" cy="2852737"/>
-          </a:xfrm>
-        </p:spPr>
-        <p:txBody>
-          <a:bodyPr anchor="b"/>
+            <a:off x="765025" y="1301360"/>
+            <a:ext cx="9612971" cy="2852737"/>
+          </a:xfrm>
+        </p:spPr>
+        <p:txBody>
+          <a:bodyPr anchor="b">
+            <a:normAutofit/>
+          </a:bodyPr>
           <a:lstStyle>
-            <a:lvl1pPr>
-              <a:defRPr sz="6000"/>
+            <a:lvl1pPr algn="r">
+              <a:defRPr sz="7200" cap="all" baseline="0">
+                <a:solidFill>
+                  <a:schemeClr val="tx2"/>
+                </a:solidFill>
+              </a:defRPr>
             </a:lvl1pPr>
           </a:lstStyle>
           <a:p>
@@ -985,18 +1088,13 @@
               <a:rPr lang="ru-RU"/>
               <a:t>Образец заголовка</a:t>
             </a:r>
-          </a:p>
-        </p:txBody>
-      </p:sp>
-      <p:sp>
-        <p:nvSpPr>
-          <p:cNvPr id="3" name="Текст 2">
-            <a:extLst>
-              <a:ext uri="{FF2B5EF4-FFF2-40B4-BE49-F238E27FC236}">
-                <a16:creationId xmlns:a16="http://schemas.microsoft.com/office/drawing/2014/main" id="{DE71EB11-E0C1-6A53-22AB-167CFBAF853B}"/>
-              </a:ext>
-            </a:extLst>
-          </p:cNvPr>
+            <a:endParaRPr lang="en-US" dirty="0"/>
+          </a:p>
+        </p:txBody>
+      </p:sp>
+      <p:sp>
+        <p:nvSpPr>
+          <p:cNvPr id="3" name="Text Placeholder 2"/>
           <p:cNvSpPr>
             <a:spLocks noGrp="1"/>
           </p:cNvSpPr>
@@ -1006,20 +1104,27 @@
         </p:nvSpPr>
         <p:spPr>
           <a:xfrm>
-            <a:off x="831850" y="4589463"/>
-            <a:ext cx="10515600" cy="1500187"/>
+            <a:off x="765025" y="4216328"/>
+            <a:ext cx="9612971" cy="1143324"/>
           </a:xfrm>
         </p:spPr>
         <p:txBody>
           <a:bodyPr/>
           <a:lstStyle>
-            <a:lvl1pPr marL="0" indent="0">
+            <a:lvl1pPr marL="0" indent="0" algn="r">
+              <a:lnSpc>
+                <a:spcPct val="112000"/>
+              </a:lnSpc>
+              <a:spcBef>
+                <a:spcPts val="0"/>
+              </a:spcBef>
+              <a:spcAft>
+                <a:spcPts val="0"/>
+              </a:spcAft>
               <a:buNone/>
               <a:defRPr sz="2400">
                 <a:solidFill>
-                  <a:schemeClr val="tx1">
-                    <a:tint val="75000"/>
-                  </a:schemeClr>
+                  <a:schemeClr val="tx2"/>
                 </a:solidFill>
               </a:defRPr>
             </a:lvl1pPr>
@@ -1115,13 +1220,7 @@
       </p:sp>
       <p:sp>
         <p:nvSpPr>
-          <p:cNvPr id="4" name="Дата 3">
-            <a:extLst>
-              <a:ext uri="{FF2B5EF4-FFF2-40B4-BE49-F238E27FC236}">
-                <a16:creationId xmlns:a16="http://schemas.microsoft.com/office/drawing/2014/main" id="{B260C2E2-9AE4-0B13-645F-4459CBC169AC}"/>
-              </a:ext>
-            </a:extLst>
-          </p:cNvPr>
+          <p:cNvPr id="4" name="Date Placeholder 3"/>
           <p:cNvSpPr>
             <a:spLocks noGrp="1"/>
           </p:cNvSpPr>
@@ -1129,14 +1228,27 @@
             <p:ph type="dt" sz="half" idx="10"/>
           </p:nvPr>
         </p:nvSpPr>
-        <p:spPr/>
-        <p:txBody>
-          <a:bodyPr/>
-          <a:lstStyle/>
+        <p:spPr>
+          <a:xfrm>
+            <a:off x="738908" y="6453386"/>
+            <a:ext cx="1622409" cy="404614"/>
+          </a:xfrm>
+        </p:spPr>
+        <p:txBody>
+          <a:bodyPr/>
+          <a:lstStyle>
+            <a:lvl1pPr>
+              <a:defRPr>
+                <a:solidFill>
+                  <a:schemeClr val="tx2"/>
+                </a:solidFill>
+              </a:defRPr>
+            </a:lvl1pPr>
+          </a:lstStyle>
           <a:p>
             <a:fld id="{7D352F4E-3E31-4954-BD79-3E3958D48CAC}" type="datetimeFigureOut">
               <a:rPr lang="ru-RU" smtClean="0"/>
-              <a:t>14.04.2023</a:t>
+              <a:t>27.04.2023</a:t>
             </a:fld>
             <a:endParaRPr lang="ru-RU"/>
           </a:p>
@@ -1144,13 +1256,7 @@
       </p:sp>
       <p:sp>
         <p:nvSpPr>
-          <p:cNvPr id="5" name="Нижний колонтитул 4">
-            <a:extLst>
-              <a:ext uri="{FF2B5EF4-FFF2-40B4-BE49-F238E27FC236}">
-                <a16:creationId xmlns:a16="http://schemas.microsoft.com/office/drawing/2014/main" id="{E1C53D59-DDC1-80B2-CBF1-97643A1EAC35}"/>
-              </a:ext>
-            </a:extLst>
-          </p:cNvPr>
+          <p:cNvPr id="5" name="Footer Placeholder 4"/>
           <p:cNvSpPr>
             <a:spLocks noGrp="1"/>
           </p:cNvSpPr>
@@ -1158,10 +1264,23 @@
             <p:ph type="ftr" sz="quarter" idx="11"/>
           </p:nvPr>
         </p:nvSpPr>
-        <p:spPr/>
-        <p:txBody>
-          <a:bodyPr/>
-          <a:lstStyle/>
+        <p:spPr>
+          <a:xfrm>
+            <a:off x="2584312" y="6453386"/>
+            <a:ext cx="7023377" cy="404614"/>
+          </a:xfrm>
+        </p:spPr>
+        <p:txBody>
+          <a:bodyPr/>
+          <a:lstStyle>
+            <a:lvl1pPr algn="ctr">
+              <a:defRPr>
+                <a:solidFill>
+                  <a:schemeClr val="tx2"/>
+                </a:solidFill>
+              </a:defRPr>
+            </a:lvl1pPr>
+          </a:lstStyle>
           <a:p>
             <a:endParaRPr lang="ru-RU"/>
           </a:p>
@@ -1169,13 +1288,7 @@
       </p:sp>
       <p:sp>
         <p:nvSpPr>
-          <p:cNvPr id="6" name="Номер слайда 5">
-            <a:extLst>
-              <a:ext uri="{FF2B5EF4-FFF2-40B4-BE49-F238E27FC236}">
-                <a16:creationId xmlns:a16="http://schemas.microsoft.com/office/drawing/2014/main" id="{1F525B96-6C8A-E525-DFE2-C3071E371DA5}"/>
-              </a:ext>
-            </a:extLst>
-          </p:cNvPr>
+          <p:cNvPr id="6" name="Slide Number Placeholder 5"/>
           <p:cNvSpPr>
             <a:spLocks noGrp="1"/>
           </p:cNvSpPr>
@@ -1183,10 +1296,23 @@
             <p:ph type="sldNum" sz="quarter" idx="12"/>
           </p:nvPr>
         </p:nvSpPr>
-        <p:spPr/>
-        <p:txBody>
-          <a:bodyPr/>
-          <a:lstStyle/>
+        <p:spPr>
+          <a:xfrm>
+            <a:off x="9830683" y="6453386"/>
+            <a:ext cx="1596292" cy="404614"/>
+          </a:xfrm>
+        </p:spPr>
+        <p:txBody>
+          <a:bodyPr/>
+          <a:lstStyle>
+            <a:lvl1pPr>
+              <a:defRPr>
+                <a:solidFill>
+                  <a:schemeClr val="tx2"/>
+                </a:solidFill>
+              </a:defRPr>
+            </a:lvl1pPr>
+          </a:lstStyle>
           <a:p>
             <a:fld id="{DDA2BE4B-F33C-4F1A-9893-4799D809970F}" type="slidenum">
               <a:rPr lang="ru-RU" smtClean="0"/>
@@ -1196,15 +1322,71 @@
           </a:p>
         </p:txBody>
       </p:sp>
+      <p:sp>
+        <p:nvSpPr>
+          <p:cNvPr id="7" name="Freeform 6" title="Crop Mark"/>
+          <p:cNvSpPr/>
+          <p:nvPr/>
+        </p:nvSpPr>
+        <p:spPr bwMode="auto">
+          <a:xfrm>
+            <a:off x="8151962" y="1685652"/>
+            <a:ext cx="3275013" cy="4408488"/>
+          </a:xfrm>
+          <a:custGeom>
+            <a:avLst/>
+            <a:gdLst/>
+            <a:ahLst/>
+            <a:cxnLst/>
+            <a:rect l="0" t="0" r="r" b="b"/>
+            <a:pathLst>
+              <a:path w="4125" h="5554">
+                <a:moveTo>
+                  <a:pt x="3614" y="0"/>
+                </a:moveTo>
+                <a:lnTo>
+                  <a:pt x="4125" y="0"/>
+                </a:lnTo>
+                <a:lnTo>
+                  <a:pt x="4125" y="5554"/>
+                </a:lnTo>
+                <a:lnTo>
+                  <a:pt x="0" y="5554"/>
+                </a:lnTo>
+                <a:lnTo>
+                  <a:pt x="0" y="5074"/>
+                </a:lnTo>
+                <a:lnTo>
+                  <a:pt x="3614" y="5074"/>
+                </a:lnTo>
+                <a:lnTo>
+                  <a:pt x="3614" y="0"/>
+                </a:lnTo>
+                <a:close/>
+              </a:path>
+            </a:pathLst>
+          </a:custGeom>
+          <a:solidFill>
+            <a:schemeClr val="tx2"/>
+          </a:solidFill>
+          <a:ln w="0">
+            <a:noFill/>
+            <a:prstDash val="solid"/>
+            <a:round/>
+            <a:headEnd/>
+            <a:tailEnd/>
+          </a:ln>
+        </p:spPr>
+      </p:sp>
     </p:spTree>
     <p:extLst>
       <p:ext uri="{BB962C8B-B14F-4D97-AF65-F5344CB8AC3E}">
-        <p14:creationId xmlns:p14="http://schemas.microsoft.com/office/powerpoint/2010/main" val="2746204815"/>
+        <p14:creationId xmlns:p14="http://schemas.microsoft.com/office/powerpoint/2010/main" val="3253079712"/>
       </p:ext>
     </p:extLst>
   </p:cSld>
   <p:clrMapOvr>
-    <a:masterClrMapping/>
+    <a:overrideClrMapping bg1="dk1" tx1="lt1" bg2="dk2" tx2="lt2" accent1="accent1" accent2="accent2" accent3="accent3" accent4="accent4" accent5="accent5" accent6="accent6" hlink="hlink" folHlink="folHlink"/>
   </p:clrMapOvr>
 </p:sldLayout>
 </file>
@@ -1228,13 +1410,7 @@
       </p:grpSpPr>
       <p:sp>
         <p:nvSpPr>
-          <p:cNvPr id="2" name="Заголовок 1">
-            <a:extLst>
-              <a:ext uri="{FF2B5EF4-FFF2-40B4-BE49-F238E27FC236}">
-                <a16:creationId xmlns:a16="http://schemas.microsoft.com/office/drawing/2014/main" id="{FE88274D-FD92-00B4-3CD1-27B7F37954D6}"/>
-              </a:ext>
-            </a:extLst>
-          </p:cNvPr>
+          <p:cNvPr id="2" name="Title 1"/>
           <p:cNvSpPr>
             <a:spLocks noGrp="1"/>
           </p:cNvSpPr>
@@ -1245,24 +1421,27 @@
         <p:spPr/>
         <p:txBody>
           <a:bodyPr/>
-          <a:lstStyle/>
+          <a:lstStyle>
+            <a:lvl1pPr>
+              <a:defRPr>
+                <a:solidFill>
+                  <a:schemeClr val="tx2"/>
+                </a:solidFill>
+              </a:defRPr>
+            </a:lvl1pPr>
+          </a:lstStyle>
           <a:p>
             <a:r>
               <a:rPr lang="ru-RU"/>
               <a:t>Образец заголовка</a:t>
             </a:r>
-          </a:p>
-        </p:txBody>
-      </p:sp>
-      <p:sp>
-        <p:nvSpPr>
-          <p:cNvPr id="3" name="Объект 2">
-            <a:extLst>
-              <a:ext uri="{FF2B5EF4-FFF2-40B4-BE49-F238E27FC236}">
-                <a16:creationId xmlns:a16="http://schemas.microsoft.com/office/drawing/2014/main" id="{A0B0AD43-5702-F0A2-B130-1D48A25B0225}"/>
-              </a:ext>
-            </a:extLst>
-          </p:cNvPr>
+            <a:endParaRPr lang="en-US" dirty="0"/>
+          </a:p>
+        </p:txBody>
+      </p:sp>
+      <p:sp>
+        <p:nvSpPr>
+          <p:cNvPr id="3" name="Content Placeholder 2"/>
           <p:cNvSpPr>
             <a:spLocks noGrp="1"/>
           </p:cNvSpPr>
@@ -1272,13 +1451,49 @@
         </p:nvSpPr>
         <p:spPr>
           <a:xfrm>
-            <a:off x="838200" y="1825625"/>
-            <a:ext cx="5181600" cy="4351338"/>
-          </a:xfrm>
-        </p:spPr>
-        <p:txBody>
-          <a:bodyPr/>
-          <a:lstStyle/>
+            <a:off x="1371600" y="2285999"/>
+            <a:ext cx="4447786" cy="3581401"/>
+          </a:xfrm>
+        </p:spPr>
+        <p:txBody>
+          <a:bodyPr/>
+          <a:lstStyle>
+            <a:lvl1pPr>
+              <a:defRPr baseline="0">
+                <a:solidFill>
+                  <a:schemeClr val="tx2"/>
+                </a:solidFill>
+              </a:defRPr>
+            </a:lvl1pPr>
+            <a:lvl2pPr>
+              <a:defRPr baseline="0">
+                <a:solidFill>
+                  <a:schemeClr val="tx2"/>
+                </a:solidFill>
+              </a:defRPr>
+            </a:lvl2pPr>
+            <a:lvl3pPr>
+              <a:defRPr baseline="0">
+                <a:solidFill>
+                  <a:schemeClr val="tx2"/>
+                </a:solidFill>
+              </a:defRPr>
+            </a:lvl3pPr>
+            <a:lvl4pPr>
+              <a:defRPr baseline="0">
+                <a:solidFill>
+                  <a:schemeClr val="tx2"/>
+                </a:solidFill>
+              </a:defRPr>
+            </a:lvl4pPr>
+            <a:lvl5pPr>
+              <a:defRPr baseline="0">
+                <a:solidFill>
+                  <a:schemeClr val="tx2"/>
+                </a:solidFill>
+              </a:defRPr>
+            </a:lvl5pPr>
+          </a:lstStyle>
           <a:p>
             <a:pPr lvl="0"/>
             <a:r>
@@ -1313,18 +1528,13 @@
               <a:rPr lang="ru-RU"/>
               <a:t>Пятый уровень</a:t>
             </a:r>
-          </a:p>
-        </p:txBody>
-      </p:sp>
-      <p:sp>
-        <p:nvSpPr>
-          <p:cNvPr id="4" name="Объект 3">
-            <a:extLst>
-              <a:ext uri="{FF2B5EF4-FFF2-40B4-BE49-F238E27FC236}">
-                <a16:creationId xmlns:a16="http://schemas.microsoft.com/office/drawing/2014/main" id="{FF81865D-FEEC-4979-A8C4-3B15EC90E52C}"/>
-              </a:ext>
-            </a:extLst>
-          </p:cNvPr>
+            <a:endParaRPr lang="en-US" dirty="0"/>
+          </a:p>
+        </p:txBody>
+      </p:sp>
+      <p:sp>
+        <p:nvSpPr>
+          <p:cNvPr id="4" name="Content Placeholder 3"/>
           <p:cNvSpPr>
             <a:spLocks noGrp="1"/>
           </p:cNvSpPr>
@@ -1334,13 +1544,49 @@
         </p:nvSpPr>
         <p:spPr>
           <a:xfrm>
-            <a:off x="6172200" y="1825625"/>
-            <a:ext cx="5181600" cy="4351338"/>
-          </a:xfrm>
-        </p:spPr>
-        <p:txBody>
-          <a:bodyPr/>
-          <a:lstStyle/>
+            <a:off x="6525403" y="2285999"/>
+            <a:ext cx="4447786" cy="3581401"/>
+          </a:xfrm>
+        </p:spPr>
+        <p:txBody>
+          <a:bodyPr/>
+          <a:lstStyle>
+            <a:lvl1pPr>
+              <a:defRPr>
+                <a:solidFill>
+                  <a:schemeClr val="tx2"/>
+                </a:solidFill>
+              </a:defRPr>
+            </a:lvl1pPr>
+            <a:lvl2pPr>
+              <a:defRPr>
+                <a:solidFill>
+                  <a:schemeClr val="tx2"/>
+                </a:solidFill>
+              </a:defRPr>
+            </a:lvl2pPr>
+            <a:lvl3pPr>
+              <a:defRPr>
+                <a:solidFill>
+                  <a:schemeClr val="tx2"/>
+                </a:solidFill>
+              </a:defRPr>
+            </a:lvl3pPr>
+            <a:lvl4pPr>
+              <a:defRPr>
+                <a:solidFill>
+                  <a:schemeClr val="tx2"/>
+                </a:solidFill>
+              </a:defRPr>
+            </a:lvl4pPr>
+            <a:lvl5pPr>
+              <a:defRPr>
+                <a:solidFill>
+                  <a:schemeClr val="tx2"/>
+                </a:solidFill>
+              </a:defRPr>
+            </a:lvl5pPr>
+          </a:lstStyle>
           <a:p>
             <a:pPr lvl="0"/>
             <a:r>
@@ -1375,18 +1621,13 @@
               <a:rPr lang="ru-RU"/>
               <a:t>Пятый уровень</a:t>
             </a:r>
-          </a:p>
-        </p:txBody>
-      </p:sp>
-      <p:sp>
-        <p:nvSpPr>
-          <p:cNvPr id="5" name="Дата 4">
-            <a:extLst>
-              <a:ext uri="{FF2B5EF4-FFF2-40B4-BE49-F238E27FC236}">
-                <a16:creationId xmlns:a16="http://schemas.microsoft.com/office/drawing/2014/main" id="{D4EE75B4-5AA8-6D29-B1CB-C3082E9B89C8}"/>
-              </a:ext>
-            </a:extLst>
-          </p:cNvPr>
+            <a:endParaRPr lang="en-US" dirty="0"/>
+          </a:p>
+        </p:txBody>
+      </p:sp>
+      <p:sp>
+        <p:nvSpPr>
+          <p:cNvPr id="5" name="Date Placeholder 4"/>
           <p:cNvSpPr>
             <a:spLocks noGrp="1"/>
           </p:cNvSpPr>
@@ -1401,7 +1642,7 @@
           <a:p>
             <a:fld id="{7D352F4E-3E31-4954-BD79-3E3958D48CAC}" type="datetimeFigureOut">
               <a:rPr lang="ru-RU" smtClean="0"/>
-              <a:t>14.04.2023</a:t>
+              <a:t>27.04.2023</a:t>
             </a:fld>
             <a:endParaRPr lang="ru-RU"/>
           </a:p>
@@ -1409,13 +1650,7 @@
       </p:sp>
       <p:sp>
         <p:nvSpPr>
-          <p:cNvPr id="6" name="Нижний колонтитул 5">
-            <a:extLst>
-              <a:ext uri="{FF2B5EF4-FFF2-40B4-BE49-F238E27FC236}">
-                <a16:creationId xmlns:a16="http://schemas.microsoft.com/office/drawing/2014/main" id="{0DCF5C0B-F389-7708-0C2E-5105F2F05E9B}"/>
-              </a:ext>
-            </a:extLst>
-          </p:cNvPr>
+          <p:cNvPr id="6" name="Footer Placeholder 5"/>
           <p:cNvSpPr>
             <a:spLocks noGrp="1"/>
           </p:cNvSpPr>
@@ -1434,13 +1669,7 @@
       </p:sp>
       <p:sp>
         <p:nvSpPr>
-          <p:cNvPr id="7" name="Номер слайда 6">
-            <a:extLst>
-              <a:ext uri="{FF2B5EF4-FFF2-40B4-BE49-F238E27FC236}">
-                <a16:creationId xmlns:a16="http://schemas.microsoft.com/office/drawing/2014/main" id="{587EA137-2E70-1694-8EB1-49C9E8E80A19}"/>
-              </a:ext>
-            </a:extLst>
-          </p:cNvPr>
+          <p:cNvPr id="7" name="Slide Number Placeholder 6"/>
           <p:cNvSpPr>
             <a:spLocks noGrp="1"/>
           </p:cNvSpPr>
@@ -1464,7 +1693,7 @@
     </p:spTree>
     <p:extLst>
       <p:ext uri="{BB962C8B-B14F-4D97-AF65-F5344CB8AC3E}">
-        <p14:creationId xmlns:p14="http://schemas.microsoft.com/office/powerpoint/2010/main" val="2970083654"/>
+        <p14:creationId xmlns:p14="http://schemas.microsoft.com/office/powerpoint/2010/main" val="3550594183"/>
       </p:ext>
     </p:extLst>
   </p:cSld>
@@ -1493,13 +1722,7 @@
       </p:grpSpPr>
       <p:sp>
         <p:nvSpPr>
-          <p:cNvPr id="2" name="Заголовок 1">
-            <a:extLst>
-              <a:ext uri="{FF2B5EF4-FFF2-40B4-BE49-F238E27FC236}">
-                <a16:creationId xmlns:a16="http://schemas.microsoft.com/office/drawing/2014/main" id="{1FB58C4F-D4AF-3F02-11E5-2DEB3DB04C79}"/>
-              </a:ext>
-            </a:extLst>
-          </p:cNvPr>
+          <p:cNvPr id="2" name="Title 1"/>
           <p:cNvSpPr>
             <a:spLocks noGrp="1"/>
           </p:cNvSpPr>
@@ -1509,30 +1732,33 @@
         </p:nvSpPr>
         <p:spPr>
           <a:xfrm>
-            <a:off x="839788" y="365125"/>
-            <a:ext cx="10515600" cy="1325563"/>
-          </a:xfrm>
-        </p:spPr>
-        <p:txBody>
-          <a:bodyPr/>
-          <a:lstStyle/>
+            <a:off x="1371600" y="685800"/>
+            <a:ext cx="9601200" cy="1485900"/>
+          </a:xfrm>
+        </p:spPr>
+        <p:txBody>
+          <a:bodyPr/>
+          <a:lstStyle>
+            <a:lvl1pPr>
+              <a:defRPr>
+                <a:solidFill>
+                  <a:schemeClr val="tx2"/>
+                </a:solidFill>
+              </a:defRPr>
+            </a:lvl1pPr>
+          </a:lstStyle>
           <a:p>
             <a:r>
               <a:rPr lang="ru-RU"/>
               <a:t>Образец заголовка</a:t>
             </a:r>
-          </a:p>
-        </p:txBody>
-      </p:sp>
-      <p:sp>
-        <p:nvSpPr>
-          <p:cNvPr id="3" name="Текст 2">
-            <a:extLst>
-              <a:ext uri="{FF2B5EF4-FFF2-40B4-BE49-F238E27FC236}">
-                <a16:creationId xmlns:a16="http://schemas.microsoft.com/office/drawing/2014/main" id="{EE177770-20FE-674E-F3D6-7D6519A0E7EC}"/>
-              </a:ext>
-            </a:extLst>
-          </p:cNvPr>
+            <a:endParaRPr lang="en-US" dirty="0"/>
+          </a:p>
+        </p:txBody>
+      </p:sp>
+      <p:sp>
+        <p:nvSpPr>
+          <p:cNvPr id="3" name="Text Placeholder 2"/>
           <p:cNvSpPr>
             <a:spLocks noGrp="1"/>
           </p:cNvSpPr>
@@ -1542,16 +1768,31 @@
         </p:nvSpPr>
         <p:spPr>
           <a:xfrm>
-            <a:off x="839788" y="1681163"/>
-            <a:ext cx="5157787" cy="823912"/>
-          </a:xfrm>
-        </p:spPr>
-        <p:txBody>
-          <a:bodyPr anchor="b"/>
+            <a:off x="1371600" y="2340864"/>
+            <a:ext cx="4443984" cy="823912"/>
+          </a:xfrm>
+        </p:spPr>
+        <p:txBody>
+          <a:bodyPr anchor="b">
+            <a:noAutofit/>
+          </a:bodyPr>
           <a:lstStyle>
             <a:lvl1pPr marL="0" indent="0">
-              <a:buNone/>
-              <a:defRPr sz="2400" b="1"/>
+              <a:lnSpc>
+                <a:spcPct val="84000"/>
+              </a:lnSpc>
+              <a:spcBef>
+                <a:spcPts val="0"/>
+              </a:spcBef>
+              <a:spcAft>
+                <a:spcPts val="0"/>
+              </a:spcAft>
+              <a:buNone/>
+              <a:defRPr sz="3000" b="0" baseline="0">
+                <a:solidFill>
+                  <a:schemeClr val="tx2"/>
+                </a:solidFill>
+              </a:defRPr>
             </a:lvl1pPr>
             <a:lvl2pPr marL="457200" indent="0">
               <a:buNone/>
@@ -1597,13 +1838,7 @@
       </p:sp>
       <p:sp>
         <p:nvSpPr>
-          <p:cNvPr id="4" name="Объект 3">
-            <a:extLst>
-              <a:ext uri="{FF2B5EF4-FFF2-40B4-BE49-F238E27FC236}">
-                <a16:creationId xmlns:a16="http://schemas.microsoft.com/office/drawing/2014/main" id="{0B5C293C-039F-0498-9018-177CA5A788D6}"/>
-              </a:ext>
-            </a:extLst>
-          </p:cNvPr>
+          <p:cNvPr id="4" name="Content Placeholder 3"/>
           <p:cNvSpPr>
             <a:spLocks noGrp="1"/>
           </p:cNvSpPr>
@@ -1613,13 +1848,49 @@
         </p:nvSpPr>
         <p:spPr>
           <a:xfrm>
-            <a:off x="839788" y="2505075"/>
-            <a:ext cx="5157787" cy="3684588"/>
-          </a:xfrm>
-        </p:spPr>
-        <p:txBody>
-          <a:bodyPr/>
-          <a:lstStyle/>
+            <a:off x="1371600" y="3305207"/>
+            <a:ext cx="4443984" cy="2562193"/>
+          </a:xfrm>
+        </p:spPr>
+        <p:txBody>
+          <a:bodyPr/>
+          <a:lstStyle>
+            <a:lvl1pPr>
+              <a:defRPr baseline="0">
+                <a:solidFill>
+                  <a:schemeClr val="tx2"/>
+                </a:solidFill>
+              </a:defRPr>
+            </a:lvl1pPr>
+            <a:lvl2pPr>
+              <a:defRPr baseline="0">
+                <a:solidFill>
+                  <a:schemeClr val="tx2"/>
+                </a:solidFill>
+              </a:defRPr>
+            </a:lvl2pPr>
+            <a:lvl3pPr>
+              <a:defRPr baseline="0">
+                <a:solidFill>
+                  <a:schemeClr val="tx2"/>
+                </a:solidFill>
+              </a:defRPr>
+            </a:lvl3pPr>
+            <a:lvl4pPr>
+              <a:defRPr baseline="0">
+                <a:solidFill>
+                  <a:schemeClr val="tx2"/>
+                </a:solidFill>
+              </a:defRPr>
+            </a:lvl4pPr>
+            <a:lvl5pPr>
+              <a:defRPr baseline="0">
+                <a:solidFill>
+                  <a:schemeClr val="tx2"/>
+                </a:solidFill>
+              </a:defRPr>
+            </a:lvl5pPr>
+          </a:lstStyle>
           <a:p>
             <a:pPr lvl="0"/>
             <a:r>
@@ -1654,18 +1925,13 @@
               <a:rPr lang="ru-RU"/>
               <a:t>Пятый уровень</a:t>
             </a:r>
-          </a:p>
-        </p:txBody>
-      </p:sp>
-      <p:sp>
-        <p:nvSpPr>
-          <p:cNvPr id="5" name="Текст 4">
-            <a:extLst>
-              <a:ext uri="{FF2B5EF4-FFF2-40B4-BE49-F238E27FC236}">
-                <a16:creationId xmlns:a16="http://schemas.microsoft.com/office/drawing/2014/main" id="{F4BF561F-28F1-AEBC-D079-57A8D677A11B}"/>
-              </a:ext>
-            </a:extLst>
-          </p:cNvPr>
+            <a:endParaRPr lang="en-US" dirty="0"/>
+          </a:p>
+        </p:txBody>
+      </p:sp>
+      <p:sp>
+        <p:nvSpPr>
+          <p:cNvPr id="5" name="Text Placeholder 4"/>
           <p:cNvSpPr>
             <a:spLocks noGrp="1"/>
           </p:cNvSpPr>
@@ -1675,16 +1941,31 @@
         </p:nvSpPr>
         <p:spPr>
           <a:xfrm>
-            <a:off x="6172200" y="1681163"/>
-            <a:ext cx="5183188" cy="823912"/>
-          </a:xfrm>
-        </p:spPr>
-        <p:txBody>
-          <a:bodyPr anchor="b"/>
+            <a:off x="6525014" y="2340864"/>
+            <a:ext cx="4443984" cy="823912"/>
+          </a:xfrm>
+        </p:spPr>
+        <p:txBody>
+          <a:bodyPr anchor="b">
+            <a:noAutofit/>
+          </a:bodyPr>
           <a:lstStyle>
             <a:lvl1pPr marL="0" indent="0">
-              <a:buNone/>
-              <a:defRPr sz="2400" b="1"/>
+              <a:lnSpc>
+                <a:spcPct val="84000"/>
+              </a:lnSpc>
+              <a:spcBef>
+                <a:spcPts val="0"/>
+              </a:spcBef>
+              <a:spcAft>
+                <a:spcPts val="0"/>
+              </a:spcAft>
+              <a:buNone/>
+              <a:defRPr sz="3000" b="0" baseline="0">
+                <a:solidFill>
+                  <a:schemeClr val="tx2"/>
+                </a:solidFill>
+              </a:defRPr>
             </a:lvl1pPr>
             <a:lvl2pPr marL="457200" indent="0">
               <a:buNone/>
@@ -1730,13 +2011,7 @@
       </p:sp>
       <p:sp>
         <p:nvSpPr>
-          <p:cNvPr id="6" name="Объект 5">
-            <a:extLst>
-              <a:ext uri="{FF2B5EF4-FFF2-40B4-BE49-F238E27FC236}">
-                <a16:creationId xmlns:a16="http://schemas.microsoft.com/office/drawing/2014/main" id="{0A6B2996-E367-0D58-D8A6-868F7F84701F}"/>
-              </a:ext>
-            </a:extLst>
-          </p:cNvPr>
+          <p:cNvPr id="6" name="Content Placeholder 5"/>
           <p:cNvSpPr>
             <a:spLocks noGrp="1"/>
           </p:cNvSpPr>
@@ -1746,13 +2021,49 @@
         </p:nvSpPr>
         <p:spPr>
           <a:xfrm>
-            <a:off x="6172200" y="2505075"/>
-            <a:ext cx="5183188" cy="3684588"/>
-          </a:xfrm>
-        </p:spPr>
-        <p:txBody>
-          <a:bodyPr/>
-          <a:lstStyle/>
+            <a:off x="6525014" y="3305207"/>
+            <a:ext cx="4443984" cy="2562193"/>
+          </a:xfrm>
+        </p:spPr>
+        <p:txBody>
+          <a:bodyPr/>
+          <a:lstStyle>
+            <a:lvl1pPr>
+              <a:defRPr baseline="0">
+                <a:solidFill>
+                  <a:schemeClr val="tx2"/>
+                </a:solidFill>
+              </a:defRPr>
+            </a:lvl1pPr>
+            <a:lvl2pPr>
+              <a:defRPr baseline="0">
+                <a:solidFill>
+                  <a:schemeClr val="tx2"/>
+                </a:solidFill>
+              </a:defRPr>
+            </a:lvl2pPr>
+            <a:lvl3pPr>
+              <a:defRPr baseline="0">
+                <a:solidFill>
+                  <a:schemeClr val="tx2"/>
+                </a:solidFill>
+              </a:defRPr>
+            </a:lvl3pPr>
+            <a:lvl4pPr>
+              <a:defRPr baseline="0">
+                <a:solidFill>
+                  <a:schemeClr val="tx2"/>
+                </a:solidFill>
+              </a:defRPr>
+            </a:lvl4pPr>
+            <a:lvl5pPr>
+              <a:defRPr baseline="0">
+                <a:solidFill>
+                  <a:schemeClr val="tx2"/>
+                </a:solidFill>
+              </a:defRPr>
+            </a:lvl5pPr>
+          </a:lstStyle>
           <a:p>
             <a:pPr lvl="0"/>
             <a:r>
@@ -1787,18 +2098,13 @@
               <a:rPr lang="ru-RU"/>
               <a:t>Пятый уровень</a:t>
             </a:r>
-          </a:p>
-        </p:txBody>
-      </p:sp>
-      <p:sp>
-        <p:nvSpPr>
-          <p:cNvPr id="7" name="Дата 6">
-            <a:extLst>
-              <a:ext uri="{FF2B5EF4-FFF2-40B4-BE49-F238E27FC236}">
-                <a16:creationId xmlns:a16="http://schemas.microsoft.com/office/drawing/2014/main" id="{54EE7BAD-F0C9-DD56-1838-A52EA0D1B2BF}"/>
-              </a:ext>
-            </a:extLst>
-          </p:cNvPr>
+            <a:endParaRPr lang="en-US" dirty="0"/>
+          </a:p>
+        </p:txBody>
+      </p:sp>
+      <p:sp>
+        <p:nvSpPr>
+          <p:cNvPr id="7" name="Date Placeholder 6"/>
           <p:cNvSpPr>
             <a:spLocks noGrp="1"/>
           </p:cNvSpPr>
@@ -1813,7 +2119,7 @@
           <a:p>
             <a:fld id="{7D352F4E-3E31-4954-BD79-3E3958D48CAC}" type="datetimeFigureOut">
               <a:rPr lang="ru-RU" smtClean="0"/>
-              <a:t>14.04.2023</a:t>
+              <a:t>27.04.2023</a:t>
             </a:fld>
             <a:endParaRPr lang="ru-RU"/>
           </a:p>
@@ -1821,13 +2127,7 @@
       </p:sp>
       <p:sp>
         <p:nvSpPr>
-          <p:cNvPr id="8" name="Нижний колонтитул 7">
-            <a:extLst>
-              <a:ext uri="{FF2B5EF4-FFF2-40B4-BE49-F238E27FC236}">
-                <a16:creationId xmlns:a16="http://schemas.microsoft.com/office/drawing/2014/main" id="{499301F2-F240-0CB4-98EF-86B2593EE0FC}"/>
-              </a:ext>
-            </a:extLst>
-          </p:cNvPr>
+          <p:cNvPr id="8" name="Footer Placeholder 7"/>
           <p:cNvSpPr>
             <a:spLocks noGrp="1"/>
           </p:cNvSpPr>
@@ -1846,13 +2146,7 @@
       </p:sp>
       <p:sp>
         <p:nvSpPr>
-          <p:cNvPr id="9" name="Номер слайда 8">
-            <a:extLst>
-              <a:ext uri="{FF2B5EF4-FFF2-40B4-BE49-F238E27FC236}">
-                <a16:creationId xmlns:a16="http://schemas.microsoft.com/office/drawing/2014/main" id="{62F1E4CF-9558-C497-4268-39B63EA7B545}"/>
-              </a:ext>
-            </a:extLst>
-          </p:cNvPr>
+          <p:cNvPr id="9" name="Slide Number Placeholder 8"/>
           <p:cNvSpPr>
             <a:spLocks noGrp="1"/>
           </p:cNvSpPr>
@@ -1876,7 +2170,7 @@
     </p:spTree>
     <p:extLst>
       <p:ext uri="{BB962C8B-B14F-4D97-AF65-F5344CB8AC3E}">
-        <p14:creationId xmlns:p14="http://schemas.microsoft.com/office/powerpoint/2010/main" val="3608655888"/>
+        <p14:creationId xmlns:p14="http://schemas.microsoft.com/office/powerpoint/2010/main" val="1458875498"/>
       </p:ext>
     </p:extLst>
   </p:cSld>
@@ -1905,13 +2199,7 @@
       </p:grpSpPr>
       <p:sp>
         <p:nvSpPr>
-          <p:cNvPr id="2" name="Заголовок 1">
-            <a:extLst>
-              <a:ext uri="{FF2B5EF4-FFF2-40B4-BE49-F238E27FC236}">
-                <a16:creationId xmlns:a16="http://schemas.microsoft.com/office/drawing/2014/main" id="{600D95CF-AFD5-5685-2C1A-6BA1C551DE94}"/>
-              </a:ext>
-            </a:extLst>
-          </p:cNvPr>
+          <p:cNvPr id="2" name="Title 1"/>
           <p:cNvSpPr>
             <a:spLocks noGrp="1"/>
           </p:cNvSpPr>
@@ -1928,18 +2216,13 @@
               <a:rPr lang="ru-RU"/>
               <a:t>Образец заголовка</a:t>
             </a:r>
-          </a:p>
-        </p:txBody>
-      </p:sp>
-      <p:sp>
-        <p:nvSpPr>
-          <p:cNvPr id="3" name="Дата 2">
-            <a:extLst>
-              <a:ext uri="{FF2B5EF4-FFF2-40B4-BE49-F238E27FC236}">
-                <a16:creationId xmlns:a16="http://schemas.microsoft.com/office/drawing/2014/main" id="{3733E457-36C2-1A1F-BCFF-793703D913F5}"/>
-              </a:ext>
-            </a:extLst>
-          </p:cNvPr>
+            <a:endParaRPr lang="en-US" dirty="0"/>
+          </a:p>
+        </p:txBody>
+      </p:sp>
+      <p:sp>
+        <p:nvSpPr>
+          <p:cNvPr id="3" name="Date Placeholder 2"/>
           <p:cNvSpPr>
             <a:spLocks noGrp="1"/>
           </p:cNvSpPr>
@@ -1954,7 +2237,7 @@
           <a:p>
             <a:fld id="{7D352F4E-3E31-4954-BD79-3E3958D48CAC}" type="datetimeFigureOut">
               <a:rPr lang="ru-RU" smtClean="0"/>
-              <a:t>14.04.2023</a:t>
+              <a:t>27.04.2023</a:t>
             </a:fld>
             <a:endParaRPr lang="ru-RU"/>
           </a:p>
@@ -1962,13 +2245,7 @@
       </p:sp>
       <p:sp>
         <p:nvSpPr>
-          <p:cNvPr id="4" name="Нижний колонтитул 3">
-            <a:extLst>
-              <a:ext uri="{FF2B5EF4-FFF2-40B4-BE49-F238E27FC236}">
-                <a16:creationId xmlns:a16="http://schemas.microsoft.com/office/drawing/2014/main" id="{E59DCDB4-7275-3996-F671-302EDDE88619}"/>
-              </a:ext>
-            </a:extLst>
-          </p:cNvPr>
+          <p:cNvPr id="4" name="Footer Placeholder 3"/>
           <p:cNvSpPr>
             <a:spLocks noGrp="1"/>
           </p:cNvSpPr>
@@ -1987,13 +2264,7 @@
       </p:sp>
       <p:sp>
         <p:nvSpPr>
-          <p:cNvPr id="5" name="Номер слайда 4">
-            <a:extLst>
-              <a:ext uri="{FF2B5EF4-FFF2-40B4-BE49-F238E27FC236}">
-                <a16:creationId xmlns:a16="http://schemas.microsoft.com/office/drawing/2014/main" id="{87BEAA36-57C5-6625-2766-BA80AC77C467}"/>
-              </a:ext>
-            </a:extLst>
-          </p:cNvPr>
+          <p:cNvPr id="5" name="Slide Number Placeholder 4"/>
           <p:cNvSpPr>
             <a:spLocks noGrp="1"/>
           </p:cNvSpPr>
@@ -2017,7 +2288,7 @@
     </p:spTree>
     <p:extLst>
       <p:ext uri="{BB962C8B-B14F-4D97-AF65-F5344CB8AC3E}">
-        <p14:creationId xmlns:p14="http://schemas.microsoft.com/office/powerpoint/2010/main" val="3592590168"/>
+        <p14:creationId xmlns:p14="http://schemas.microsoft.com/office/powerpoint/2010/main" val="2141228455"/>
       </p:ext>
     </p:extLst>
   </p:cSld>
@@ -2046,13 +2317,7 @@
       </p:grpSpPr>
       <p:sp>
         <p:nvSpPr>
-          <p:cNvPr id="2" name="Дата 1">
-            <a:extLst>
-              <a:ext uri="{FF2B5EF4-FFF2-40B4-BE49-F238E27FC236}">
-                <a16:creationId xmlns:a16="http://schemas.microsoft.com/office/drawing/2014/main" id="{BE569AD8-335C-C85B-98DE-55F68B9CC9B4}"/>
-              </a:ext>
-            </a:extLst>
-          </p:cNvPr>
+          <p:cNvPr id="2" name="Date Placeholder 1"/>
           <p:cNvSpPr>
             <a:spLocks noGrp="1"/>
           </p:cNvSpPr>
@@ -2067,7 +2332,7 @@
           <a:p>
             <a:fld id="{7D352F4E-3E31-4954-BD79-3E3958D48CAC}" type="datetimeFigureOut">
               <a:rPr lang="ru-RU" smtClean="0"/>
-              <a:t>14.04.2023</a:t>
+              <a:t>27.04.2023</a:t>
             </a:fld>
             <a:endParaRPr lang="ru-RU"/>
           </a:p>
@@ -2075,13 +2340,7 @@
       </p:sp>
       <p:sp>
         <p:nvSpPr>
-          <p:cNvPr id="3" name="Нижний колонтитул 2">
-            <a:extLst>
-              <a:ext uri="{FF2B5EF4-FFF2-40B4-BE49-F238E27FC236}">
-                <a16:creationId xmlns:a16="http://schemas.microsoft.com/office/drawing/2014/main" id="{1AED50A1-AC0B-ADE6-9ED4-3FC9078633BA}"/>
-              </a:ext>
-            </a:extLst>
-          </p:cNvPr>
+          <p:cNvPr id="3" name="Footer Placeholder 2"/>
           <p:cNvSpPr>
             <a:spLocks noGrp="1"/>
           </p:cNvSpPr>
@@ -2100,13 +2359,7 @@
       </p:sp>
       <p:sp>
         <p:nvSpPr>
-          <p:cNvPr id="4" name="Номер слайда 3">
-            <a:extLst>
-              <a:ext uri="{FF2B5EF4-FFF2-40B4-BE49-F238E27FC236}">
-                <a16:creationId xmlns:a16="http://schemas.microsoft.com/office/drawing/2014/main" id="{73C58274-2F19-8BA1-DB41-959D2889E6A3}"/>
-              </a:ext>
-            </a:extLst>
-          </p:cNvPr>
+          <p:cNvPr id="4" name="Slide Number Placeholder 3"/>
           <p:cNvSpPr>
             <a:spLocks noGrp="1"/>
           </p:cNvSpPr>
@@ -2130,7 +2383,7 @@
     </p:spTree>
     <p:extLst>
       <p:ext uri="{BB962C8B-B14F-4D97-AF65-F5344CB8AC3E}">
-        <p14:creationId xmlns:p14="http://schemas.microsoft.com/office/powerpoint/2010/main" val="2006063413"/>
+        <p14:creationId xmlns:p14="http://schemas.microsoft.com/office/powerpoint/2010/main" val="3167887401"/>
       </p:ext>
     </p:extLst>
   </p:cSld>
@@ -2141,7 +2394,7 @@
 </file>
 
 <file path=ppt/slideLayouts/slideLayout8.xml><?xml version="1.0" encoding="utf-8"?>
-<p:sldLayout xmlns:a="http://schemas.openxmlformats.org/drawingml/2006/main" xmlns:r="http://schemas.openxmlformats.org/officeDocument/2006/relationships" xmlns:p="http://schemas.openxmlformats.org/presentationml/2006/main" type="objTx" preserve="1">
+<p:sldLayout xmlns:a="http://schemas.openxmlformats.org/drawingml/2006/main" xmlns:r="http://schemas.openxmlformats.org/officeDocument/2006/relationships" xmlns:p="http://schemas.openxmlformats.org/presentationml/2006/main" showMasterSp="0" type="objTx" preserve="1">
   <p:cSld name="Объект с подписью">
     <p:spTree>
       <p:nvGrpSpPr>
@@ -2159,13 +2412,45 @@
       </p:grpSpPr>
       <p:sp>
         <p:nvSpPr>
-          <p:cNvPr id="2" name="Заголовок 1">
-            <a:extLst>
-              <a:ext uri="{FF2B5EF4-FFF2-40B4-BE49-F238E27FC236}">
-                <a16:creationId xmlns:a16="http://schemas.microsoft.com/office/drawing/2014/main" id="{00E0DE61-5E0A-D95A-0718-77D1F0949193}"/>
-              </a:ext>
-            </a:extLst>
-          </p:cNvPr>
+          <p:cNvPr id="8" name="Rectangle 7" title="Background Shape"/>
+          <p:cNvSpPr/>
+          <p:nvPr/>
+        </p:nvSpPr>
+        <p:spPr>
+          <a:xfrm>
+            <a:off x="0" y="376"/>
+            <a:ext cx="5303520" cy="6857624"/>
+          </a:xfrm>
+          <a:prstGeom prst="rect">
+            <a:avLst/>
+          </a:prstGeom>
+          <a:solidFill>
+            <a:schemeClr val="accent1"/>
+          </a:solidFill>
+          <a:ln>
+            <a:noFill/>
+          </a:ln>
+        </p:spPr>
+        <p:style>
+          <a:lnRef idx="2">
+            <a:schemeClr val="accent1">
+              <a:shade val="50000"/>
+            </a:schemeClr>
+          </a:lnRef>
+          <a:fillRef idx="1">
+            <a:schemeClr val="accent1"/>
+          </a:fillRef>
+          <a:effectRef idx="0">
+            <a:schemeClr val="accent1"/>
+          </a:effectRef>
+          <a:fontRef idx="minor">
+            <a:schemeClr val="lt1"/>
+          </a:fontRef>
+        </p:style>
+      </p:sp>
+      <p:sp>
+        <p:nvSpPr>
+          <p:cNvPr id="2" name="Title 1"/>
           <p:cNvSpPr>
             <a:spLocks noGrp="1"/>
           </p:cNvSpPr>
@@ -2175,15 +2460,24 @@
         </p:nvSpPr>
         <p:spPr>
           <a:xfrm>
-            <a:off x="839788" y="457200"/>
-            <a:ext cx="3932237" cy="1600200"/>
-          </a:xfrm>
-        </p:spPr>
-        <p:txBody>
-          <a:bodyPr anchor="b"/>
+            <a:off x="723900" y="685800"/>
+            <a:ext cx="3855720" cy="2157884"/>
+          </a:xfrm>
+        </p:spPr>
+        <p:txBody>
+          <a:bodyPr anchor="t">
+            <a:noAutofit/>
+          </a:bodyPr>
           <a:lstStyle>
             <a:lvl1pPr>
-              <a:defRPr sz="3200"/>
+              <a:lnSpc>
+                <a:spcPct val="84000"/>
+              </a:lnSpc>
+              <a:defRPr sz="4800" baseline="0">
+                <a:solidFill>
+                  <a:schemeClr val="tx2"/>
+                </a:solidFill>
+              </a:defRPr>
             </a:lvl1pPr>
           </a:lstStyle>
           <a:p>
@@ -2191,18 +2485,13 @@
               <a:rPr lang="ru-RU"/>
               <a:t>Образец заголовка</a:t>
             </a:r>
-          </a:p>
-        </p:txBody>
-      </p:sp>
-      <p:sp>
-        <p:nvSpPr>
-          <p:cNvPr id="3" name="Объект 2">
-            <a:extLst>
-              <a:ext uri="{FF2B5EF4-FFF2-40B4-BE49-F238E27FC236}">
-                <a16:creationId xmlns:a16="http://schemas.microsoft.com/office/drawing/2014/main" id="{1A5C4DFC-8C97-1844-79FA-C8B1A955921E}"/>
-              </a:ext>
-            </a:extLst>
-          </p:cNvPr>
+            <a:endParaRPr lang="en-US" dirty="0"/>
+          </a:p>
+        </p:txBody>
+      </p:sp>
+      <p:sp>
+        <p:nvSpPr>
+          <p:cNvPr id="3" name="Content Placeholder 2"/>
           <p:cNvSpPr>
             <a:spLocks noGrp="1"/>
           </p:cNvSpPr>
@@ -2212,39 +2501,39 @@
         </p:nvSpPr>
         <p:spPr>
           <a:xfrm>
-            <a:off x="5183188" y="987425"/>
-            <a:ext cx="6172200" cy="4873625"/>
+            <a:off x="6256020" y="685801"/>
+            <a:ext cx="5212080" cy="5175250"/>
           </a:xfrm>
         </p:spPr>
         <p:txBody>
           <a:bodyPr/>
           <a:lstStyle>
             <a:lvl1pPr>
-              <a:defRPr sz="3200"/>
+              <a:defRPr sz="2000"/>
             </a:lvl1pPr>
             <a:lvl2pPr>
-              <a:defRPr sz="2800"/>
+              <a:defRPr sz="2000"/>
             </a:lvl2pPr>
             <a:lvl3pPr>
-              <a:defRPr sz="2400"/>
+              <a:defRPr sz="1800"/>
             </a:lvl3pPr>
             <a:lvl4pPr>
-              <a:defRPr sz="2000"/>
+              <a:defRPr sz="1800"/>
             </a:lvl4pPr>
             <a:lvl5pPr>
-              <a:defRPr sz="2000"/>
+              <a:defRPr sz="1600"/>
             </a:lvl5pPr>
             <a:lvl6pPr>
-              <a:defRPr sz="2000"/>
+              <a:defRPr sz="1600"/>
             </a:lvl6pPr>
             <a:lvl7pPr>
-              <a:defRPr sz="2000"/>
+              <a:defRPr sz="1600"/>
             </a:lvl7pPr>
             <a:lvl8pPr>
-              <a:defRPr sz="2000"/>
+              <a:defRPr sz="1600"/>
             </a:lvl8pPr>
             <a:lvl9pPr>
-              <a:defRPr sz="2000"/>
+              <a:defRPr sz="1600"/>
             </a:lvl9pPr>
           </a:lstStyle>
           <a:p>
@@ -2281,18 +2570,13 @@
               <a:rPr lang="ru-RU"/>
               <a:t>Пятый уровень</a:t>
             </a:r>
-          </a:p>
-        </p:txBody>
-      </p:sp>
-      <p:sp>
-        <p:nvSpPr>
-          <p:cNvPr id="4" name="Текст 3">
-            <a:extLst>
-              <a:ext uri="{FF2B5EF4-FFF2-40B4-BE49-F238E27FC236}">
-                <a16:creationId xmlns:a16="http://schemas.microsoft.com/office/drawing/2014/main" id="{F9E4597E-EB21-072F-E8EF-3BDD6B766B11}"/>
-              </a:ext>
-            </a:extLst>
-          </p:cNvPr>
+            <a:endParaRPr lang="en-US" dirty="0"/>
+          </a:p>
+        </p:txBody>
+      </p:sp>
+      <p:sp>
+        <p:nvSpPr>
+          <p:cNvPr id="4" name="Text Placeholder 3"/>
           <p:cNvSpPr>
             <a:spLocks noGrp="1"/>
           </p:cNvSpPr>
@@ -2302,14 +2586,23 @@
         </p:nvSpPr>
         <p:spPr>
           <a:xfrm>
-            <a:off x="839788" y="2057400"/>
-            <a:ext cx="3932237" cy="3811588"/>
+            <a:off x="723900" y="2856344"/>
+            <a:ext cx="3855720" cy="3011056"/>
           </a:xfrm>
         </p:spPr>
         <p:txBody>
           <a:bodyPr/>
           <a:lstStyle>
             <a:lvl1pPr marL="0" indent="0">
+              <a:lnSpc>
+                <a:spcPct val="113000"/>
+              </a:lnSpc>
+              <a:spcBef>
+                <a:spcPts val="0"/>
+              </a:spcBef>
+              <a:spcAft>
+                <a:spcPts val="1500"/>
+              </a:spcAft>
               <a:buNone/>
               <a:defRPr sz="1600"/>
             </a:lvl1pPr>
@@ -2357,13 +2650,7 @@
       </p:sp>
       <p:sp>
         <p:nvSpPr>
-          <p:cNvPr id="5" name="Дата 4">
-            <a:extLst>
-              <a:ext uri="{FF2B5EF4-FFF2-40B4-BE49-F238E27FC236}">
-                <a16:creationId xmlns:a16="http://schemas.microsoft.com/office/drawing/2014/main" id="{FF7A2A1A-341B-97A6-4EDB-938D7A0AA61A}"/>
-              </a:ext>
-            </a:extLst>
-          </p:cNvPr>
+          <p:cNvPr id="5" name="Date Placeholder 4"/>
           <p:cNvSpPr>
             <a:spLocks noGrp="1"/>
           </p:cNvSpPr>
@@ -2371,14 +2658,27 @@
             <p:ph type="dt" sz="half" idx="10"/>
           </p:nvPr>
         </p:nvSpPr>
-        <p:spPr/>
-        <p:txBody>
-          <a:bodyPr/>
-          <a:lstStyle/>
+        <p:spPr>
+          <a:xfrm>
+            <a:off x="723900" y="6453386"/>
+            <a:ext cx="1204572" cy="404614"/>
+          </a:xfrm>
+        </p:spPr>
+        <p:txBody>
+          <a:bodyPr/>
+          <a:lstStyle>
+            <a:lvl1pPr>
+              <a:defRPr>
+                <a:solidFill>
+                  <a:schemeClr val="tx2"/>
+                </a:solidFill>
+              </a:defRPr>
+            </a:lvl1pPr>
+          </a:lstStyle>
           <a:p>
             <a:fld id="{7D352F4E-3E31-4954-BD79-3E3958D48CAC}" type="datetimeFigureOut">
               <a:rPr lang="ru-RU" smtClean="0"/>
-              <a:t>14.04.2023</a:t>
+              <a:t>27.04.2023</a:t>
             </a:fld>
             <a:endParaRPr lang="ru-RU"/>
           </a:p>
@@ -2386,13 +2686,7 @@
       </p:sp>
       <p:sp>
         <p:nvSpPr>
-          <p:cNvPr id="6" name="Нижний колонтитул 5">
-            <a:extLst>
-              <a:ext uri="{FF2B5EF4-FFF2-40B4-BE49-F238E27FC236}">
-                <a16:creationId xmlns:a16="http://schemas.microsoft.com/office/drawing/2014/main" id="{9F76DA65-390F-37FD-0DA0-4B6192089F8A}"/>
-              </a:ext>
-            </a:extLst>
-          </p:cNvPr>
+          <p:cNvPr id="6" name="Footer Placeholder 5"/>
           <p:cNvSpPr>
             <a:spLocks noGrp="1"/>
           </p:cNvSpPr>
@@ -2400,10 +2694,23 @@
             <p:ph type="ftr" sz="quarter" idx="11"/>
           </p:nvPr>
         </p:nvSpPr>
-        <p:spPr/>
-        <p:txBody>
-          <a:bodyPr/>
-          <a:lstStyle/>
+        <p:spPr>
+          <a:xfrm>
+            <a:off x="2205945" y="6453386"/>
+            <a:ext cx="2373675" cy="404614"/>
+          </a:xfrm>
+        </p:spPr>
+        <p:txBody>
+          <a:bodyPr/>
+          <a:lstStyle>
+            <a:lvl1pPr>
+              <a:defRPr>
+                <a:solidFill>
+                  <a:schemeClr val="tx2"/>
+                </a:solidFill>
+              </a:defRPr>
+            </a:lvl1pPr>
+          </a:lstStyle>
           <a:p>
             <a:endParaRPr lang="ru-RU"/>
           </a:p>
@@ -2411,13 +2718,7 @@
       </p:sp>
       <p:sp>
         <p:nvSpPr>
-          <p:cNvPr id="7" name="Номер слайда 6">
-            <a:extLst>
-              <a:ext uri="{FF2B5EF4-FFF2-40B4-BE49-F238E27FC236}">
-                <a16:creationId xmlns:a16="http://schemas.microsoft.com/office/drawing/2014/main" id="{855DD7EF-D1DE-7F48-0BD6-E93120B72818}"/>
-              </a:ext>
-            </a:extLst>
-          </p:cNvPr>
+          <p:cNvPr id="7" name="Slide Number Placeholder 6"/>
           <p:cNvSpPr>
             <a:spLocks noGrp="1"/>
           </p:cNvSpPr>
@@ -2425,10 +2726,23 @@
             <p:ph type="sldNum" sz="quarter" idx="12"/>
           </p:nvPr>
         </p:nvSpPr>
-        <p:spPr/>
-        <p:txBody>
-          <a:bodyPr/>
-          <a:lstStyle/>
+        <p:spPr>
+          <a:xfrm>
+            <a:off x="9883140" y="6453386"/>
+            <a:ext cx="1596292" cy="404614"/>
+          </a:xfrm>
+        </p:spPr>
+        <p:txBody>
+          <a:bodyPr/>
+          <a:lstStyle>
+            <a:lvl1pPr>
+              <a:defRPr>
+                <a:solidFill>
+                  <a:schemeClr val="tx2"/>
+                </a:solidFill>
+              </a:defRPr>
+            </a:lvl1pPr>
+          </a:lstStyle>
           <a:p>
             <a:fld id="{DDA2BE4B-F33C-4F1A-9893-4799D809970F}" type="slidenum">
               <a:rPr lang="ru-RU" smtClean="0"/>
@@ -2438,10 +2752,48 @@
           </a:p>
         </p:txBody>
       </p:sp>
+      <p:sp>
+        <p:nvSpPr>
+          <p:cNvPr id="9" name="Rectangle 8" title="Divider Bar"/>
+          <p:cNvSpPr/>
+          <p:nvPr/>
+        </p:nvSpPr>
+        <p:spPr>
+          <a:xfrm>
+            <a:off x="5303520" y="376"/>
+            <a:ext cx="228600" cy="6858000"/>
+          </a:xfrm>
+          <a:prstGeom prst="rect">
+            <a:avLst/>
+          </a:prstGeom>
+          <a:solidFill>
+            <a:schemeClr val="tx2"/>
+          </a:solidFill>
+          <a:ln>
+            <a:noFill/>
+          </a:ln>
+        </p:spPr>
+        <p:style>
+          <a:lnRef idx="2">
+            <a:schemeClr val="accent1">
+              <a:shade val="50000"/>
+            </a:schemeClr>
+          </a:lnRef>
+          <a:fillRef idx="1">
+            <a:schemeClr val="accent1"/>
+          </a:fillRef>
+          <a:effectRef idx="0">
+            <a:schemeClr val="accent1"/>
+          </a:effectRef>
+          <a:fontRef idx="minor">
+            <a:schemeClr val="lt1"/>
+          </a:fontRef>
+        </p:style>
+      </p:sp>
     </p:spTree>
     <p:extLst>
       <p:ext uri="{BB962C8B-B14F-4D97-AF65-F5344CB8AC3E}">
-        <p14:creationId xmlns:p14="http://schemas.microsoft.com/office/powerpoint/2010/main" val="2611855207"/>
+        <p14:creationId xmlns:p14="http://schemas.microsoft.com/office/powerpoint/2010/main" val="3467303816"/>
       </p:ext>
     </p:extLst>
   </p:cSld>
@@ -2452,7 +2804,7 @@
 </file>
 
 <file path=ppt/slideLayouts/slideLayout9.xml><?xml version="1.0" encoding="utf-8"?>
-<p:sldLayout xmlns:a="http://schemas.openxmlformats.org/drawingml/2006/main" xmlns:r="http://schemas.openxmlformats.org/officeDocument/2006/relationships" xmlns:p="http://schemas.openxmlformats.org/presentationml/2006/main" type="picTx" preserve="1">
+<p:sldLayout xmlns:a="http://schemas.openxmlformats.org/drawingml/2006/main" xmlns:r="http://schemas.openxmlformats.org/officeDocument/2006/relationships" xmlns:p="http://schemas.openxmlformats.org/presentationml/2006/main" showMasterSp="0" type="picTx" preserve="1">
   <p:cSld name="Рисунок с подписью">
     <p:spTree>
       <p:nvGrpSpPr>
@@ -2470,13 +2822,45 @@
       </p:grpSpPr>
       <p:sp>
         <p:nvSpPr>
-          <p:cNvPr id="2" name="Заголовок 1">
-            <a:extLst>
-              <a:ext uri="{FF2B5EF4-FFF2-40B4-BE49-F238E27FC236}">
-                <a16:creationId xmlns:a16="http://schemas.microsoft.com/office/drawing/2014/main" id="{7E166646-A6E4-2C80-51D9-7E2C3AEF63D5}"/>
-              </a:ext>
-            </a:extLst>
-          </p:cNvPr>
+          <p:cNvPr id="8" name="Rectangle 7" title="Background Shape"/>
+          <p:cNvSpPr/>
+          <p:nvPr/>
+        </p:nvSpPr>
+        <p:spPr>
+          <a:xfrm>
+            <a:off x="0" y="376"/>
+            <a:ext cx="5303520" cy="6857624"/>
+          </a:xfrm>
+          <a:prstGeom prst="rect">
+            <a:avLst/>
+          </a:prstGeom>
+          <a:solidFill>
+            <a:schemeClr val="accent1"/>
+          </a:solidFill>
+          <a:ln>
+            <a:noFill/>
+          </a:ln>
+        </p:spPr>
+        <p:style>
+          <a:lnRef idx="2">
+            <a:schemeClr val="accent1">
+              <a:shade val="50000"/>
+            </a:schemeClr>
+          </a:lnRef>
+          <a:fillRef idx="1">
+            <a:schemeClr val="accent1"/>
+          </a:fillRef>
+          <a:effectRef idx="0">
+            <a:schemeClr val="accent1"/>
+          </a:effectRef>
+          <a:fontRef idx="minor">
+            <a:schemeClr val="lt1"/>
+          </a:fontRef>
+        </p:style>
+      </p:sp>
+      <p:sp>
+        <p:nvSpPr>
+          <p:cNvPr id="2" name="Title 1"/>
           <p:cNvSpPr>
             <a:spLocks noGrp="1"/>
           </p:cNvSpPr>
@@ -2486,15 +2870,20 @@
         </p:nvSpPr>
         <p:spPr>
           <a:xfrm>
-            <a:off x="839788" y="457200"/>
-            <a:ext cx="3932237" cy="1600200"/>
-          </a:xfrm>
-        </p:spPr>
-        <p:txBody>
-          <a:bodyPr anchor="b"/>
+            <a:off x="723900" y="685800"/>
+            <a:ext cx="3855720" cy="2157884"/>
+          </a:xfrm>
+        </p:spPr>
+        <p:txBody>
+          <a:bodyPr anchor="t">
+            <a:normAutofit/>
+          </a:bodyPr>
           <a:lstStyle>
             <a:lvl1pPr>
-              <a:defRPr sz="3200"/>
+              <a:lnSpc>
+                <a:spcPct val="84000"/>
+              </a:lnSpc>
+              <a:defRPr sz="4800" baseline="0"/>
             </a:lvl1pPr>
           </a:lstStyle>
           <a:p>
@@ -2502,20 +2891,15 @@
               <a:rPr lang="ru-RU"/>
               <a:t>Образец заголовка</a:t>
             </a:r>
-          </a:p>
-        </p:txBody>
-      </p:sp>
-      <p:sp>
-        <p:nvSpPr>
-          <p:cNvPr id="3" name="Рисунок 2">
-            <a:extLst>
-              <a:ext uri="{FF2B5EF4-FFF2-40B4-BE49-F238E27FC236}">
-                <a16:creationId xmlns:a16="http://schemas.microsoft.com/office/drawing/2014/main" id="{0A2330EB-1FFC-EA45-3A33-EC9A60A5B5FA}"/>
-              </a:ext>
-            </a:extLst>
-          </p:cNvPr>
-          <p:cNvSpPr>
-            <a:spLocks noGrp="1"/>
+            <a:endParaRPr lang="en-US" dirty="0"/>
+          </a:p>
+        </p:txBody>
+      </p:sp>
+      <p:sp>
+        <p:nvSpPr>
+          <p:cNvPr id="3" name="Picture Placeholder 2"/>
+          <p:cNvSpPr>
+            <a:spLocks noGrp="1" noChangeAspect="1"/>
           </p:cNvSpPr>
           <p:nvPr>
             <p:ph type="pic" idx="1"/>
@@ -2523,24 +2907,26 @@
         </p:nvSpPr>
         <p:spPr>
           <a:xfrm>
-            <a:off x="5183188" y="987425"/>
-            <a:ext cx="6172200" cy="4873625"/>
-          </a:xfrm>
-        </p:spPr>
-        <p:txBody>
-          <a:bodyPr/>
+            <a:off x="5532120" y="0"/>
+            <a:ext cx="6659880" cy="6857999"/>
+          </a:xfrm>
+        </p:spPr>
+        <p:txBody>
+          <a:bodyPr anchor="t">
+            <a:normAutofit/>
+          </a:bodyPr>
           <a:lstStyle>
             <a:lvl1pPr marL="0" indent="0">
               <a:buNone/>
-              <a:defRPr sz="3200"/>
+              <a:defRPr sz="2000"/>
             </a:lvl1pPr>
             <a:lvl2pPr marL="457200" indent="0">
               <a:buNone/>
-              <a:defRPr sz="2800"/>
+              <a:defRPr sz="2000"/>
             </a:lvl2pPr>
             <a:lvl3pPr marL="914400" indent="0">
               <a:buNone/>
-              <a:defRPr sz="2400"/>
+              <a:defRPr sz="2000"/>
             </a:lvl3pPr>
             <a:lvl4pPr marL="1371600" indent="0">
               <a:buNone/>
@@ -2568,19 +2954,17 @@
             </a:lvl9pPr>
           </a:lstStyle>
           <a:p>
-            <a:endParaRPr lang="ru-RU"/>
-          </a:p>
-        </p:txBody>
-      </p:sp>
-      <p:sp>
-        <p:nvSpPr>
-          <p:cNvPr id="4" name="Текст 3">
-            <a:extLst>
-              <a:ext uri="{FF2B5EF4-FFF2-40B4-BE49-F238E27FC236}">
-                <a16:creationId xmlns:a16="http://schemas.microsoft.com/office/drawing/2014/main" id="{8FD05395-34B9-2D3F-A849-EF6BBFA5F93B}"/>
-              </a:ext>
-            </a:extLst>
-          </p:cNvPr>
+            <a:r>
+              <a:rPr lang="ru-RU"/>
+              <a:t>Вставка рисунка</a:t>
+            </a:r>
+            <a:endParaRPr lang="en-US" dirty="0"/>
+          </a:p>
+        </p:txBody>
+      </p:sp>
+      <p:sp>
+        <p:nvSpPr>
+          <p:cNvPr id="4" name="Text Placeholder 3"/>
           <p:cNvSpPr>
             <a:spLocks noGrp="1"/>
           </p:cNvSpPr>
@@ -2590,14 +2974,23 @@
         </p:nvSpPr>
         <p:spPr>
           <a:xfrm>
-            <a:off x="839788" y="2057400"/>
-            <a:ext cx="3932237" cy="3811588"/>
+            <a:off x="723900" y="2855968"/>
+            <a:ext cx="3855720" cy="3011432"/>
           </a:xfrm>
         </p:spPr>
         <p:txBody>
           <a:bodyPr/>
           <a:lstStyle>
             <a:lvl1pPr marL="0" indent="0">
+              <a:lnSpc>
+                <a:spcPct val="113000"/>
+              </a:lnSpc>
+              <a:spcBef>
+                <a:spcPts val="0"/>
+              </a:spcBef>
+              <a:spcAft>
+                <a:spcPts val="1500"/>
+              </a:spcAft>
               <a:buNone/>
               <a:defRPr sz="1600"/>
             </a:lvl1pPr>
@@ -2645,13 +3038,7 @@
       </p:sp>
       <p:sp>
         <p:nvSpPr>
-          <p:cNvPr id="5" name="Дата 4">
-            <a:extLst>
-              <a:ext uri="{FF2B5EF4-FFF2-40B4-BE49-F238E27FC236}">
-                <a16:creationId xmlns:a16="http://schemas.microsoft.com/office/drawing/2014/main" id="{612DDE14-7EF0-A5F4-089C-2DBF1A9D4F7E}"/>
-              </a:ext>
-            </a:extLst>
-          </p:cNvPr>
+          <p:cNvPr id="5" name="Date Placeholder 4"/>
           <p:cNvSpPr>
             <a:spLocks noGrp="1"/>
           </p:cNvSpPr>
@@ -2659,14 +3046,27 @@
             <p:ph type="dt" sz="half" idx="10"/>
           </p:nvPr>
         </p:nvSpPr>
-        <p:spPr/>
-        <p:txBody>
-          <a:bodyPr/>
-          <a:lstStyle/>
+        <p:spPr>
+          <a:xfrm>
+            <a:off x="723900" y="6453386"/>
+            <a:ext cx="1204572" cy="404614"/>
+          </a:xfrm>
+        </p:spPr>
+        <p:txBody>
+          <a:bodyPr/>
+          <a:lstStyle>
+            <a:lvl1pPr>
+              <a:defRPr>
+                <a:solidFill>
+                  <a:schemeClr val="tx2"/>
+                </a:solidFill>
+              </a:defRPr>
+            </a:lvl1pPr>
+          </a:lstStyle>
           <a:p>
             <a:fld id="{7D352F4E-3E31-4954-BD79-3E3958D48CAC}" type="datetimeFigureOut">
               <a:rPr lang="ru-RU" smtClean="0"/>
-              <a:t>14.04.2023</a:t>
+              <a:t>27.04.2023</a:t>
             </a:fld>
             <a:endParaRPr lang="ru-RU"/>
           </a:p>
@@ -2674,13 +3074,7 @@
       </p:sp>
       <p:sp>
         <p:nvSpPr>
-          <p:cNvPr id="6" name="Нижний колонтитул 5">
-            <a:extLst>
-              <a:ext uri="{FF2B5EF4-FFF2-40B4-BE49-F238E27FC236}">
-                <a16:creationId xmlns:a16="http://schemas.microsoft.com/office/drawing/2014/main" id="{E171CB67-34B2-CDF2-3607-CB7231D8B451}"/>
-              </a:ext>
-            </a:extLst>
-          </p:cNvPr>
+          <p:cNvPr id="6" name="Footer Placeholder 5"/>
           <p:cNvSpPr>
             <a:spLocks noGrp="1"/>
           </p:cNvSpPr>
@@ -2688,10 +3082,23 @@
             <p:ph type="ftr" sz="quarter" idx="11"/>
           </p:nvPr>
         </p:nvSpPr>
-        <p:spPr/>
-        <p:txBody>
-          <a:bodyPr/>
-          <a:lstStyle/>
+        <p:spPr>
+          <a:xfrm>
+            <a:off x="2205945" y="6453386"/>
+            <a:ext cx="2373675" cy="404614"/>
+          </a:xfrm>
+        </p:spPr>
+        <p:txBody>
+          <a:bodyPr/>
+          <a:lstStyle>
+            <a:lvl1pPr>
+              <a:defRPr>
+                <a:solidFill>
+                  <a:schemeClr val="tx2"/>
+                </a:solidFill>
+              </a:defRPr>
+            </a:lvl1pPr>
+          </a:lstStyle>
           <a:p>
             <a:endParaRPr lang="ru-RU"/>
           </a:p>
@@ -2699,13 +3106,7 @@
       </p:sp>
       <p:sp>
         <p:nvSpPr>
-          <p:cNvPr id="7" name="Номер слайда 6">
-            <a:extLst>
-              <a:ext uri="{FF2B5EF4-FFF2-40B4-BE49-F238E27FC236}">
-                <a16:creationId xmlns:a16="http://schemas.microsoft.com/office/drawing/2014/main" id="{025C70B1-FBC7-7F59-03B4-E0F055367E72}"/>
-              </a:ext>
-            </a:extLst>
-          </p:cNvPr>
+          <p:cNvPr id="7" name="Slide Number Placeholder 6"/>
           <p:cNvSpPr>
             <a:spLocks noGrp="1"/>
           </p:cNvSpPr>
@@ -2713,10 +3114,23 @@
             <p:ph type="sldNum" sz="quarter" idx="12"/>
           </p:nvPr>
         </p:nvSpPr>
-        <p:spPr/>
-        <p:txBody>
-          <a:bodyPr/>
-          <a:lstStyle/>
+        <p:spPr>
+          <a:xfrm>
+            <a:off x="9883140" y="6453386"/>
+            <a:ext cx="1596292" cy="404614"/>
+          </a:xfrm>
+        </p:spPr>
+        <p:txBody>
+          <a:bodyPr/>
+          <a:lstStyle>
+            <a:lvl1pPr>
+              <a:defRPr>
+                <a:solidFill>
+                  <a:schemeClr val="tx2"/>
+                </a:solidFill>
+              </a:defRPr>
+            </a:lvl1pPr>
+          </a:lstStyle>
           <a:p>
             <a:fld id="{DDA2BE4B-F33C-4F1A-9893-4799D809970F}" type="slidenum">
               <a:rPr lang="ru-RU" smtClean="0"/>
@@ -2726,10 +3140,48 @@
           </a:p>
         </p:txBody>
       </p:sp>
+      <p:sp>
+        <p:nvSpPr>
+          <p:cNvPr id="9" name="Rectangle 8" title="Divider Bar"/>
+          <p:cNvSpPr/>
+          <p:nvPr/>
+        </p:nvSpPr>
+        <p:spPr>
+          <a:xfrm>
+            <a:off x="5303520" y="376"/>
+            <a:ext cx="228600" cy="6858000"/>
+          </a:xfrm>
+          <a:prstGeom prst="rect">
+            <a:avLst/>
+          </a:prstGeom>
+          <a:solidFill>
+            <a:schemeClr val="tx2"/>
+          </a:solidFill>
+          <a:ln>
+            <a:noFill/>
+          </a:ln>
+        </p:spPr>
+        <p:style>
+          <a:lnRef idx="2">
+            <a:schemeClr val="accent1">
+              <a:shade val="50000"/>
+            </a:schemeClr>
+          </a:lnRef>
+          <a:fillRef idx="1">
+            <a:schemeClr val="accent1"/>
+          </a:fillRef>
+          <a:effectRef idx="0">
+            <a:schemeClr val="accent1"/>
+          </a:effectRef>
+          <a:fontRef idx="minor">
+            <a:schemeClr val="lt1"/>
+          </a:fontRef>
+        </p:style>
+      </p:sp>
     </p:spTree>
     <p:extLst>
       <p:ext uri="{BB962C8B-B14F-4D97-AF65-F5344CB8AC3E}">
-        <p14:creationId xmlns:p14="http://schemas.microsoft.com/office/powerpoint/2010/main" val="4201809766"/>
+        <p14:creationId xmlns:p14="http://schemas.microsoft.com/office/powerpoint/2010/main" val="2438379799"/>
       </p:ext>
     </p:extLst>
   </p:cSld>
@@ -2743,9 +3195,12 @@
 <p:sldMaster xmlns:a="http://schemas.openxmlformats.org/drawingml/2006/main" xmlns:r="http://schemas.openxmlformats.org/officeDocument/2006/relationships" xmlns:p="http://schemas.openxmlformats.org/presentationml/2006/main">
   <p:cSld>
     <p:bg>
-      <p:bgRef idx="1001">
-        <a:schemeClr val="bg1"/>
-      </p:bgRef>
+      <p:bgPr>
+        <a:solidFill>
+          <a:schemeClr val="bg2"/>
+        </a:solidFill>
+        <a:effectLst/>
+      </p:bgPr>
     </p:bg>
     <p:spTree>
       <p:nvGrpSpPr>
@@ -2763,13 +3218,7 @@
       </p:grpSpPr>
       <p:sp>
         <p:nvSpPr>
-          <p:cNvPr id="2" name="Заголовок 1">
-            <a:extLst>
-              <a:ext uri="{FF2B5EF4-FFF2-40B4-BE49-F238E27FC236}">
-                <a16:creationId xmlns:a16="http://schemas.microsoft.com/office/drawing/2014/main" id="{D6AF280C-7832-2A86-995E-00C164CF7E82}"/>
-              </a:ext>
-            </a:extLst>
-          </p:cNvPr>
+          <p:cNvPr id="2" name="Title Placeholder 1"/>
           <p:cNvSpPr>
             <a:spLocks noGrp="1"/>
           </p:cNvSpPr>
@@ -2779,15 +3228,15 @@
         </p:nvSpPr>
         <p:spPr>
           <a:xfrm>
-            <a:off x="838200" y="365125"/>
-            <a:ext cx="10515600" cy="1325563"/>
+            <a:off x="1371600" y="685800"/>
+            <a:ext cx="9601200" cy="1485900"/>
           </a:xfrm>
           <a:prstGeom prst="rect">
             <a:avLst/>
           </a:prstGeom>
         </p:spPr>
         <p:txBody>
-          <a:bodyPr vert="horz" lIns="91440" tIns="45720" rIns="91440" bIns="45720" rtlCol="0" anchor="ctr">
+          <a:bodyPr vert="horz" lIns="91440" tIns="45720" rIns="91440" bIns="45720" rtlCol="0" anchor="t">
             <a:normAutofit/>
           </a:bodyPr>
           <a:lstStyle/>
@@ -2796,18 +3245,13 @@
               <a:rPr lang="ru-RU"/>
               <a:t>Образец заголовка</a:t>
             </a:r>
-          </a:p>
-        </p:txBody>
-      </p:sp>
-      <p:sp>
-        <p:nvSpPr>
-          <p:cNvPr id="3" name="Текст 2">
-            <a:extLst>
-              <a:ext uri="{FF2B5EF4-FFF2-40B4-BE49-F238E27FC236}">
-                <a16:creationId xmlns:a16="http://schemas.microsoft.com/office/drawing/2014/main" id="{91375019-8412-53AF-BAB6-BB3E39584149}"/>
-              </a:ext>
-            </a:extLst>
-          </p:cNvPr>
+            <a:endParaRPr lang="en-US" dirty="0"/>
+          </a:p>
+        </p:txBody>
+      </p:sp>
+      <p:sp>
+        <p:nvSpPr>
+          <p:cNvPr id="3" name="Text Placeholder 2"/>
           <p:cNvSpPr>
             <a:spLocks noGrp="1"/>
           </p:cNvSpPr>
@@ -2817,8 +3261,8 @@
         </p:nvSpPr>
         <p:spPr>
           <a:xfrm>
-            <a:off x="838200" y="1825625"/>
-            <a:ext cx="10515600" cy="4351338"/>
+            <a:off x="1371600" y="2286000"/>
+            <a:ext cx="9601200" cy="3581400"/>
           </a:xfrm>
           <a:prstGeom prst="rect">
             <a:avLst/>
@@ -2863,18 +3307,13 @@
               <a:rPr lang="ru-RU"/>
               <a:t>Пятый уровень</a:t>
             </a:r>
-          </a:p>
-        </p:txBody>
-      </p:sp>
-      <p:sp>
-        <p:nvSpPr>
-          <p:cNvPr id="4" name="Дата 3">
-            <a:extLst>
-              <a:ext uri="{FF2B5EF4-FFF2-40B4-BE49-F238E27FC236}">
-                <a16:creationId xmlns:a16="http://schemas.microsoft.com/office/drawing/2014/main" id="{39DEC574-7AF1-A173-911A-E07EDC43BFDF}"/>
-              </a:ext>
-            </a:extLst>
-          </p:cNvPr>
+            <a:endParaRPr lang="en-US" dirty="0"/>
+          </a:p>
+        </p:txBody>
+      </p:sp>
+      <p:sp>
+        <p:nvSpPr>
+          <p:cNvPr id="4" name="Date Placeholder 3"/>
           <p:cNvSpPr>
             <a:spLocks noGrp="1"/>
           </p:cNvSpPr>
@@ -2884,8 +3323,8 @@
         </p:nvSpPr>
         <p:spPr>
           <a:xfrm>
-            <a:off x="838200" y="6356350"/>
-            <a:ext cx="2743200" cy="365125"/>
+            <a:off x="1390650" y="6453386"/>
+            <a:ext cx="1204572" cy="404614"/>
           </a:xfrm>
           <a:prstGeom prst="rect">
             <a:avLst/>
@@ -2895,11 +3334,9 @@
           <a:bodyPr vert="horz" lIns="91440" tIns="45720" rIns="91440" bIns="45720" rtlCol="0" anchor="ctr"/>
           <a:lstStyle>
             <a:lvl1pPr algn="l">
-              <a:defRPr sz="1200">
+              <a:defRPr sz="1200" baseline="0">
                 <a:solidFill>
-                  <a:schemeClr val="tx1">
-                    <a:tint val="75000"/>
-                  </a:schemeClr>
+                  <a:schemeClr val="tx2"/>
                 </a:solidFill>
               </a:defRPr>
             </a:lvl1pPr>
@@ -2907,7 +3344,7 @@
           <a:p>
             <a:fld id="{7D352F4E-3E31-4954-BD79-3E3958D48CAC}" type="datetimeFigureOut">
               <a:rPr lang="ru-RU" smtClean="0"/>
-              <a:t>14.04.2023</a:t>
+              <a:t>27.04.2023</a:t>
             </a:fld>
             <a:endParaRPr lang="ru-RU"/>
           </a:p>
@@ -2915,13 +3352,7 @@
       </p:sp>
       <p:sp>
         <p:nvSpPr>
-          <p:cNvPr id="5" name="Нижний колонтитул 4">
-            <a:extLst>
-              <a:ext uri="{FF2B5EF4-FFF2-40B4-BE49-F238E27FC236}">
-                <a16:creationId xmlns:a16="http://schemas.microsoft.com/office/drawing/2014/main" id="{B399D7AD-478D-04A3-1369-22F5FC97D762}"/>
-              </a:ext>
-            </a:extLst>
-          </p:cNvPr>
+          <p:cNvPr id="5" name="Footer Placeholder 4"/>
           <p:cNvSpPr>
             <a:spLocks noGrp="1"/>
           </p:cNvSpPr>
@@ -2931,8 +3362,8 @@
         </p:nvSpPr>
         <p:spPr>
           <a:xfrm>
-            <a:off x="4038600" y="6356350"/>
-            <a:ext cx="4114800" cy="365125"/>
+            <a:off x="2893564" y="6453386"/>
+            <a:ext cx="6280830" cy="404614"/>
           </a:xfrm>
           <a:prstGeom prst="rect">
             <a:avLst/>
@@ -2941,12 +3372,10 @@
         <p:txBody>
           <a:bodyPr vert="horz" lIns="91440" tIns="45720" rIns="91440" bIns="45720" rtlCol="0" anchor="ctr"/>
           <a:lstStyle>
-            <a:lvl1pPr algn="ctr">
-              <a:defRPr sz="1200">
+            <a:lvl1pPr algn="l">
+              <a:defRPr sz="1200" baseline="0">
                 <a:solidFill>
-                  <a:schemeClr val="tx1">
-                    <a:tint val="75000"/>
-                  </a:schemeClr>
+                  <a:schemeClr val="tx2"/>
                 </a:solidFill>
               </a:defRPr>
             </a:lvl1pPr>
@@ -2958,13 +3387,7 @@
       </p:sp>
       <p:sp>
         <p:nvSpPr>
-          <p:cNvPr id="6" name="Номер слайда 5">
-            <a:extLst>
-              <a:ext uri="{FF2B5EF4-FFF2-40B4-BE49-F238E27FC236}">
-                <a16:creationId xmlns:a16="http://schemas.microsoft.com/office/drawing/2014/main" id="{414D7471-0717-749F-0D22-2C21B289E935}"/>
-              </a:ext>
-            </a:extLst>
-          </p:cNvPr>
+          <p:cNvPr id="6" name="Slide Number Placeholder 5"/>
           <p:cNvSpPr>
             <a:spLocks noGrp="1"/>
           </p:cNvSpPr>
@@ -2974,8 +3397,8 @@
         </p:nvSpPr>
         <p:spPr>
           <a:xfrm>
-            <a:off x="8610600" y="6356350"/>
-            <a:ext cx="2743200" cy="365125"/>
+            <a:off x="9472736" y="6453386"/>
+            <a:ext cx="1596292" cy="404614"/>
           </a:xfrm>
           <a:prstGeom prst="rect">
             <a:avLst/>
@@ -2985,11 +3408,9 @@
           <a:bodyPr vert="horz" lIns="91440" tIns="45720" rIns="91440" bIns="45720" rtlCol="0" anchor="ctr"/>
           <a:lstStyle>
             <a:lvl1pPr algn="r">
-              <a:defRPr sz="1200">
+              <a:defRPr sz="1200" baseline="0">
                 <a:solidFill>
-                  <a:schemeClr val="tx1">
-                    <a:tint val="75000"/>
-                  </a:schemeClr>
+                  <a:schemeClr val="tx2"/>
                 </a:solidFill>
               </a:defRPr>
             </a:lvl1pPr>
@@ -3003,40 +3424,78 @@
           </a:p>
         </p:txBody>
       </p:sp>
+      <p:sp>
+        <p:nvSpPr>
+          <p:cNvPr id="9" name="Rectangle 8" title="Side bar"/>
+          <p:cNvSpPr/>
+          <p:nvPr/>
+        </p:nvSpPr>
+        <p:spPr>
+          <a:xfrm>
+            <a:off x="478095" y="376"/>
+            <a:ext cx="228600" cy="6858000"/>
+          </a:xfrm>
+          <a:prstGeom prst="rect">
+            <a:avLst/>
+          </a:prstGeom>
+          <a:solidFill>
+            <a:schemeClr val="tx2"/>
+          </a:solidFill>
+          <a:ln>
+            <a:noFill/>
+          </a:ln>
+        </p:spPr>
+        <p:style>
+          <a:lnRef idx="2">
+            <a:schemeClr val="accent1">
+              <a:shade val="50000"/>
+            </a:schemeClr>
+          </a:lnRef>
+          <a:fillRef idx="1">
+            <a:schemeClr val="accent1"/>
+          </a:fillRef>
+          <a:effectRef idx="0">
+            <a:schemeClr val="accent1"/>
+          </a:effectRef>
+          <a:fontRef idx="minor">
+            <a:schemeClr val="lt1"/>
+          </a:fontRef>
+        </p:style>
+      </p:sp>
     </p:spTree>
     <p:extLst>
       <p:ext uri="{BB962C8B-B14F-4D97-AF65-F5344CB8AC3E}">
-        <p14:creationId xmlns:p14="http://schemas.microsoft.com/office/powerpoint/2010/main" val="1643830050"/>
+        <p14:creationId xmlns:p14="http://schemas.microsoft.com/office/powerpoint/2010/main" val="4044151456"/>
       </p:ext>
     </p:extLst>
   </p:cSld>
   <p:clrMap bg1="lt1" tx1="dk1" bg2="lt2" tx2="dk2" accent1="accent1" accent2="accent2" accent3="accent3" accent4="accent4" accent5="accent5" accent6="accent6" hlink="hlink" folHlink="folHlink"/>
   <p:sldLayoutIdLst>
-    <p:sldLayoutId id="2147483695" r:id="rId1"/>
-    <p:sldLayoutId id="2147483696" r:id="rId2"/>
-    <p:sldLayoutId id="2147483697" r:id="rId3"/>
-    <p:sldLayoutId id="2147483698" r:id="rId4"/>
-    <p:sldLayoutId id="2147483699" r:id="rId5"/>
-    <p:sldLayoutId id="2147483700" r:id="rId6"/>
-    <p:sldLayoutId id="2147483701" r:id="rId7"/>
-    <p:sldLayoutId id="2147483702" r:id="rId8"/>
-    <p:sldLayoutId id="2147483703" r:id="rId9"/>
-    <p:sldLayoutId id="2147483704" r:id="rId10"/>
-    <p:sldLayoutId id="2147483705" r:id="rId11"/>
+    <p:sldLayoutId id="2147483731" r:id="rId1"/>
+    <p:sldLayoutId id="2147483732" r:id="rId2"/>
+    <p:sldLayoutId id="2147483733" r:id="rId3"/>
+    <p:sldLayoutId id="2147483734" r:id="rId4"/>
+    <p:sldLayoutId id="2147483735" r:id="rId5"/>
+    <p:sldLayoutId id="2147483736" r:id="rId6"/>
+    <p:sldLayoutId id="2147483737" r:id="rId7"/>
+    <p:sldLayoutId id="2147483738" r:id="rId8"/>
+    <p:sldLayoutId id="2147483739" r:id="rId9"/>
+    <p:sldLayoutId id="2147483740" r:id="rId10"/>
+    <p:sldLayoutId id="2147483741" r:id="rId11"/>
   </p:sldLayoutIdLst>
   <p:txStyles>
     <p:titleStyle>
       <a:lvl1pPr algn="l" defTabSz="914400" rtl="0" eaLnBrk="1" latinLnBrk="0" hangingPunct="1">
         <a:lnSpc>
-          <a:spcPct val="90000"/>
+          <a:spcPct val="89000"/>
         </a:lnSpc>
         <a:spcBef>
           <a:spcPct val="0"/>
         </a:spcBef>
         <a:buNone/>
-        <a:defRPr sz="4400" kern="1200">
+        <a:defRPr sz="4400" kern="1200" baseline="0">
           <a:solidFill>
-            <a:schemeClr val="tx1"/>
+            <a:schemeClr val="tx2"/>
           </a:solidFill>
           <a:latin typeface="+mj-lt"/>
           <a:ea typeface="+mj-ea"/>
@@ -3045,162 +3504,189 @@
       </a:lvl1pPr>
     </p:titleStyle>
     <p:bodyStyle>
-      <a:lvl1pPr marL="228600" indent="-228600" algn="l" defTabSz="914400" rtl="0" eaLnBrk="1" latinLnBrk="0" hangingPunct="1">
+      <a:lvl1pPr marL="384048" indent="-384048" algn="l" defTabSz="914400" rtl="0" eaLnBrk="1" latinLnBrk="0" hangingPunct="1">
         <a:lnSpc>
-          <a:spcPct val="90000"/>
+          <a:spcPct val="94000"/>
         </a:lnSpc>
         <a:spcBef>
           <a:spcPts val="1000"/>
         </a:spcBef>
-        <a:buFont typeface="Arial" panose="020B0604020202020204" pitchFamily="34" charset="0"/>
-        <a:buChar char="•"/>
-        <a:defRPr sz="2800" kern="1200">
+        <a:spcAft>
+          <a:spcPts val="200"/>
+        </a:spcAft>
+        <a:buFont typeface="Franklin Gothic Book" panose="020B0503020102020204" pitchFamily="34" charset="0"/>
+        <a:buChar char="■"/>
+        <a:defRPr sz="2000" kern="1200" baseline="0">
           <a:solidFill>
-            <a:schemeClr val="tx1"/>
+            <a:schemeClr val="tx2"/>
           </a:solidFill>
           <a:latin typeface="+mn-lt"/>
           <a:ea typeface="+mn-ea"/>
           <a:cs typeface="+mn-cs"/>
         </a:defRPr>
       </a:lvl1pPr>
-      <a:lvl2pPr marL="685800" indent="-228600" algn="l" defTabSz="914400" rtl="0" eaLnBrk="1" latinLnBrk="0" hangingPunct="1">
+      <a:lvl2pPr marL="914400" indent="-384048" algn="l" defTabSz="914400" rtl="0" eaLnBrk="1" latinLnBrk="0" hangingPunct="1">
         <a:lnSpc>
-          <a:spcPct val="90000"/>
+          <a:spcPct val="94000"/>
         </a:lnSpc>
         <a:spcBef>
           <a:spcPts val="500"/>
         </a:spcBef>
-        <a:buFont typeface="Arial" panose="020B0604020202020204" pitchFamily="34" charset="0"/>
-        <a:buChar char="•"/>
-        <a:defRPr sz="2400" kern="1200">
+        <a:spcAft>
+          <a:spcPts val="200"/>
+        </a:spcAft>
+        <a:buFont typeface="Franklin Gothic Book" panose="020B0503020102020204" pitchFamily="34" charset="0"/>
+        <a:buChar char="–"/>
+        <a:defRPr sz="2000" i="1" kern="1200" baseline="0">
           <a:solidFill>
-            <a:schemeClr val="tx1"/>
+            <a:schemeClr val="tx2"/>
           </a:solidFill>
           <a:latin typeface="+mn-lt"/>
           <a:ea typeface="+mn-ea"/>
           <a:cs typeface="+mn-cs"/>
         </a:defRPr>
       </a:lvl2pPr>
-      <a:lvl3pPr marL="1143000" indent="-228600" algn="l" defTabSz="914400" rtl="0" eaLnBrk="1" latinLnBrk="0" hangingPunct="1">
+      <a:lvl3pPr marL="1371600" indent="-384048" algn="l" defTabSz="914400" rtl="0" eaLnBrk="1" latinLnBrk="0" hangingPunct="1">
         <a:lnSpc>
-          <a:spcPct val="90000"/>
+          <a:spcPct val="94000"/>
         </a:lnSpc>
         <a:spcBef>
           <a:spcPts val="500"/>
         </a:spcBef>
-        <a:buFont typeface="Arial" panose="020B0604020202020204" pitchFamily="34" charset="0"/>
-        <a:buChar char="•"/>
-        <a:defRPr sz="2000" kern="1200">
+        <a:spcAft>
+          <a:spcPts val="200"/>
+        </a:spcAft>
+        <a:buFont typeface="Franklin Gothic Book" panose="020B0503020102020204" pitchFamily="34" charset="0"/>
+        <a:buChar char="■"/>
+        <a:defRPr sz="1800" kern="1200" baseline="0">
           <a:solidFill>
-            <a:schemeClr val="tx1"/>
+            <a:schemeClr val="tx2"/>
           </a:solidFill>
           <a:latin typeface="+mn-lt"/>
           <a:ea typeface="+mn-ea"/>
           <a:cs typeface="+mn-cs"/>
         </a:defRPr>
       </a:lvl3pPr>
-      <a:lvl4pPr marL="1600200" indent="-228600" algn="l" defTabSz="914400" rtl="0" eaLnBrk="1" latinLnBrk="0" hangingPunct="1">
+      <a:lvl4pPr marL="1828800" indent="-384048" algn="l" defTabSz="914400" rtl="0" eaLnBrk="1" latinLnBrk="0" hangingPunct="1">
         <a:lnSpc>
-          <a:spcPct val="90000"/>
+          <a:spcPct val="94000"/>
         </a:lnSpc>
         <a:spcBef>
           <a:spcPts val="500"/>
         </a:spcBef>
-        <a:buFont typeface="Arial" panose="020B0604020202020204" pitchFamily="34" charset="0"/>
-        <a:buChar char="•"/>
-        <a:defRPr sz="1800" kern="1200">
+        <a:spcAft>
+          <a:spcPts val="200"/>
+        </a:spcAft>
+        <a:buFont typeface="Franklin Gothic Book" panose="020B0503020102020204" pitchFamily="34" charset="0"/>
+        <a:buChar char="–"/>
+        <a:defRPr sz="1800" i="1" kern="1200" baseline="0">
           <a:solidFill>
-            <a:schemeClr val="tx1"/>
+            <a:schemeClr val="tx2"/>
           </a:solidFill>
           <a:latin typeface="+mn-lt"/>
           <a:ea typeface="+mn-ea"/>
           <a:cs typeface="+mn-cs"/>
         </a:defRPr>
       </a:lvl4pPr>
-      <a:lvl5pPr marL="2057400" indent="-228600" algn="l" defTabSz="914400" rtl="0" eaLnBrk="1" latinLnBrk="0" hangingPunct="1">
+      <a:lvl5pPr marL="2286000" indent="-384048" algn="l" defTabSz="914400" rtl="0" eaLnBrk="1" latinLnBrk="0" hangingPunct="1">
         <a:lnSpc>
-          <a:spcPct val="90000"/>
+          <a:spcPct val="94000"/>
         </a:lnSpc>
         <a:spcBef>
           <a:spcPts val="500"/>
         </a:spcBef>
-        <a:buFont typeface="Arial" panose="020B0604020202020204" pitchFamily="34" charset="0"/>
-        <a:buChar char="•"/>
-        <a:defRPr sz="1800" kern="1200">
+        <a:spcAft>
+          <a:spcPts val="200"/>
+        </a:spcAft>
+        <a:buFont typeface="Franklin Gothic Book" panose="020B0503020102020204" pitchFamily="34" charset="0"/>
+        <a:buChar char="■"/>
+        <a:defRPr sz="1600" kern="1200" baseline="0">
           <a:solidFill>
-            <a:schemeClr val="tx1"/>
+            <a:schemeClr val="tx2"/>
           </a:solidFill>
           <a:latin typeface="+mn-lt"/>
           <a:ea typeface="+mn-ea"/>
           <a:cs typeface="+mn-cs"/>
         </a:defRPr>
       </a:lvl5pPr>
-      <a:lvl6pPr marL="2514600" indent="-228600" algn="l" defTabSz="914400" rtl="0" eaLnBrk="1" latinLnBrk="0" hangingPunct="1">
+      <a:lvl6pPr marL="2743200" indent="-384048" algn="l" defTabSz="914400" rtl="0" eaLnBrk="1" latinLnBrk="0" hangingPunct="1">
         <a:lnSpc>
-          <a:spcPct val="90000"/>
+          <a:spcPct val="94000"/>
         </a:lnSpc>
         <a:spcBef>
           <a:spcPts val="500"/>
         </a:spcBef>
-        <a:buFont typeface="Arial" panose="020B0604020202020204" pitchFamily="34" charset="0"/>
-        <a:buChar char="•"/>
-        <a:defRPr sz="1800" kern="1200">
+        <a:spcAft>
+          <a:spcPts val="200"/>
+        </a:spcAft>
+        <a:buFont typeface="Franklin Gothic Book" panose="020B0503020102020204" pitchFamily="34" charset="0"/>
+        <a:buChar char="–"/>
+        <a:defRPr sz="1600" i="1" kern="1200" baseline="0">
           <a:solidFill>
-            <a:schemeClr val="tx1"/>
+            <a:schemeClr val="tx2"/>
           </a:solidFill>
           <a:latin typeface="+mn-lt"/>
           <a:ea typeface="+mn-ea"/>
           <a:cs typeface="+mn-cs"/>
         </a:defRPr>
       </a:lvl6pPr>
-      <a:lvl7pPr marL="2971800" indent="-228600" algn="l" defTabSz="914400" rtl="0" eaLnBrk="1" latinLnBrk="0" hangingPunct="1">
+      <a:lvl7pPr marL="3200400" indent="-384048" algn="l" defTabSz="914400" rtl="0" eaLnBrk="1" latinLnBrk="0" hangingPunct="1">
         <a:lnSpc>
-          <a:spcPct val="90000"/>
+          <a:spcPct val="94000"/>
         </a:lnSpc>
         <a:spcBef>
           <a:spcPts val="500"/>
         </a:spcBef>
-        <a:buFont typeface="Arial" panose="020B0604020202020204" pitchFamily="34" charset="0"/>
-        <a:buChar char="•"/>
-        <a:defRPr sz="1800" kern="1200">
+        <a:spcAft>
+          <a:spcPts val="200"/>
+        </a:spcAft>
+        <a:buFont typeface="Franklin Gothic Book" panose="020B0503020102020204" pitchFamily="34" charset="0"/>
+        <a:buChar char="■"/>
+        <a:defRPr sz="1400" kern="1200" baseline="0">
           <a:solidFill>
-            <a:schemeClr val="tx1"/>
+            <a:schemeClr val="tx2"/>
           </a:solidFill>
           <a:latin typeface="+mn-lt"/>
           <a:ea typeface="+mn-ea"/>
           <a:cs typeface="+mn-cs"/>
         </a:defRPr>
       </a:lvl7pPr>
-      <a:lvl8pPr marL="3429000" indent="-228600" algn="l" defTabSz="914400" rtl="0" eaLnBrk="1" latinLnBrk="0" hangingPunct="1">
+      <a:lvl8pPr marL="3657600" indent="-384048" algn="l" defTabSz="914400" rtl="0" eaLnBrk="1" latinLnBrk="0" hangingPunct="1">
         <a:lnSpc>
-          <a:spcPct val="90000"/>
+          <a:spcPct val="94000"/>
         </a:lnSpc>
         <a:spcBef>
           <a:spcPts val="500"/>
         </a:spcBef>
-        <a:buFont typeface="Arial" panose="020B0604020202020204" pitchFamily="34" charset="0"/>
-        <a:buChar char="•"/>
-        <a:defRPr sz="1800" kern="1200">
+        <a:spcAft>
+          <a:spcPts val="200"/>
+        </a:spcAft>
+        <a:buFont typeface="Franklin Gothic Book" panose="020B0503020102020204" pitchFamily="34" charset="0"/>
+        <a:buChar char="–"/>
+        <a:defRPr sz="1400" i="1" kern="1200" baseline="0">
           <a:solidFill>
-            <a:schemeClr val="tx1"/>
+            <a:schemeClr val="tx2"/>
           </a:solidFill>
           <a:latin typeface="+mn-lt"/>
           <a:ea typeface="+mn-ea"/>
           <a:cs typeface="+mn-cs"/>
         </a:defRPr>
       </a:lvl8pPr>
-      <a:lvl9pPr marL="3886200" indent="-228600" algn="l" defTabSz="914400" rtl="0" eaLnBrk="1" latinLnBrk="0" hangingPunct="1">
+      <a:lvl9pPr marL="4114800" indent="-384048" algn="l" defTabSz="914400" rtl="0" eaLnBrk="1" latinLnBrk="0" hangingPunct="1">
         <a:lnSpc>
-          <a:spcPct val="90000"/>
+          <a:spcPct val="94000"/>
         </a:lnSpc>
         <a:spcBef>
           <a:spcPts val="500"/>
         </a:spcBef>
-        <a:buFont typeface="Arial" panose="020B0604020202020204" pitchFamily="34" charset="0"/>
-        <a:buChar char="•"/>
-        <a:defRPr sz="1800" kern="1200">
+        <a:spcAft>
+          <a:spcPts val="200"/>
+        </a:spcAft>
+        <a:buFont typeface="Franklin Gothic Book" panose="020B0503020102020204" pitchFamily="34" charset="0"/>
+        <a:buChar char="■"/>
+        <a:defRPr sz="1400" kern="1200" baseline="0">
           <a:solidFill>
-            <a:schemeClr val="tx1"/>
+            <a:schemeClr val="tx2"/>
           </a:solidFill>
           <a:latin typeface="+mn-lt"/>
           <a:ea typeface="+mn-ea"/>
@@ -3210,7 +3696,7 @@
     </p:bodyStyle>
     <p:otherStyle>
       <a:defPPr>
-        <a:defRPr lang="ru-RU"/>
+        <a:defRPr lang="en-US"/>
       </a:defPPr>
       <a:lvl1pPr marL="0" algn="l" defTabSz="914400" rtl="0" eaLnBrk="1" latinLnBrk="0" hangingPunct="1">
         <a:defRPr sz="1800" kern="1200">
@@ -3304,6 +3790,52 @@
       </a:lvl9pPr>
     </p:otherStyle>
   </p:txStyles>
+  <p:extLst>
+    <p:ext uri="{27BBF7A9-308A-43DC-89C8-2F10F3537804}">
+      <p15:sldGuideLst xmlns:p15="http://schemas.microsoft.com/office/powerpoint/2012/main">
+        <p15:guide id="3" orient="horz" pos="1368">
+          <p15:clr>
+            <a:srgbClr val="F26B43"/>
+          </p15:clr>
+        </p15:guide>
+        <p15:guide id="4" orient="horz" pos="1440">
+          <p15:clr>
+            <a:srgbClr val="F26B43"/>
+          </p15:clr>
+        </p15:guide>
+        <p15:guide id="6" orient="horz" pos="3696">
+          <p15:clr>
+            <a:srgbClr val="F26B43"/>
+          </p15:clr>
+        </p15:guide>
+        <p15:guide id="7" orient="horz" pos="432">
+          <p15:clr>
+            <a:srgbClr val="F26B43"/>
+          </p15:clr>
+        </p15:guide>
+        <p15:guide id="8" orient="horz" pos="1512">
+          <p15:clr>
+            <a:srgbClr val="F26B43"/>
+          </p15:clr>
+        </p15:guide>
+        <p15:guide id="9" pos="6912">
+          <p15:clr>
+            <a:srgbClr val="F26B43"/>
+          </p15:clr>
+        </p15:guide>
+        <p15:guide id="10" pos="936">
+          <p15:clr>
+            <a:srgbClr val="F26B43"/>
+          </p15:clr>
+        </p15:guide>
+        <p15:guide id="11" pos="864">
+          <p15:clr>
+            <a:srgbClr val="F26B43"/>
+          </p15:clr>
+        </p15:guide>
+      </p15:sldGuideLst>
+    </p:ext>
+  </p:extLst>
 </p:sldMaster>
 </file>
 
@@ -3373,11 +3905,25 @@
             <p:ph type="subTitle" idx="1"/>
           </p:nvPr>
         </p:nvSpPr>
-        <p:spPr/>
+        <p:spPr>
+          <a:xfrm>
+            <a:off x="7838982" y="5131294"/>
+            <a:ext cx="3101901" cy="461639"/>
+          </a:xfrm>
+        </p:spPr>
         <p:txBody>
           <a:bodyPr/>
           <a:lstStyle/>
           <a:p>
+            <a:pPr algn="r"/>
+            <a:r>
+              <a:rPr lang="ru-RU" dirty="0"/>
+              <a:t>Создатель</a:t>
+            </a:r>
+            <a:r>
+              <a:rPr lang="en-GB" dirty="0"/>
+              <a:t>: </a:t>
+            </a:r>
             <a:r>
               <a:rPr lang="en-GB" dirty="0" err="1"/>
               <a:t>Chzx-vagner</a:t>
@@ -3390,6 +3936,323 @@
     <p:extLst>
       <p:ext uri="{BB962C8B-B14F-4D97-AF65-F5344CB8AC3E}">
         <p14:creationId xmlns:p14="http://schemas.microsoft.com/office/powerpoint/2010/main" val="2521331753"/>
+      </p:ext>
+    </p:extLst>
+  </p:cSld>
+  <p:clrMapOvr>
+    <a:masterClrMapping/>
+  </p:clrMapOvr>
+</p:sld>
+</file>
+
+<file path=ppt/slides/slide10.xml><?xml version="1.0" encoding="utf-8"?>
+<p:sld xmlns:a="http://schemas.openxmlformats.org/drawingml/2006/main" xmlns:r="http://schemas.openxmlformats.org/officeDocument/2006/relationships" xmlns:p="http://schemas.openxmlformats.org/presentationml/2006/main">
+  <p:cSld>
+    <p:spTree>
+      <p:nvGrpSpPr>
+        <p:cNvPr id="1" name=""/>
+        <p:cNvGrpSpPr/>
+        <p:nvPr/>
+      </p:nvGrpSpPr>
+      <p:grpSpPr>
+        <a:xfrm>
+          <a:off x="0" y="0"/>
+          <a:ext cx="0" cy="0"/>
+          <a:chOff x="0" y="0"/>
+          <a:chExt cx="0" cy="0"/>
+        </a:xfrm>
+      </p:grpSpPr>
+      <p:sp>
+        <p:nvSpPr>
+          <p:cNvPr id="2" name="Заголовок 1">
+            <a:extLst>
+              <a:ext uri="{FF2B5EF4-FFF2-40B4-BE49-F238E27FC236}">
+                <a16:creationId xmlns:a16="http://schemas.microsoft.com/office/drawing/2014/main" id="{F04822B4-9FEF-B647-A7BE-C069C60D2E4C}"/>
+              </a:ext>
+            </a:extLst>
+          </p:cNvPr>
+          <p:cNvSpPr>
+            <a:spLocks noGrp="1"/>
+          </p:cNvSpPr>
+          <p:nvPr>
+            <p:ph type="title"/>
+          </p:nvPr>
+        </p:nvSpPr>
+        <p:spPr>
+          <a:xfrm>
+            <a:off x="1371600" y="319596"/>
+            <a:ext cx="9601200" cy="1100831"/>
+          </a:xfrm>
+        </p:spPr>
+        <p:txBody>
+          <a:bodyPr/>
+          <a:lstStyle/>
+          <a:p>
+            <a:r>
+              <a:rPr lang="ru-RU" dirty="0"/>
+              <a:t>Главная страница с новостями</a:t>
+            </a:r>
+          </a:p>
+        </p:txBody>
+      </p:sp>
+      <p:sp>
+        <p:nvSpPr>
+          <p:cNvPr id="3" name="Объект 2">
+            <a:extLst>
+              <a:ext uri="{FF2B5EF4-FFF2-40B4-BE49-F238E27FC236}">
+                <a16:creationId xmlns:a16="http://schemas.microsoft.com/office/drawing/2014/main" id="{EB4A38E8-A311-5684-6707-B58319F41EC8}"/>
+              </a:ext>
+            </a:extLst>
+          </p:cNvPr>
+          <p:cNvSpPr>
+            <a:spLocks noGrp="1"/>
+          </p:cNvSpPr>
+          <p:nvPr>
+            <p:ph idx="1"/>
+          </p:nvPr>
+        </p:nvSpPr>
+        <p:spPr>
+          <a:xfrm>
+            <a:off x="1371600" y="1802167"/>
+            <a:ext cx="3741938" cy="4261282"/>
+          </a:xfrm>
+        </p:spPr>
+        <p:txBody>
+          <a:bodyPr/>
+          <a:lstStyle/>
+          <a:p>
+            <a:pPr marL="0" indent="0">
+              <a:buNone/>
+            </a:pPr>
+            <a:r>
+              <a:rPr lang="ru-RU" dirty="0"/>
+              <a:t>При условии наличия уже созданных новостей, главная страница приобретет такой вид</a:t>
+            </a:r>
+            <a:r>
+              <a:rPr lang="en-GB" dirty="0"/>
+              <a:t>:</a:t>
+            </a:r>
+          </a:p>
+          <a:p>
+            <a:pPr marL="0" indent="0">
+              <a:buNone/>
+            </a:pPr>
+            <a:endParaRPr lang="en-GB" dirty="0"/>
+          </a:p>
+          <a:p>
+            <a:pPr marL="0" indent="0">
+              <a:buNone/>
+            </a:pPr>
+            <a:endParaRPr lang="en-GB" dirty="0"/>
+          </a:p>
+          <a:p>
+            <a:pPr marL="0" indent="0">
+              <a:buNone/>
+            </a:pPr>
+            <a:endParaRPr lang="ru-RU" dirty="0"/>
+          </a:p>
+          <a:p>
+            <a:pPr marL="0" indent="0">
+              <a:buNone/>
+            </a:pPr>
+            <a:endParaRPr lang="ru-RU" dirty="0"/>
+          </a:p>
+          <a:p>
+            <a:pPr marL="0" indent="0">
+              <a:buNone/>
+            </a:pPr>
+            <a:endParaRPr lang="ru-RU" dirty="0"/>
+          </a:p>
+          <a:p>
+            <a:pPr marL="0" indent="0">
+              <a:buNone/>
+            </a:pPr>
+            <a:r>
+              <a:rPr lang="ru-RU" dirty="0"/>
+              <a:t>Если страницу просматривает автор новости, то он может изменить или удалить её вовсе.</a:t>
+            </a:r>
+            <a:endParaRPr lang="en-GB" dirty="0"/>
+          </a:p>
+          <a:p>
+            <a:pPr marL="0" indent="0">
+              <a:buNone/>
+            </a:pPr>
+            <a:endParaRPr lang="ru-RU" dirty="0"/>
+          </a:p>
+        </p:txBody>
+      </p:sp>
+      <p:pic>
+        <p:nvPicPr>
+          <p:cNvPr id="5" name="Рисунок 4">
+            <a:extLst>
+              <a:ext uri="{FF2B5EF4-FFF2-40B4-BE49-F238E27FC236}">
+                <a16:creationId xmlns:a16="http://schemas.microsoft.com/office/drawing/2014/main" id="{29CFCE8B-2FE3-270D-FCE2-2F36CF60F84C}"/>
+              </a:ext>
+            </a:extLst>
+          </p:cNvPr>
+          <p:cNvPicPr>
+            <a:picLocks noChangeAspect="1"/>
+          </p:cNvPicPr>
+          <p:nvPr/>
+        </p:nvPicPr>
+        <p:blipFill rotWithShape="1">
+          <a:blip r:embed="rId2"/>
+          <a:srcRect t="13592" r="55582" b="48091"/>
+          <a:stretch/>
+        </p:blipFill>
+        <p:spPr>
+          <a:xfrm>
+            <a:off x="5405021" y="1802167"/>
+            <a:ext cx="5415379" cy="2627792"/>
+          </a:xfrm>
+          <a:prstGeom prst="rect">
+            <a:avLst/>
+          </a:prstGeom>
+          <a:ln w="190500" cap="sq">
+            <a:solidFill>
+              <a:srgbClr val="C8C6BD"/>
+            </a:solidFill>
+            <a:prstDash val="solid"/>
+            <a:miter lim="800000"/>
+          </a:ln>
+          <a:effectLst>
+            <a:outerShdw blurRad="254000" algn="bl" rotWithShape="0">
+              <a:srgbClr val="000000">
+                <a:alpha val="43000"/>
+              </a:srgbClr>
+            </a:outerShdw>
+          </a:effectLst>
+          <a:scene3d>
+            <a:camera prst="perspectiveFront" fov="5400000"/>
+            <a:lightRig rig="threePt" dir="t">
+              <a:rot lat="0" lon="0" rev="2100000"/>
+            </a:lightRig>
+          </a:scene3d>
+          <a:sp3d extrusionH="25400">
+            <a:bevelT w="304800" h="152400" prst="hardEdge"/>
+            <a:extrusionClr>
+              <a:srgbClr val="000000"/>
+            </a:extrusionClr>
+          </a:sp3d>
+        </p:spPr>
+      </p:pic>
+    </p:spTree>
+    <p:extLst>
+      <p:ext uri="{BB962C8B-B14F-4D97-AF65-F5344CB8AC3E}">
+        <p14:creationId xmlns:p14="http://schemas.microsoft.com/office/powerpoint/2010/main" val="2691889048"/>
+      </p:ext>
+    </p:extLst>
+  </p:cSld>
+  <p:clrMapOvr>
+    <a:masterClrMapping/>
+  </p:clrMapOvr>
+</p:sld>
+</file>
+
+<file path=ppt/slides/slide11.xml><?xml version="1.0" encoding="utf-8"?>
+<p:sld xmlns:a="http://schemas.openxmlformats.org/drawingml/2006/main" xmlns:r="http://schemas.openxmlformats.org/officeDocument/2006/relationships" xmlns:p="http://schemas.openxmlformats.org/presentationml/2006/main">
+  <p:cSld>
+    <p:spTree>
+      <p:nvGrpSpPr>
+        <p:cNvPr id="1" name=""/>
+        <p:cNvGrpSpPr/>
+        <p:nvPr/>
+      </p:nvGrpSpPr>
+      <p:grpSpPr>
+        <a:xfrm>
+          <a:off x="0" y="0"/>
+          <a:ext cx="0" cy="0"/>
+          <a:chOff x="0" y="0"/>
+          <a:chExt cx="0" cy="0"/>
+        </a:xfrm>
+      </p:grpSpPr>
+      <p:sp>
+        <p:nvSpPr>
+          <p:cNvPr id="2" name="Заголовок 1">
+            <a:extLst>
+              <a:ext uri="{FF2B5EF4-FFF2-40B4-BE49-F238E27FC236}">
+                <a16:creationId xmlns:a16="http://schemas.microsoft.com/office/drawing/2014/main" id="{3F7E783D-D2BD-F91B-B763-E27E9CD6128C}"/>
+              </a:ext>
+            </a:extLst>
+          </p:cNvPr>
+          <p:cNvSpPr>
+            <a:spLocks noGrp="1"/>
+          </p:cNvSpPr>
+          <p:nvPr>
+            <p:ph type="title"/>
+          </p:nvPr>
+        </p:nvSpPr>
+        <p:spPr>
+          <a:xfrm>
+            <a:off x="1371600" y="685800"/>
+            <a:ext cx="9601200" cy="823404"/>
+          </a:xfrm>
+        </p:spPr>
+        <p:txBody>
+          <a:bodyPr/>
+          <a:lstStyle/>
+          <a:p>
+            <a:r>
+              <a:rPr lang="en-GB" dirty="0"/>
+              <a:t>API</a:t>
+            </a:r>
+            <a:endParaRPr lang="ru-RU" dirty="0"/>
+          </a:p>
+        </p:txBody>
+      </p:sp>
+      <p:sp>
+        <p:nvSpPr>
+          <p:cNvPr id="3" name="Объект 2">
+            <a:extLst>
+              <a:ext uri="{FF2B5EF4-FFF2-40B4-BE49-F238E27FC236}">
+                <a16:creationId xmlns:a16="http://schemas.microsoft.com/office/drawing/2014/main" id="{096C01FD-30B6-AC80-AC5D-0074B4855C34}"/>
+              </a:ext>
+            </a:extLst>
+          </p:cNvPr>
+          <p:cNvSpPr>
+            <a:spLocks noGrp="1"/>
+          </p:cNvSpPr>
+          <p:nvPr>
+            <p:ph idx="1"/>
+          </p:nvPr>
+        </p:nvSpPr>
+        <p:spPr>
+          <a:xfrm>
+            <a:off x="1371600" y="1509204"/>
+            <a:ext cx="9601200" cy="4358196"/>
+          </a:xfrm>
+        </p:spPr>
+        <p:txBody>
+          <a:bodyPr/>
+          <a:lstStyle/>
+          <a:p>
+            <a:pPr marL="0" indent="0">
+              <a:buNone/>
+            </a:pPr>
+            <a:r>
+              <a:rPr lang="ru-RU" dirty="0"/>
+              <a:t>В приложении также существует </a:t>
+            </a:r>
+            <a:r>
+              <a:rPr lang="en-GB" dirty="0"/>
+              <a:t>REST-API</a:t>
+            </a:r>
+            <a:r>
+              <a:rPr lang="ru-RU" dirty="0"/>
+              <a:t>, значительно упрощающее работу со многими аспектами сайта, например добавление и </a:t>
+            </a:r>
+            <a:r>
+              <a:rPr lang="ru-RU"/>
+              <a:t>удаление новостей.</a:t>
+            </a:r>
+            <a:endParaRPr lang="ru-RU" dirty="0"/>
+          </a:p>
+        </p:txBody>
+      </p:sp>
+    </p:spTree>
+    <p:extLst>
+      <p:ext uri="{BB962C8B-B14F-4D97-AF65-F5344CB8AC3E}">
+        <p14:creationId xmlns:p14="http://schemas.microsoft.com/office/powerpoint/2010/main" val="1232507596"/>
       </p:ext>
     </p:extLst>
   </p:cSld>
@@ -3439,7 +4302,7 @@
           <a:p>
             <a:r>
               <a:rPr lang="ru-RU" dirty="0"/>
-              <a:t>Внешний вид сайта</a:t>
+              <a:t>Внешний вид сайта и боковое меню</a:t>
             </a:r>
           </a:p>
         </p:txBody>
@@ -3460,7 +4323,12 @@
             <p:ph idx="1"/>
           </p:nvPr>
         </p:nvSpPr>
-        <p:spPr/>
+        <p:spPr>
+          <a:xfrm>
+            <a:off x="1371600" y="1748901"/>
+            <a:ext cx="4724400" cy="4118499"/>
+          </a:xfrm>
+        </p:spPr>
         <p:txBody>
           <a:bodyPr/>
           <a:lstStyle/>
@@ -3470,7 +4338,7 @@
             </a:pPr>
             <a:r>
               <a:rPr lang="ru-RU" dirty="0"/>
-              <a:t>Сайт оформлен в красно-белой палитре.</a:t>
+              <a:t>Внешнее оформление веб-приложения выполнено в красно-белой палитре. </a:t>
             </a:r>
           </a:p>
           <a:p>
@@ -3479,22 +4347,109 @@
             </a:pPr>
             <a:r>
               <a:rPr lang="ru-RU" dirty="0"/>
-              <a:t>На главной странице пользователя встречает боковое меню с несколькими кнопками.</a:t>
-            </a:r>
-          </a:p>
-          <a:p>
-            <a:pPr marL="0" indent="0">
-              <a:buNone/>
-            </a:pPr>
-            <a:r>
-              <a:rPr lang="ru-RU" dirty="0"/>
-              <a:t>Основная информация сайта расположена </a:t>
-            </a:r>
-            <a:r>
-              <a:rPr lang="ru-RU"/>
-              <a:t>в рамке.</a:t>
-            </a:r>
-            <a:endParaRPr lang="ru-RU" dirty="0"/>
+              <a:t>В левой части сайта пользователя встречает навигационная панель, на которой присутствуют кнопки, по которым осуществляется переход на различные страницы сайта. Каждую страницу мы рассмотрим отдельно позже.</a:t>
+            </a:r>
+          </a:p>
+        </p:txBody>
+      </p:sp>
+      <p:pic>
+        <p:nvPicPr>
+          <p:cNvPr id="5" name="Рисунок 4">
+            <a:extLst>
+              <a:ext uri="{FF2B5EF4-FFF2-40B4-BE49-F238E27FC236}">
+                <a16:creationId xmlns:a16="http://schemas.microsoft.com/office/drawing/2014/main" id="{1218B7BD-5E04-229A-4CBC-BDFD54513693}"/>
+              </a:ext>
+            </a:extLst>
+          </p:cNvPr>
+          <p:cNvPicPr>
+            <a:picLocks noChangeAspect="1"/>
+          </p:cNvPicPr>
+          <p:nvPr/>
+        </p:nvPicPr>
+        <p:blipFill rotWithShape="1">
+          <a:blip r:embed="rId2"/>
+          <a:srcRect t="7378" r="84053" b="51068"/>
+          <a:stretch/>
+        </p:blipFill>
+        <p:spPr>
+          <a:xfrm>
+            <a:off x="7838980" y="1748901"/>
+            <a:ext cx="2840855" cy="4163994"/>
+          </a:xfrm>
+          <a:prstGeom prst="rect">
+            <a:avLst/>
+          </a:prstGeom>
+          <a:ln w="190500" cap="sq">
+            <a:solidFill>
+              <a:srgbClr val="C8C6BD"/>
+            </a:solidFill>
+            <a:prstDash val="solid"/>
+            <a:miter lim="800000"/>
+          </a:ln>
+          <a:effectLst>
+            <a:outerShdw blurRad="254000" algn="bl" rotWithShape="0">
+              <a:srgbClr val="000000">
+                <a:alpha val="43000"/>
+              </a:srgbClr>
+            </a:outerShdw>
+          </a:effectLst>
+          <a:scene3d>
+            <a:camera prst="perspectiveFront" fov="5400000"/>
+            <a:lightRig rig="threePt" dir="t">
+              <a:rot lat="0" lon="0" rev="2100000"/>
+            </a:lightRig>
+          </a:scene3d>
+          <a:sp3d extrusionH="25400">
+            <a:bevelT w="304800" h="152400" prst="hardEdge"/>
+            <a:extrusionClr>
+              <a:srgbClr val="000000"/>
+            </a:extrusionClr>
+          </a:sp3d>
+        </p:spPr>
+      </p:pic>
+      <p:sp>
+        <p:nvSpPr>
+          <p:cNvPr id="6" name="Прямоугольник 5">
+            <a:extLst>
+              <a:ext uri="{FF2B5EF4-FFF2-40B4-BE49-F238E27FC236}">
+                <a16:creationId xmlns:a16="http://schemas.microsoft.com/office/drawing/2014/main" id="{F2889586-E314-D9D0-672B-EE44AF4B0483}"/>
+              </a:ext>
+            </a:extLst>
+          </p:cNvPr>
+          <p:cNvSpPr/>
+          <p:nvPr/>
+        </p:nvSpPr>
+        <p:spPr>
+          <a:xfrm>
+            <a:off x="8833282" y="4927107"/>
+            <a:ext cx="843378" cy="159798"/>
+          </a:xfrm>
+          <a:prstGeom prst="rect">
+            <a:avLst/>
+          </a:prstGeom>
+        </p:spPr>
+        <p:style>
+          <a:lnRef idx="2">
+            <a:schemeClr val="accent6">
+              <a:shade val="50000"/>
+            </a:schemeClr>
+          </a:lnRef>
+          <a:fillRef idx="1">
+            <a:schemeClr val="accent6"/>
+          </a:fillRef>
+          <a:effectRef idx="0">
+            <a:schemeClr val="accent6"/>
+          </a:effectRef>
+          <a:fontRef idx="minor">
+            <a:schemeClr val="lt1"/>
+          </a:fontRef>
+        </p:style>
+        <p:txBody>
+          <a:bodyPr rtlCol="0" anchor="ctr"/>
+          <a:lstStyle/>
+          <a:p>
+            <a:pPr algn="ctr"/>
+            <a:endParaRPr lang="ru-RU"/>
           </a:p>
         </p:txBody>
       </p:sp>
@@ -3533,7 +4488,7 @@
           <p:cNvPr id="2" name="Заголовок 1">
             <a:extLst>
               <a:ext uri="{FF2B5EF4-FFF2-40B4-BE49-F238E27FC236}">
-                <a16:creationId xmlns:a16="http://schemas.microsoft.com/office/drawing/2014/main" id="{34324481-004B-4455-B2CE-9AFD715DF49F}"/>
+                <a16:creationId xmlns:a16="http://schemas.microsoft.com/office/drawing/2014/main" id="{2DD467E6-8731-2DC6-6145-9B9B1ED18868}"/>
               </a:ext>
             </a:extLst>
           </p:cNvPr>
@@ -3549,7 +4504,10 @@
           <a:bodyPr/>
           <a:lstStyle/>
           <a:p>
-            <a:endParaRPr lang="ru-RU"/>
+            <a:r>
+              <a:rPr lang="ru-RU" dirty="0"/>
+              <a:t>Регистрация</a:t>
+            </a:r>
           </a:p>
         </p:txBody>
       </p:sp>
@@ -3558,7 +4516,7 @@
           <p:cNvPr id="3" name="Объект 2">
             <a:extLst>
               <a:ext uri="{FF2B5EF4-FFF2-40B4-BE49-F238E27FC236}">
-                <a16:creationId xmlns:a16="http://schemas.microsoft.com/office/drawing/2014/main" id="{72C861C3-77A5-70F9-C67D-9E8EB4ED6750}"/>
+                <a16:creationId xmlns:a16="http://schemas.microsoft.com/office/drawing/2014/main" id="{5636EB5C-0CD9-7618-7FC2-CB0868AB9315}"/>
               </a:ext>
             </a:extLst>
           </p:cNvPr>
@@ -3569,19 +4527,91 @@
             <p:ph idx="1"/>
           </p:nvPr>
         </p:nvSpPr>
-        <p:spPr/>
-        <p:txBody>
-          <a:bodyPr/>
+        <p:spPr>
+          <a:xfrm>
+            <a:off x="1371599" y="1669003"/>
+            <a:ext cx="4798382" cy="3710866"/>
+          </a:xfrm>
+        </p:spPr>
+        <p:txBody>
+          <a:bodyPr>
+            <a:noAutofit/>
+          </a:bodyPr>
           <a:lstStyle/>
           <a:p>
-            <a:endParaRPr lang="ru-RU"/>
-          </a:p>
-        </p:txBody>
-      </p:sp>
+            <a:pPr marL="0" indent="0">
+              <a:buNone/>
+            </a:pPr>
+            <a:r>
+              <a:rPr lang="ru-RU" dirty="0"/>
+              <a:t>Клиенты организации могут зарегистрироваться в системе для повышения удобства использования веб-приложения и повышения качества обслуживания. Зарегистрированные пользователи смогут размещать объявления о своих услугах за некоторую стоимость. Регистрация осуществляется посредством вводе почты пользователя, двухразового ввода пароля и имени пользователя. В случае ошибки с данными форму можно обнулить</a:t>
+            </a:r>
+            <a:r>
+              <a:rPr lang="ru-RU" sz="1800" dirty="0"/>
+              <a:t>.</a:t>
+            </a:r>
+          </a:p>
+        </p:txBody>
+      </p:sp>
+      <p:pic>
+        <p:nvPicPr>
+          <p:cNvPr id="5" name="Рисунок 4">
+            <a:extLst>
+              <a:ext uri="{FF2B5EF4-FFF2-40B4-BE49-F238E27FC236}">
+                <a16:creationId xmlns:a16="http://schemas.microsoft.com/office/drawing/2014/main" id="{7787B907-BEB2-85F4-6EFE-658BC220B01A}"/>
+              </a:ext>
+            </a:extLst>
+          </p:cNvPr>
+          <p:cNvPicPr>
+            <a:picLocks noChangeAspect="1"/>
+          </p:cNvPicPr>
+          <p:nvPr/>
+        </p:nvPicPr>
+        <p:blipFill rotWithShape="1">
+          <a:blip r:embed="rId2"/>
+          <a:srcRect l="37792" t="12557" r="37815" b="33980"/>
+          <a:stretch/>
+        </p:blipFill>
+        <p:spPr>
+          <a:xfrm>
+            <a:off x="6942337" y="1091954"/>
+            <a:ext cx="3568823" cy="4399772"/>
+          </a:xfrm>
+          <a:prstGeom prst="rect">
+            <a:avLst/>
+          </a:prstGeom>
+          <a:ln w="190500" cap="sq">
+            <a:solidFill>
+              <a:srgbClr val="C8C6BD"/>
+            </a:solidFill>
+            <a:prstDash val="solid"/>
+            <a:miter lim="800000"/>
+          </a:ln>
+          <a:effectLst>
+            <a:outerShdw blurRad="254000" algn="bl" rotWithShape="0">
+              <a:srgbClr val="000000">
+                <a:alpha val="43000"/>
+              </a:srgbClr>
+            </a:outerShdw>
+          </a:effectLst>
+          <a:scene3d>
+            <a:camera prst="perspectiveFront" fov="5400000"/>
+            <a:lightRig rig="threePt" dir="t">
+              <a:rot lat="0" lon="0" rev="2100000"/>
+            </a:lightRig>
+          </a:scene3d>
+          <a:sp3d extrusionH="25400">
+            <a:bevelT w="304800" h="152400" prst="hardEdge"/>
+            <a:extrusionClr>
+              <a:srgbClr val="000000"/>
+            </a:extrusionClr>
+          </a:sp3d>
+        </p:spPr>
+      </p:pic>
     </p:spTree>
     <p:extLst>
       <p:ext uri="{BB962C8B-B14F-4D97-AF65-F5344CB8AC3E}">
-        <p14:creationId xmlns:p14="http://schemas.microsoft.com/office/powerpoint/2010/main" val="605230225"/>
+        <p14:creationId xmlns:p14="http://schemas.microsoft.com/office/powerpoint/2010/main" val="493436927"/>
       </p:ext>
     </p:extLst>
   </p:cSld>
@@ -3613,7 +4643,7 @@
           <p:cNvPr id="2" name="Заголовок 1">
             <a:extLst>
               <a:ext uri="{FF2B5EF4-FFF2-40B4-BE49-F238E27FC236}">
-                <a16:creationId xmlns:a16="http://schemas.microsoft.com/office/drawing/2014/main" id="{2DD467E6-8731-2DC6-6145-9B9B1ED18868}"/>
+                <a16:creationId xmlns:a16="http://schemas.microsoft.com/office/drawing/2014/main" id="{34324481-004B-4455-B2CE-9AFD715DF49F}"/>
               </a:ext>
             </a:extLst>
           </p:cNvPr>
@@ -3629,7 +4659,10 @@
           <a:bodyPr/>
           <a:lstStyle/>
           <a:p>
-            <a:endParaRPr lang="ru-RU"/>
+            <a:r>
+              <a:rPr lang="ru-RU" dirty="0"/>
+              <a:t>Авторизация</a:t>
+            </a:r>
           </a:p>
         </p:txBody>
       </p:sp>
@@ -3638,7 +4671,7 @@
           <p:cNvPr id="3" name="Объект 2">
             <a:extLst>
               <a:ext uri="{FF2B5EF4-FFF2-40B4-BE49-F238E27FC236}">
-                <a16:creationId xmlns:a16="http://schemas.microsoft.com/office/drawing/2014/main" id="{5636EB5C-0CD9-7618-7FC2-CB0868AB9315}"/>
+                <a16:creationId xmlns:a16="http://schemas.microsoft.com/office/drawing/2014/main" id="{72C861C3-77A5-70F9-C67D-9E8EB4ED6750}"/>
               </a:ext>
             </a:extLst>
           </p:cNvPr>
@@ -3649,19 +4682,951 @@
             <p:ph idx="1"/>
           </p:nvPr>
         </p:nvSpPr>
-        <p:spPr/>
+        <p:spPr>
+          <a:xfrm>
+            <a:off x="1371600" y="1589103"/>
+            <a:ext cx="4724400" cy="3097198"/>
+          </a:xfrm>
+        </p:spPr>
         <p:txBody>
           <a:bodyPr/>
           <a:lstStyle/>
           <a:p>
-            <a:endParaRPr lang="ru-RU"/>
-          </a:p>
-        </p:txBody>
-      </p:sp>
+            <a:pPr marL="0" indent="0">
+              <a:buNone/>
+            </a:pPr>
+            <a:r>
+              <a:rPr lang="ru-RU" dirty="0"/>
+              <a:t>На сайте присутствует возможность авторизации. Предназначена она для администраторов и клиентов организации. Авторизация проводится посредством ввода электронного адреса клиента и пароля. Прежде, чем выполнять процедуру авторизации, пользователь должен зарегистрироваться в системе.</a:t>
+            </a:r>
+          </a:p>
+        </p:txBody>
+      </p:sp>
+      <p:pic>
+        <p:nvPicPr>
+          <p:cNvPr id="5" name="Рисунок 4">
+            <a:extLst>
+              <a:ext uri="{FF2B5EF4-FFF2-40B4-BE49-F238E27FC236}">
+                <a16:creationId xmlns:a16="http://schemas.microsoft.com/office/drawing/2014/main" id="{28BFD9D0-08BD-8FF0-6742-180AC6768C49}"/>
+              </a:ext>
+            </a:extLst>
+          </p:cNvPr>
+          <p:cNvPicPr>
+            <a:picLocks noChangeAspect="1"/>
+          </p:cNvPicPr>
+          <p:nvPr/>
+        </p:nvPicPr>
+        <p:blipFill rotWithShape="1">
+          <a:blip r:embed="rId2"/>
+          <a:srcRect l="37937" t="12298" r="37961" b="50000"/>
+          <a:stretch/>
+        </p:blipFill>
+        <p:spPr>
+          <a:xfrm>
+            <a:off x="6924583" y="1402673"/>
+            <a:ext cx="3719744" cy="3620678"/>
+          </a:xfrm>
+          <a:prstGeom prst="rect">
+            <a:avLst/>
+          </a:prstGeom>
+          <a:ln w="190500" cap="sq">
+            <a:solidFill>
+              <a:srgbClr val="C8C6BD"/>
+            </a:solidFill>
+            <a:prstDash val="solid"/>
+            <a:miter lim="800000"/>
+          </a:ln>
+          <a:effectLst>
+            <a:outerShdw blurRad="254000" algn="bl" rotWithShape="0">
+              <a:srgbClr val="000000">
+                <a:alpha val="43000"/>
+              </a:srgbClr>
+            </a:outerShdw>
+          </a:effectLst>
+          <a:scene3d>
+            <a:camera prst="perspectiveFront" fov="5400000"/>
+            <a:lightRig rig="threePt" dir="t">
+              <a:rot lat="0" lon="0" rev="2100000"/>
+            </a:lightRig>
+          </a:scene3d>
+          <a:sp3d extrusionH="25400">
+            <a:bevelT w="304800" h="152400" prst="hardEdge"/>
+            <a:extrusionClr>
+              <a:srgbClr val="000000"/>
+            </a:extrusionClr>
+          </a:sp3d>
+        </p:spPr>
+      </p:pic>
     </p:spTree>
     <p:extLst>
       <p:ext uri="{BB962C8B-B14F-4D97-AF65-F5344CB8AC3E}">
-        <p14:creationId xmlns:p14="http://schemas.microsoft.com/office/powerpoint/2010/main" val="493436927"/>
+        <p14:creationId xmlns:p14="http://schemas.microsoft.com/office/powerpoint/2010/main" val="605230225"/>
+      </p:ext>
+    </p:extLst>
+  </p:cSld>
+  <p:clrMapOvr>
+    <a:masterClrMapping/>
+  </p:clrMapOvr>
+</p:sld>
+</file>
+
+<file path=ppt/slides/slide5.xml><?xml version="1.0" encoding="utf-8"?>
+<p:sld xmlns:a="http://schemas.openxmlformats.org/drawingml/2006/main" xmlns:r="http://schemas.openxmlformats.org/officeDocument/2006/relationships" xmlns:p="http://schemas.openxmlformats.org/presentationml/2006/main">
+  <p:cSld>
+    <p:spTree>
+      <p:nvGrpSpPr>
+        <p:cNvPr id="1" name=""/>
+        <p:cNvGrpSpPr/>
+        <p:nvPr/>
+      </p:nvGrpSpPr>
+      <p:grpSpPr>
+        <a:xfrm>
+          <a:off x="0" y="0"/>
+          <a:ext cx="0" cy="0"/>
+          <a:chOff x="0" y="0"/>
+          <a:chExt cx="0" cy="0"/>
+        </a:xfrm>
+      </p:grpSpPr>
+      <p:sp>
+        <p:nvSpPr>
+          <p:cNvPr id="2" name="Заголовок 1">
+            <a:extLst>
+              <a:ext uri="{FF2B5EF4-FFF2-40B4-BE49-F238E27FC236}">
+                <a16:creationId xmlns:a16="http://schemas.microsoft.com/office/drawing/2014/main" id="{249700DD-2852-FB60-EA36-42D8EC6ED727}"/>
+              </a:ext>
+            </a:extLst>
+          </p:cNvPr>
+          <p:cNvSpPr>
+            <a:spLocks noGrp="1"/>
+          </p:cNvSpPr>
+          <p:nvPr>
+            <p:ph type="title"/>
+          </p:nvPr>
+        </p:nvSpPr>
+        <p:spPr>
+          <a:xfrm>
+            <a:off x="1371600" y="685800"/>
+            <a:ext cx="9601200" cy="850037"/>
+          </a:xfrm>
+        </p:spPr>
+        <p:txBody>
+          <a:bodyPr/>
+          <a:lstStyle/>
+          <a:p>
+            <a:r>
+              <a:rPr lang="ru-RU" dirty="0"/>
+              <a:t>Главная страница сайта</a:t>
+            </a:r>
+          </a:p>
+        </p:txBody>
+      </p:sp>
+      <p:sp>
+        <p:nvSpPr>
+          <p:cNvPr id="3" name="Объект 2">
+            <a:extLst>
+              <a:ext uri="{FF2B5EF4-FFF2-40B4-BE49-F238E27FC236}">
+                <a16:creationId xmlns:a16="http://schemas.microsoft.com/office/drawing/2014/main" id="{A4FB291F-6D1D-2BC7-3919-DFE2CBB7DF70}"/>
+              </a:ext>
+            </a:extLst>
+          </p:cNvPr>
+          <p:cNvSpPr>
+            <a:spLocks noGrp="1"/>
+          </p:cNvSpPr>
+          <p:nvPr>
+            <p:ph idx="1"/>
+          </p:nvPr>
+        </p:nvSpPr>
+        <p:spPr>
+          <a:xfrm>
+            <a:off x="1371600" y="1677880"/>
+            <a:ext cx="3883981" cy="2299316"/>
+          </a:xfrm>
+        </p:spPr>
+        <p:txBody>
+          <a:bodyPr/>
+          <a:lstStyle/>
+          <a:p>
+            <a:pPr marL="0" indent="0">
+              <a:buNone/>
+            </a:pPr>
+            <a:r>
+              <a:rPr lang="ru-RU" dirty="0"/>
+              <a:t>На главной странице будут появляться новости о деятельности организации и различные важные объявления. Внешний вид главной страницы – большое окно, внутри которого будет отображаться содержимое.</a:t>
+            </a:r>
+          </a:p>
+        </p:txBody>
+      </p:sp>
+      <p:pic>
+        <p:nvPicPr>
+          <p:cNvPr id="5" name="Рисунок 4">
+            <a:extLst>
+              <a:ext uri="{FF2B5EF4-FFF2-40B4-BE49-F238E27FC236}">
+                <a16:creationId xmlns:a16="http://schemas.microsoft.com/office/drawing/2014/main" id="{CD27BDDD-155F-FCF0-097E-C7DB7F81CDA2}"/>
+              </a:ext>
+            </a:extLst>
+          </p:cNvPr>
+          <p:cNvPicPr>
+            <a:picLocks noChangeAspect="1"/>
+          </p:cNvPicPr>
+          <p:nvPr/>
+        </p:nvPicPr>
+        <p:blipFill rotWithShape="1">
+          <a:blip r:embed="rId2"/>
+          <a:srcRect t="8544" r="19248" b="10000"/>
+          <a:stretch/>
+        </p:blipFill>
+        <p:spPr>
+          <a:xfrm>
+            <a:off x="5956917" y="1677880"/>
+            <a:ext cx="5636524" cy="3198181"/>
+          </a:xfrm>
+          <a:prstGeom prst="rect">
+            <a:avLst/>
+          </a:prstGeom>
+          <a:ln w="190500" cap="sq">
+            <a:solidFill>
+              <a:srgbClr val="C8C6BD"/>
+            </a:solidFill>
+            <a:prstDash val="solid"/>
+            <a:miter lim="800000"/>
+          </a:ln>
+          <a:effectLst>
+            <a:outerShdw blurRad="254000" algn="bl" rotWithShape="0">
+              <a:srgbClr val="000000">
+                <a:alpha val="43000"/>
+              </a:srgbClr>
+            </a:outerShdw>
+          </a:effectLst>
+          <a:scene3d>
+            <a:camera prst="perspectiveFront" fov="5400000"/>
+            <a:lightRig rig="threePt" dir="t">
+              <a:rot lat="0" lon="0" rev="2100000"/>
+            </a:lightRig>
+          </a:scene3d>
+          <a:sp3d extrusionH="25400">
+            <a:bevelT w="304800" h="152400" prst="hardEdge"/>
+            <a:extrusionClr>
+              <a:srgbClr val="000000"/>
+            </a:extrusionClr>
+          </a:sp3d>
+        </p:spPr>
+      </p:pic>
+      <p:sp>
+        <p:nvSpPr>
+          <p:cNvPr id="6" name="Прямоугольник 5">
+            <a:extLst>
+              <a:ext uri="{FF2B5EF4-FFF2-40B4-BE49-F238E27FC236}">
+                <a16:creationId xmlns:a16="http://schemas.microsoft.com/office/drawing/2014/main" id="{798D7F0A-8565-5FF9-C987-C3B438E73562}"/>
+              </a:ext>
+            </a:extLst>
+          </p:cNvPr>
+          <p:cNvSpPr/>
+          <p:nvPr/>
+        </p:nvSpPr>
+        <p:spPr>
+          <a:xfrm>
+            <a:off x="6338656" y="2849732"/>
+            <a:ext cx="346229" cy="88777"/>
+          </a:xfrm>
+          <a:prstGeom prst="rect">
+            <a:avLst/>
+          </a:prstGeom>
+        </p:spPr>
+        <p:style>
+          <a:lnRef idx="2">
+            <a:schemeClr val="accent6">
+              <a:shade val="50000"/>
+            </a:schemeClr>
+          </a:lnRef>
+          <a:fillRef idx="1">
+            <a:schemeClr val="accent6"/>
+          </a:fillRef>
+          <a:effectRef idx="0">
+            <a:schemeClr val="accent6"/>
+          </a:effectRef>
+          <a:fontRef idx="minor">
+            <a:schemeClr val="lt1"/>
+          </a:fontRef>
+        </p:style>
+        <p:txBody>
+          <a:bodyPr rtlCol="0" anchor="ctr"/>
+          <a:lstStyle/>
+          <a:p>
+            <a:pPr algn="ctr"/>
+            <a:endParaRPr lang="ru-RU"/>
+          </a:p>
+        </p:txBody>
+      </p:sp>
+    </p:spTree>
+    <p:extLst>
+      <p:ext uri="{BB962C8B-B14F-4D97-AF65-F5344CB8AC3E}">
+        <p14:creationId xmlns:p14="http://schemas.microsoft.com/office/powerpoint/2010/main" val="20646114"/>
+      </p:ext>
+    </p:extLst>
+  </p:cSld>
+  <p:clrMapOvr>
+    <a:masterClrMapping/>
+  </p:clrMapOvr>
+</p:sld>
+</file>
+
+<file path=ppt/slides/slide6.xml><?xml version="1.0" encoding="utf-8"?>
+<p:sld xmlns:a="http://schemas.openxmlformats.org/drawingml/2006/main" xmlns:r="http://schemas.openxmlformats.org/officeDocument/2006/relationships" xmlns:p="http://schemas.openxmlformats.org/presentationml/2006/main">
+  <p:cSld>
+    <p:spTree>
+      <p:nvGrpSpPr>
+        <p:cNvPr id="1" name=""/>
+        <p:cNvGrpSpPr/>
+        <p:nvPr/>
+      </p:nvGrpSpPr>
+      <p:grpSpPr>
+        <a:xfrm>
+          <a:off x="0" y="0"/>
+          <a:ext cx="0" cy="0"/>
+          <a:chOff x="0" y="0"/>
+          <a:chExt cx="0" cy="0"/>
+        </a:xfrm>
+      </p:grpSpPr>
+      <p:sp>
+        <p:nvSpPr>
+          <p:cNvPr id="2" name="Заголовок 1">
+            <a:extLst>
+              <a:ext uri="{FF2B5EF4-FFF2-40B4-BE49-F238E27FC236}">
+                <a16:creationId xmlns:a16="http://schemas.microsoft.com/office/drawing/2014/main" id="{6B7834D8-45EC-F2F7-815F-275388BB34D5}"/>
+              </a:ext>
+            </a:extLst>
+          </p:cNvPr>
+          <p:cNvSpPr>
+            <a:spLocks noGrp="1"/>
+          </p:cNvSpPr>
+          <p:nvPr>
+            <p:ph type="title"/>
+          </p:nvPr>
+        </p:nvSpPr>
+        <p:spPr>
+          <a:xfrm>
+            <a:off x="1371600" y="685800"/>
+            <a:ext cx="9601200" cy="858915"/>
+          </a:xfrm>
+        </p:spPr>
+        <p:txBody>
+          <a:bodyPr/>
+          <a:lstStyle/>
+          <a:p>
+            <a:r>
+              <a:rPr lang="ru-RU" dirty="0"/>
+              <a:t>Контакты организации</a:t>
+            </a:r>
+          </a:p>
+        </p:txBody>
+      </p:sp>
+      <p:sp>
+        <p:nvSpPr>
+          <p:cNvPr id="3" name="Объект 2">
+            <a:extLst>
+              <a:ext uri="{FF2B5EF4-FFF2-40B4-BE49-F238E27FC236}">
+                <a16:creationId xmlns:a16="http://schemas.microsoft.com/office/drawing/2014/main" id="{487A8CFC-1E2C-AB03-0CBD-FC2D61097738}"/>
+              </a:ext>
+            </a:extLst>
+          </p:cNvPr>
+          <p:cNvSpPr>
+            <a:spLocks noGrp="1"/>
+          </p:cNvSpPr>
+          <p:nvPr>
+            <p:ph idx="1"/>
+          </p:nvPr>
+        </p:nvSpPr>
+        <p:spPr>
+          <a:xfrm>
+            <a:off x="1371600" y="1544715"/>
+            <a:ext cx="4724400" cy="4802819"/>
+          </a:xfrm>
+        </p:spPr>
+        <p:txBody>
+          <a:bodyPr/>
+          <a:lstStyle/>
+          <a:p>
+            <a:pPr marL="0" indent="0">
+              <a:buNone/>
+            </a:pPr>
+            <a:r>
+              <a:rPr lang="ru-RU" dirty="0"/>
+              <a:t>Для связи пользователей с администрацией и различных деловых предложений существует страница «Контакты», переход на которую можно осуществить через боковое меню. На странице указано два адреса электронной почты и один номер телефона. Разумеется, не рабочий.</a:t>
+            </a:r>
+          </a:p>
+        </p:txBody>
+      </p:sp>
+      <p:pic>
+        <p:nvPicPr>
+          <p:cNvPr id="5" name="Рисунок 4">
+            <a:extLst>
+              <a:ext uri="{FF2B5EF4-FFF2-40B4-BE49-F238E27FC236}">
+                <a16:creationId xmlns:a16="http://schemas.microsoft.com/office/drawing/2014/main" id="{5E170E59-E0DD-9281-ED84-14AED8EDE2F0}"/>
+              </a:ext>
+            </a:extLst>
+          </p:cNvPr>
+          <p:cNvPicPr>
+            <a:picLocks noChangeAspect="1"/>
+          </p:cNvPicPr>
+          <p:nvPr/>
+        </p:nvPicPr>
+        <p:blipFill rotWithShape="1">
+          <a:blip r:embed="rId2"/>
+          <a:srcRect t="8544" r="63228" b="51197"/>
+          <a:stretch/>
+        </p:blipFill>
+        <p:spPr>
+          <a:xfrm>
+            <a:off x="6702641" y="2210539"/>
+            <a:ext cx="4483223" cy="2760956"/>
+          </a:xfrm>
+          <a:prstGeom prst="rect">
+            <a:avLst/>
+          </a:prstGeom>
+          <a:ln w="190500" cap="sq">
+            <a:solidFill>
+              <a:srgbClr val="C8C6BD"/>
+            </a:solidFill>
+            <a:prstDash val="solid"/>
+            <a:miter lim="800000"/>
+          </a:ln>
+          <a:effectLst>
+            <a:outerShdw blurRad="254000" algn="bl" rotWithShape="0">
+              <a:srgbClr val="000000">
+                <a:alpha val="43000"/>
+              </a:srgbClr>
+            </a:outerShdw>
+          </a:effectLst>
+          <a:scene3d>
+            <a:camera prst="perspectiveFront" fov="5400000"/>
+            <a:lightRig rig="threePt" dir="t">
+              <a:rot lat="0" lon="0" rev="2100000"/>
+            </a:lightRig>
+          </a:scene3d>
+          <a:sp3d extrusionH="25400">
+            <a:bevelT w="304800" h="152400" prst="hardEdge"/>
+            <a:extrusionClr>
+              <a:srgbClr val="000000"/>
+            </a:extrusionClr>
+          </a:sp3d>
+        </p:spPr>
+      </p:pic>
+      <p:sp>
+        <p:nvSpPr>
+          <p:cNvPr id="6" name="Прямоугольник 5">
+            <a:extLst>
+              <a:ext uri="{FF2B5EF4-FFF2-40B4-BE49-F238E27FC236}">
+                <a16:creationId xmlns:a16="http://schemas.microsoft.com/office/drawing/2014/main" id="{5CCAC07D-9FDD-3EFE-82AC-B28581BC9E3A}"/>
+              </a:ext>
+            </a:extLst>
+          </p:cNvPr>
+          <p:cNvSpPr/>
+          <p:nvPr/>
+        </p:nvSpPr>
+        <p:spPr>
+          <a:xfrm>
+            <a:off x="7412854" y="4305670"/>
+            <a:ext cx="532661" cy="106532"/>
+          </a:xfrm>
+          <a:prstGeom prst="rect">
+            <a:avLst/>
+          </a:prstGeom>
+        </p:spPr>
+        <p:style>
+          <a:lnRef idx="2">
+            <a:schemeClr val="accent6">
+              <a:shade val="50000"/>
+            </a:schemeClr>
+          </a:lnRef>
+          <a:fillRef idx="1">
+            <a:schemeClr val="accent6"/>
+          </a:fillRef>
+          <a:effectRef idx="0">
+            <a:schemeClr val="accent6"/>
+          </a:effectRef>
+          <a:fontRef idx="minor">
+            <a:schemeClr val="lt1"/>
+          </a:fontRef>
+        </p:style>
+        <p:txBody>
+          <a:bodyPr rtlCol="0" anchor="ctr"/>
+          <a:lstStyle/>
+          <a:p>
+            <a:pPr algn="ctr"/>
+            <a:endParaRPr lang="ru-RU"/>
+          </a:p>
+        </p:txBody>
+      </p:sp>
+    </p:spTree>
+    <p:extLst>
+      <p:ext uri="{BB962C8B-B14F-4D97-AF65-F5344CB8AC3E}">
+        <p14:creationId xmlns:p14="http://schemas.microsoft.com/office/powerpoint/2010/main" val="1824723214"/>
+      </p:ext>
+    </p:extLst>
+  </p:cSld>
+  <p:clrMapOvr>
+    <a:masterClrMapping/>
+  </p:clrMapOvr>
+</p:sld>
+</file>
+
+<file path=ppt/slides/slide7.xml><?xml version="1.0" encoding="utf-8"?>
+<p:sld xmlns:a="http://schemas.openxmlformats.org/drawingml/2006/main" xmlns:r="http://schemas.openxmlformats.org/officeDocument/2006/relationships" xmlns:p="http://schemas.openxmlformats.org/presentationml/2006/main">
+  <p:cSld>
+    <p:spTree>
+      <p:nvGrpSpPr>
+        <p:cNvPr id="1" name=""/>
+        <p:cNvGrpSpPr/>
+        <p:nvPr/>
+      </p:nvGrpSpPr>
+      <p:grpSpPr>
+        <a:xfrm>
+          <a:off x="0" y="0"/>
+          <a:ext cx="0" cy="0"/>
+          <a:chOff x="0" y="0"/>
+          <a:chExt cx="0" cy="0"/>
+        </a:xfrm>
+      </p:grpSpPr>
+      <p:sp>
+        <p:nvSpPr>
+          <p:cNvPr id="2" name="Заголовок 1">
+            <a:extLst>
+              <a:ext uri="{FF2B5EF4-FFF2-40B4-BE49-F238E27FC236}">
+                <a16:creationId xmlns:a16="http://schemas.microsoft.com/office/drawing/2014/main" id="{C2A4B792-156A-E57B-643F-0875156615A1}"/>
+              </a:ext>
+            </a:extLst>
+          </p:cNvPr>
+          <p:cNvSpPr>
+            <a:spLocks noGrp="1"/>
+          </p:cNvSpPr>
+          <p:nvPr>
+            <p:ph type="title"/>
+          </p:nvPr>
+        </p:nvSpPr>
+        <p:spPr>
+          <a:xfrm>
+            <a:off x="1371600" y="685800"/>
+            <a:ext cx="9601200" cy="814526"/>
+          </a:xfrm>
+        </p:spPr>
+        <p:txBody>
+          <a:bodyPr/>
+          <a:lstStyle/>
+          <a:p>
+            <a:r>
+              <a:rPr lang="ru-RU" dirty="0"/>
+              <a:t>Описание деятельности организации</a:t>
+            </a:r>
+          </a:p>
+        </p:txBody>
+      </p:sp>
+      <p:sp>
+        <p:nvSpPr>
+          <p:cNvPr id="3" name="Объект 2">
+            <a:extLst>
+              <a:ext uri="{FF2B5EF4-FFF2-40B4-BE49-F238E27FC236}">
+                <a16:creationId xmlns:a16="http://schemas.microsoft.com/office/drawing/2014/main" id="{60785FDD-4F72-F66C-72EB-B77E1D3CC13A}"/>
+              </a:ext>
+            </a:extLst>
+          </p:cNvPr>
+          <p:cNvSpPr>
+            <a:spLocks noGrp="1"/>
+          </p:cNvSpPr>
+          <p:nvPr>
+            <p:ph idx="1"/>
+          </p:nvPr>
+        </p:nvSpPr>
+        <p:spPr>
+          <a:xfrm>
+            <a:off x="1371600" y="1775534"/>
+            <a:ext cx="4724400" cy="1367161"/>
+          </a:xfrm>
+        </p:spPr>
+        <p:txBody>
+          <a:bodyPr/>
+          <a:lstStyle/>
+          <a:p>
+            <a:pPr marL="0" indent="0">
+              <a:buNone/>
+            </a:pPr>
+            <a:r>
+              <a:rPr lang="ru-RU" dirty="0"/>
+              <a:t>В приложении есть также страница с описанием деятельности организации, где вкратце описана их история и род занятий.</a:t>
+            </a:r>
+          </a:p>
+        </p:txBody>
+      </p:sp>
+      <p:pic>
+        <p:nvPicPr>
+          <p:cNvPr id="5" name="Рисунок 4">
+            <a:extLst>
+              <a:ext uri="{FF2B5EF4-FFF2-40B4-BE49-F238E27FC236}">
+                <a16:creationId xmlns:a16="http://schemas.microsoft.com/office/drawing/2014/main" id="{24428B96-9288-7060-171F-32245B2DA7EA}"/>
+              </a:ext>
+            </a:extLst>
+          </p:cNvPr>
+          <p:cNvPicPr>
+            <a:picLocks noChangeAspect="1"/>
+          </p:cNvPicPr>
+          <p:nvPr/>
+        </p:nvPicPr>
+        <p:blipFill rotWithShape="1">
+          <a:blip r:embed="rId2"/>
+          <a:srcRect l="16238" t="12945" r="24054" b="51327"/>
+          <a:stretch/>
+        </p:blipFill>
+        <p:spPr>
+          <a:xfrm>
+            <a:off x="3497801" y="3429000"/>
+            <a:ext cx="7279690" cy="2450238"/>
+          </a:xfrm>
+          <a:prstGeom prst="rect">
+            <a:avLst/>
+          </a:prstGeom>
+          <a:ln w="190500" cap="sq">
+            <a:solidFill>
+              <a:srgbClr val="C8C6BD"/>
+            </a:solidFill>
+            <a:prstDash val="solid"/>
+            <a:miter lim="800000"/>
+          </a:ln>
+          <a:effectLst>
+            <a:outerShdw blurRad="254000" algn="bl" rotWithShape="0">
+              <a:srgbClr val="000000">
+                <a:alpha val="43000"/>
+              </a:srgbClr>
+            </a:outerShdw>
+          </a:effectLst>
+          <a:scene3d>
+            <a:camera prst="perspectiveFront" fov="5400000"/>
+            <a:lightRig rig="threePt" dir="t">
+              <a:rot lat="0" lon="0" rev="2100000"/>
+            </a:lightRig>
+          </a:scene3d>
+          <a:sp3d extrusionH="25400">
+            <a:bevelT w="304800" h="152400" prst="hardEdge"/>
+            <a:extrusionClr>
+              <a:srgbClr val="000000"/>
+            </a:extrusionClr>
+          </a:sp3d>
+        </p:spPr>
+      </p:pic>
+    </p:spTree>
+    <p:extLst>
+      <p:ext uri="{BB962C8B-B14F-4D97-AF65-F5344CB8AC3E}">
+        <p14:creationId xmlns:p14="http://schemas.microsoft.com/office/powerpoint/2010/main" val="2536718968"/>
+      </p:ext>
+    </p:extLst>
+  </p:cSld>
+  <p:clrMapOvr>
+    <a:masterClrMapping/>
+  </p:clrMapOvr>
+</p:sld>
+</file>
+
+<file path=ppt/slides/slide8.xml><?xml version="1.0" encoding="utf-8"?>
+<p:sld xmlns:a="http://schemas.openxmlformats.org/drawingml/2006/main" xmlns:r="http://schemas.openxmlformats.org/officeDocument/2006/relationships" xmlns:p="http://schemas.openxmlformats.org/presentationml/2006/main">
+  <p:cSld>
+    <p:spTree>
+      <p:nvGrpSpPr>
+        <p:cNvPr id="1" name=""/>
+        <p:cNvGrpSpPr/>
+        <p:nvPr/>
+      </p:nvGrpSpPr>
+      <p:grpSpPr>
+        <a:xfrm>
+          <a:off x="0" y="0"/>
+          <a:ext cx="0" cy="0"/>
+          <a:chOff x="0" y="0"/>
+          <a:chExt cx="0" cy="0"/>
+        </a:xfrm>
+      </p:grpSpPr>
+      <p:sp>
+        <p:nvSpPr>
+          <p:cNvPr id="2" name="Заголовок 1">
+            <a:extLst>
+              <a:ext uri="{FF2B5EF4-FFF2-40B4-BE49-F238E27FC236}">
+                <a16:creationId xmlns:a16="http://schemas.microsoft.com/office/drawing/2014/main" id="{54854391-B2A6-BACC-9117-9A984E143E5E}"/>
+              </a:ext>
+            </a:extLst>
+          </p:cNvPr>
+          <p:cNvSpPr>
+            <a:spLocks noGrp="1"/>
+          </p:cNvSpPr>
+          <p:nvPr>
+            <p:ph type="title"/>
+          </p:nvPr>
+        </p:nvSpPr>
+        <p:spPr/>
+        <p:txBody>
+          <a:bodyPr/>
+          <a:lstStyle/>
+          <a:p>
+            <a:r>
+              <a:rPr lang="ru-RU" dirty="0"/>
+              <a:t>Обратная связь</a:t>
+            </a:r>
+          </a:p>
+        </p:txBody>
+      </p:sp>
+      <p:sp>
+        <p:nvSpPr>
+          <p:cNvPr id="3" name="Объект 2">
+            <a:extLst>
+              <a:ext uri="{FF2B5EF4-FFF2-40B4-BE49-F238E27FC236}">
+                <a16:creationId xmlns:a16="http://schemas.microsoft.com/office/drawing/2014/main" id="{A0FEE4E7-09B2-FA76-EFBE-B0715F001FB2}"/>
+              </a:ext>
+            </a:extLst>
+          </p:cNvPr>
+          <p:cNvSpPr>
+            <a:spLocks noGrp="1"/>
+          </p:cNvSpPr>
+          <p:nvPr>
+            <p:ph idx="1"/>
+          </p:nvPr>
+        </p:nvSpPr>
+        <p:spPr>
+          <a:xfrm>
+            <a:off x="1371600" y="1704513"/>
+            <a:ext cx="4724400" cy="4749553"/>
+          </a:xfrm>
+        </p:spPr>
+        <p:txBody>
+          <a:bodyPr/>
+          <a:lstStyle/>
+          <a:p>
+            <a:pPr marL="0" indent="0">
+              <a:buNone/>
+            </a:pPr>
+            <a:r>
+              <a:rPr lang="ru-RU" dirty="0"/>
+              <a:t>Любой посетитель сайта может задать интересующий его вопрос администраторам через специальную форму обратной связи, на которую можно попасть из бокового меню.</a:t>
+            </a:r>
+          </a:p>
+          <a:p>
+            <a:pPr marL="0" indent="0">
+              <a:buNone/>
+            </a:pPr>
+            <a:r>
+              <a:rPr lang="ru-RU" dirty="0"/>
+              <a:t>Вопрос записывается в базу данных, после чего администраторы лично читают каждое сообщение и отвечают на него.</a:t>
+            </a:r>
+          </a:p>
+        </p:txBody>
+      </p:sp>
+      <p:pic>
+        <p:nvPicPr>
+          <p:cNvPr id="5" name="Рисунок 4">
+            <a:extLst>
+              <a:ext uri="{FF2B5EF4-FFF2-40B4-BE49-F238E27FC236}">
+                <a16:creationId xmlns:a16="http://schemas.microsoft.com/office/drawing/2014/main" id="{A46199FA-1DE4-7669-6BA5-DF75CE39EA92}"/>
+              </a:ext>
+            </a:extLst>
+          </p:cNvPr>
+          <p:cNvPicPr>
+            <a:picLocks noChangeAspect="1"/>
+          </p:cNvPicPr>
+          <p:nvPr/>
+        </p:nvPicPr>
+        <p:blipFill rotWithShape="1">
+          <a:blip r:embed="rId2"/>
+          <a:srcRect l="15947" t="13463" r="24054" b="12362"/>
+          <a:stretch/>
+        </p:blipFill>
+        <p:spPr>
+          <a:xfrm>
+            <a:off x="6429652" y="1944210"/>
+            <a:ext cx="5042765" cy="3506680"/>
+          </a:xfrm>
+          <a:prstGeom prst="rect">
+            <a:avLst/>
+          </a:prstGeom>
+          <a:ln w="190500" cap="sq">
+            <a:solidFill>
+              <a:srgbClr val="C8C6BD"/>
+            </a:solidFill>
+            <a:prstDash val="solid"/>
+            <a:miter lim="800000"/>
+          </a:ln>
+          <a:effectLst>
+            <a:outerShdw blurRad="254000" algn="bl" rotWithShape="0">
+              <a:srgbClr val="000000">
+                <a:alpha val="43000"/>
+              </a:srgbClr>
+            </a:outerShdw>
+          </a:effectLst>
+          <a:scene3d>
+            <a:camera prst="perspectiveFront" fov="5400000"/>
+            <a:lightRig rig="threePt" dir="t">
+              <a:rot lat="0" lon="0" rev="2100000"/>
+            </a:lightRig>
+          </a:scene3d>
+          <a:sp3d extrusionH="25400">
+            <a:bevelT w="304800" h="152400" prst="hardEdge"/>
+            <a:extrusionClr>
+              <a:srgbClr val="000000"/>
+            </a:extrusionClr>
+          </a:sp3d>
+        </p:spPr>
+      </p:pic>
+    </p:spTree>
+    <p:extLst>
+      <p:ext uri="{BB962C8B-B14F-4D97-AF65-F5344CB8AC3E}">
+        <p14:creationId xmlns:p14="http://schemas.microsoft.com/office/powerpoint/2010/main" val="3495573978"/>
+      </p:ext>
+    </p:extLst>
+  </p:cSld>
+  <p:clrMapOvr>
+    <a:masterClrMapping/>
+  </p:clrMapOvr>
+</p:sld>
+</file>
+
+<file path=ppt/slides/slide9.xml><?xml version="1.0" encoding="utf-8"?>
+<p:sld xmlns:a="http://schemas.openxmlformats.org/drawingml/2006/main" xmlns:r="http://schemas.openxmlformats.org/officeDocument/2006/relationships" xmlns:p="http://schemas.openxmlformats.org/presentationml/2006/main">
+  <p:cSld>
+    <p:spTree>
+      <p:nvGrpSpPr>
+        <p:cNvPr id="1" name=""/>
+        <p:cNvGrpSpPr/>
+        <p:nvPr/>
+      </p:nvGrpSpPr>
+      <p:grpSpPr>
+        <a:xfrm>
+          <a:off x="0" y="0"/>
+          <a:ext cx="0" cy="0"/>
+          <a:chOff x="0" y="0"/>
+          <a:chExt cx="0" cy="0"/>
+        </a:xfrm>
+      </p:grpSpPr>
+      <p:sp>
+        <p:nvSpPr>
+          <p:cNvPr id="2" name="Заголовок 1">
+            <a:extLst>
+              <a:ext uri="{FF2B5EF4-FFF2-40B4-BE49-F238E27FC236}">
+                <a16:creationId xmlns:a16="http://schemas.microsoft.com/office/drawing/2014/main" id="{AA44EBA2-7345-CE2F-1B8A-2300A01F1C6F}"/>
+              </a:ext>
+            </a:extLst>
+          </p:cNvPr>
+          <p:cNvSpPr>
+            <a:spLocks noGrp="1"/>
+          </p:cNvSpPr>
+          <p:nvPr>
+            <p:ph type="title"/>
+          </p:nvPr>
+        </p:nvSpPr>
+        <p:spPr>
+          <a:xfrm>
+            <a:off x="1371600" y="685800"/>
+            <a:ext cx="9601200" cy="796771"/>
+          </a:xfrm>
+        </p:spPr>
+        <p:txBody>
+          <a:bodyPr/>
+          <a:lstStyle/>
+          <a:p>
+            <a:r>
+              <a:rPr lang="ru-RU" dirty="0"/>
+              <a:t>Добавление новостей</a:t>
+            </a:r>
+          </a:p>
+        </p:txBody>
+      </p:sp>
+      <p:sp>
+        <p:nvSpPr>
+          <p:cNvPr id="3" name="Объект 2">
+            <a:extLst>
+              <a:ext uri="{FF2B5EF4-FFF2-40B4-BE49-F238E27FC236}">
+                <a16:creationId xmlns:a16="http://schemas.microsoft.com/office/drawing/2014/main" id="{2EEDCDD4-89F5-7A42-8559-694EA6E73969}"/>
+              </a:ext>
+            </a:extLst>
+          </p:cNvPr>
+          <p:cNvSpPr>
+            <a:spLocks noGrp="1"/>
+          </p:cNvSpPr>
+          <p:nvPr>
+            <p:ph idx="1"/>
+          </p:nvPr>
+        </p:nvSpPr>
+        <p:spPr>
+          <a:xfrm>
+            <a:off x="1371600" y="1669001"/>
+            <a:ext cx="4724400" cy="1944211"/>
+          </a:xfrm>
+        </p:spPr>
+        <p:txBody>
+          <a:bodyPr/>
+          <a:lstStyle/>
+          <a:p>
+            <a:pPr marL="0" indent="0">
+              <a:buNone/>
+            </a:pPr>
+            <a:r>
+              <a:rPr lang="ru-RU" dirty="0"/>
+              <a:t>Администраторы могут публиковать новости организации, которые будут отображаться на главной странице. Выглядит механизм добавления новостей так, как представлено на скриншоте.</a:t>
+            </a:r>
+          </a:p>
+        </p:txBody>
+      </p:sp>
+      <p:pic>
+        <p:nvPicPr>
+          <p:cNvPr id="5" name="Рисунок 4">
+            <a:extLst>
+              <a:ext uri="{FF2B5EF4-FFF2-40B4-BE49-F238E27FC236}">
+                <a16:creationId xmlns:a16="http://schemas.microsoft.com/office/drawing/2014/main" id="{E7D303CB-F446-6507-5222-FA779336A2A4}"/>
+              </a:ext>
+            </a:extLst>
+          </p:cNvPr>
+          <p:cNvPicPr>
+            <a:picLocks noChangeAspect="1"/>
+          </p:cNvPicPr>
+          <p:nvPr/>
+        </p:nvPicPr>
+        <p:blipFill rotWithShape="1">
+          <a:blip r:embed="rId2"/>
+          <a:srcRect l="15874" t="13980" r="24126" b="11715"/>
+          <a:stretch/>
+        </p:blipFill>
+        <p:spPr>
+          <a:xfrm>
+            <a:off x="5805995" y="2008170"/>
+            <a:ext cx="5977631" cy="4164030"/>
+          </a:xfrm>
+          <a:prstGeom prst="rect">
+            <a:avLst/>
+          </a:prstGeom>
+          <a:ln w="190500" cap="sq">
+            <a:solidFill>
+              <a:srgbClr val="C8C6BD"/>
+            </a:solidFill>
+            <a:prstDash val="solid"/>
+            <a:miter lim="800000"/>
+          </a:ln>
+          <a:effectLst>
+            <a:outerShdw blurRad="254000" algn="bl" rotWithShape="0">
+              <a:srgbClr val="000000">
+                <a:alpha val="43000"/>
+              </a:srgbClr>
+            </a:outerShdw>
+          </a:effectLst>
+          <a:scene3d>
+            <a:camera prst="perspectiveFront" fov="5400000"/>
+            <a:lightRig rig="threePt" dir="t">
+              <a:rot lat="0" lon="0" rev="2100000"/>
+            </a:lightRig>
+          </a:scene3d>
+          <a:sp3d extrusionH="25400">
+            <a:bevelT w="304800" h="152400" prst="hardEdge"/>
+            <a:extrusionClr>
+              <a:srgbClr val="000000"/>
+            </a:extrusionClr>
+          </a:sp3d>
+        </p:spPr>
+      </p:pic>
+    </p:spTree>
+    <p:extLst>
+      <p:ext uri="{BB962C8B-B14F-4D97-AF65-F5344CB8AC3E}">
+        <p14:creationId xmlns:p14="http://schemas.microsoft.com/office/powerpoint/2010/main" val="3907429747"/>
       </p:ext>
     </p:extLst>
   </p:cSld>
@@ -3672,9 +5637,9 @@
 </file>
 
 <file path=ppt/theme/theme1.xml><?xml version="1.0" encoding="utf-8"?>
-<a:theme xmlns:a="http://schemas.openxmlformats.org/drawingml/2006/main" name="Тема Office">
+<a:theme xmlns:a="http://schemas.openxmlformats.org/drawingml/2006/main" name="Уголки">
   <a:themeElements>
-    <a:clrScheme name="Стандартная">
+    <a:clrScheme name="Уголки">
       <a:dk1>
         <a:sysClr val="windowText" lastClr="000000"/>
       </a:dk1>
@@ -3682,100 +5647,48 @@
         <a:sysClr val="window" lastClr="FFFFFF"/>
       </a:lt1>
       <a:dk2>
-        <a:srgbClr val="44546A"/>
+        <a:srgbClr val="191B0E"/>
       </a:dk2>
       <a:lt2>
-        <a:srgbClr val="E7E6E6"/>
+        <a:srgbClr val="EFEDE3"/>
       </a:lt2>
       <a:accent1>
-        <a:srgbClr val="4472C4"/>
+        <a:srgbClr val="8C8D86"/>
       </a:accent1>
       <a:accent2>
-        <a:srgbClr val="ED7D31"/>
+        <a:srgbClr val="E6C069"/>
       </a:accent2>
       <a:accent3>
-        <a:srgbClr val="A5A5A5"/>
+        <a:srgbClr val="897B61"/>
       </a:accent3>
       <a:accent4>
-        <a:srgbClr val="FFC000"/>
+        <a:srgbClr val="8DAB8E"/>
       </a:accent4>
       <a:accent5>
-        <a:srgbClr val="5B9BD5"/>
+        <a:srgbClr val="77A2BB"/>
       </a:accent5>
       <a:accent6>
-        <a:srgbClr val="70AD47"/>
+        <a:srgbClr val="E28394"/>
       </a:accent6>
       <a:hlink>
-        <a:srgbClr val="0563C1"/>
+        <a:srgbClr val="77A2BB"/>
       </a:hlink>
       <a:folHlink>
-        <a:srgbClr val="954F72"/>
+        <a:srgbClr val="957A99"/>
       </a:folHlink>
     </a:clrScheme>
-    <a:fontScheme name="Стандартная">
+    <a:fontScheme name="Уголки">
       <a:majorFont>
-        <a:latin typeface="Calibri Light" panose="020F0302020204030204"/>
+        <a:latin typeface="Franklin Gothic Book" panose="020B0503020102020204"/>
         <a:ea typeface=""/>
         <a:cs typeface=""/>
-        <a:font script="Jpan" typeface="游ゴシック Light"/>
-        <a:font script="Hang" typeface="맑은 고딕"/>
-        <a:font script="Hans" typeface="等线 Light"/>
-        <a:font script="Hant" typeface="新細明體"/>
-        <a:font script="Arab" typeface="Times New Roman"/>
-        <a:font script="Hebr" typeface="Times New Roman"/>
-        <a:font script="Thai" typeface="Angsana New"/>
-        <a:font script="Ethi" typeface="Nyala"/>
-        <a:font script="Beng" typeface="Vrinda"/>
-        <a:font script="Gujr" typeface="Shruti"/>
-        <a:font script="Khmr" typeface="MoolBoran"/>
-        <a:font script="Knda" typeface="Tunga"/>
-        <a:font script="Guru" typeface="Raavi"/>
-        <a:font script="Cans" typeface="Euphemia"/>
-        <a:font script="Cher" typeface="Plantagenet Cherokee"/>
-        <a:font script="Yiii" typeface="Microsoft Yi Baiti"/>
-        <a:font script="Tibt" typeface="Microsoft Himalaya"/>
-        <a:font script="Thaa" typeface="MV Boli"/>
-        <a:font script="Deva" typeface="Mangal"/>
-        <a:font script="Telu" typeface="Gautami"/>
-        <a:font script="Taml" typeface="Latha"/>
-        <a:font script="Syrc" typeface="Estrangelo Edessa"/>
-        <a:font script="Orya" typeface="Kalinga"/>
-        <a:font script="Mlym" typeface="Kartika"/>
-        <a:font script="Laoo" typeface="DokChampa"/>
-        <a:font script="Sinh" typeface="Iskoola Pota"/>
-        <a:font script="Mong" typeface="Mongolian Baiti"/>
-        <a:font script="Viet" typeface="Times New Roman"/>
-        <a:font script="Uigh" typeface="Microsoft Uighur"/>
-        <a:font script="Geor" typeface="Sylfaen"/>
-        <a:font script="Armn" typeface="Arial"/>
-        <a:font script="Bugi" typeface="Leelawadee UI"/>
-        <a:font script="Bopo" typeface="Microsoft JhengHei"/>
-        <a:font script="Java" typeface="Javanese Text"/>
-        <a:font script="Lisu" typeface="Segoe UI"/>
-        <a:font script="Mymr" typeface="Myanmar Text"/>
-        <a:font script="Nkoo" typeface="Ebrima"/>
-        <a:font script="Olck" typeface="Nirmala UI"/>
-        <a:font script="Osma" typeface="Ebrima"/>
-        <a:font script="Phag" typeface="Phagspa"/>
-        <a:font script="Syrn" typeface="Estrangelo Edessa"/>
-        <a:font script="Syrj" typeface="Estrangelo Edessa"/>
-        <a:font script="Syre" typeface="Estrangelo Edessa"/>
-        <a:font script="Sora" typeface="Nirmala UI"/>
-        <a:font script="Tale" typeface="Microsoft Tai Le"/>
-        <a:font script="Talu" typeface="Microsoft New Tai Lue"/>
-        <a:font script="Tfng" typeface="Ebrima"/>
-      </a:majorFont>
-      <a:minorFont>
-        <a:latin typeface="Calibri" panose="020F0502020204030204"/>
-        <a:ea typeface=""/>
-        <a:cs typeface=""/>
-        <a:font script="Jpan" typeface="游ゴシック"/>
-        <a:font script="Hang" typeface="맑은 고딕"/>
-        <a:font script="Hans" typeface="等线"/>
-        <a:font script="Hant" typeface="新細明體"/>
-        <a:font script="Arab" typeface="Arial"/>
-        <a:font script="Hebr" typeface="Arial"/>
-        <a:font script="Thai" typeface="Cordia New"/>
+        <a:font script="Jpan" typeface="メイリオ"/>
+        <a:font script="Hang" typeface="돋움"/>
+        <a:font script="Hans" typeface="华文楷体"/>
+        <a:font script="Hant" typeface="微軟正黑體"/>
+        <a:font script="Arab" typeface="Tahoma"/>
+        <a:font script="Hebr" typeface="Aharoni"/>
+        <a:font script="Thai" typeface="LilyUPC"/>
         <a:font script="Ethi" typeface="Nyala"/>
         <a:font script="Beng" typeface="Vrinda"/>
         <a:font script="Gujr" typeface="Shruti"/>
@@ -3796,29 +5709,47 @@
         <a:font script="Laoo" typeface="DokChampa"/>
         <a:font script="Sinh" typeface="Iskoola Pota"/>
         <a:font script="Mong" typeface="Mongolian Baiti"/>
-        <a:font script="Viet" typeface="Arial"/>
+        <a:font script="Viet" typeface="Tahoma"/>
         <a:font script="Uigh" typeface="Microsoft Uighur"/>
         <a:font script="Geor" typeface="Sylfaen"/>
-        <a:font script="Armn" typeface="Arial"/>
-        <a:font script="Bugi" typeface="Leelawadee UI"/>
-        <a:font script="Bopo" typeface="Microsoft JhengHei"/>
-        <a:font script="Java" typeface="Javanese Text"/>
-        <a:font script="Lisu" typeface="Segoe UI"/>
-        <a:font script="Mymr" typeface="Myanmar Text"/>
-        <a:font script="Nkoo" typeface="Ebrima"/>
-        <a:font script="Olck" typeface="Nirmala UI"/>
-        <a:font script="Osma" typeface="Ebrima"/>
-        <a:font script="Phag" typeface="Phagspa"/>
-        <a:font script="Syrn" typeface="Estrangelo Edessa"/>
-        <a:font script="Syrj" typeface="Estrangelo Edessa"/>
-        <a:font script="Syre" typeface="Estrangelo Edessa"/>
-        <a:font script="Sora" typeface="Nirmala UI"/>
-        <a:font script="Tale" typeface="Microsoft Tai Le"/>
-        <a:font script="Talu" typeface="Microsoft New Tai Lue"/>
-        <a:font script="Tfng" typeface="Ebrima"/>
+      </a:majorFont>
+      <a:minorFont>
+        <a:latin typeface="Franklin Gothic Book" panose="020B0503020102020204"/>
+        <a:ea typeface=""/>
+        <a:cs typeface=""/>
+        <a:font script="Jpan" typeface="メイリオ"/>
+        <a:font script="Hang" typeface="돋움"/>
+        <a:font script="Hans" typeface="华文楷体"/>
+        <a:font script="Hant" typeface="微軟正黑體"/>
+        <a:font script="Arab" typeface="Tahoma"/>
+        <a:font script="Hebr" typeface="Aharoni"/>
+        <a:font script="Thai" typeface="LilyUPC"/>
+        <a:font script="Ethi" typeface="Nyala"/>
+        <a:font script="Beng" typeface="Vrinda"/>
+        <a:font script="Gujr" typeface="Shruti"/>
+        <a:font script="Khmr" typeface="DaunPenh"/>
+        <a:font script="Knda" typeface="Tunga"/>
+        <a:font script="Guru" typeface="Raavi"/>
+        <a:font script="Cans" typeface="Euphemia"/>
+        <a:font script="Cher" typeface="Plantagenet Cherokee"/>
+        <a:font script="Yiii" typeface="Microsoft Yi Baiti"/>
+        <a:font script="Tibt" typeface="Microsoft Himalaya"/>
+        <a:font script="Thaa" typeface="MV Boli"/>
+        <a:font script="Deva" typeface="Mangal"/>
+        <a:font script="Telu" typeface="Gautami"/>
+        <a:font script="Taml" typeface="Latha"/>
+        <a:font script="Syrc" typeface="Estrangelo Edessa"/>
+        <a:font script="Orya" typeface="Kalinga"/>
+        <a:font script="Mlym" typeface="Kartika"/>
+        <a:font script="Laoo" typeface="DokChampa"/>
+        <a:font script="Sinh" typeface="Iskoola Pota"/>
+        <a:font script="Mong" typeface="Mongolian Baiti"/>
+        <a:font script="Viet" typeface="Tahoma"/>
+        <a:font script="Uigh" typeface="Microsoft Uighur"/>
+        <a:font script="Geor" typeface="Sylfaen"/>
       </a:minorFont>
     </a:fontScheme>
-    <a:fmtScheme name="Стандартная">
+    <a:fmtScheme name="Уголки">
       <a:fillStyleLst>
         <a:solidFill>
           <a:schemeClr val="phClr"/>
@@ -3827,23 +5758,23 @@
           <a:gsLst>
             <a:gs pos="0">
               <a:schemeClr val="phClr">
+                <a:tint val="67000"/>
+                <a:satMod val="105000"/>
                 <a:lumMod val="110000"/>
-                <a:satMod val="105000"/>
-                <a:tint val="67000"/>
               </a:schemeClr>
             </a:gs>
             <a:gs pos="50000">
               <a:schemeClr val="phClr">
+                <a:tint val="73000"/>
+                <a:satMod val="103000"/>
                 <a:lumMod val="105000"/>
-                <a:satMod val="103000"/>
-                <a:tint val="73000"/>
               </a:schemeClr>
             </a:gs>
             <a:gs pos="100000">
               <a:schemeClr val="phClr">
+                <a:tint val="81000"/>
+                <a:satMod val="109000"/>
                 <a:lumMod val="105000"/>
-                <a:satMod val="109000"/>
-                <a:tint val="81000"/>
               </a:schemeClr>
             </a:gs>
           </a:gsLst>
@@ -3853,23 +5784,23 @@
           <a:gsLst>
             <a:gs pos="0">
               <a:schemeClr val="phClr">
+                <a:tint val="94000"/>
                 <a:satMod val="103000"/>
                 <a:lumMod val="102000"/>
-                <a:tint val="94000"/>
               </a:schemeClr>
             </a:gs>
             <a:gs pos="50000">
               <a:schemeClr val="phClr">
+                <a:shade val="100000"/>
                 <a:satMod val="110000"/>
                 <a:lumMod val="100000"/>
-                <a:shade val="100000"/>
               </a:schemeClr>
             </a:gs>
             <a:gs pos="100000">
               <a:schemeClr val="phClr">
+                <a:shade val="78000"/>
+                <a:satMod val="120000"/>
                 <a:lumMod val="99000"/>
-                <a:satMod val="120000"/>
-                <a:shade val="78000"/>
               </a:schemeClr>
             </a:gs>
           </a:gsLst>
@@ -3877,26 +5808,23 @@
         </a:gradFill>
       </a:fillStyleLst>
       <a:lnStyleLst>
-        <a:ln w="6350" cap="flat" cmpd="sng" algn="ctr">
+        <a:ln w="6350" cap="flat" cmpd="sng" algn="in">
           <a:solidFill>
             <a:schemeClr val="phClr"/>
           </a:solidFill>
           <a:prstDash val="solid"/>
-          <a:miter lim="800000"/>
         </a:ln>
-        <a:ln w="12700" cap="flat" cmpd="sng" algn="ctr">
+        <a:ln w="34925" cap="flat" cmpd="sng" algn="in">
           <a:solidFill>
             <a:schemeClr val="phClr"/>
           </a:solidFill>
           <a:prstDash val="solid"/>
-          <a:miter lim="800000"/>
         </a:ln>
-        <a:ln w="19050" cap="flat" cmpd="sng" algn="ctr">
+        <a:ln w="19050" cap="flat" cmpd="sng" algn="in">
           <a:solidFill>
             <a:schemeClr val="phClr"/>
           </a:solidFill>
           <a:prstDash val="solid"/>
-          <a:miter lim="800000"/>
         </a:ln>
       </a:lnStyleLst>
       <a:effectStyleLst>
@@ -3910,7 +5838,7 @@
           <a:effectLst>
             <a:outerShdw blurRad="57150" dist="19050" dir="5400000" algn="ctr" rotWithShape="0">
               <a:srgbClr val="000000">
-                <a:alpha val="63000"/>
+                <a:alpha val="35000"/>
               </a:srgbClr>
             </a:outerShdw>
           </a:effectLst>
@@ -3931,16 +5859,16 @@
             <a:gs pos="0">
               <a:schemeClr val="phClr">
                 <a:tint val="93000"/>
+                <a:shade val="98000"/>
                 <a:satMod val="150000"/>
-                <a:shade val="98000"/>
                 <a:lumMod val="102000"/>
               </a:schemeClr>
             </a:gs>
             <a:gs pos="50000">
               <a:schemeClr val="phClr">
                 <a:tint val="98000"/>
+                <a:shade val="90000"/>
                 <a:satMod val="130000"/>
-                <a:shade val="90000"/>
                 <a:lumMod val="103000"/>
               </a:schemeClr>
             </a:gs>
@@ -3960,7 +5888,7 @@
   <a:extraClrSchemeLst/>
   <a:extLst>
     <a:ext uri="{05A4C25C-085E-4340-85A3-A5531E510DB2}">
-      <thm15:themeFamily xmlns:thm15="http://schemas.microsoft.com/office/thememl/2012/main" name="Office Theme" id="{62F939B6-93AF-4DB8-9C6B-D6C7DFDC589F}" vid="{4A3C46E8-61CC-4603-A589-7422A47A8E4A}"/>
+      <thm15:themeFamily xmlns:thm15="http://schemas.microsoft.com/office/thememl/2012/main" name="Crop" id="{EC9488ED-E761-4D60-9AC4-764D1FE2C171}" vid="{CE19780C-D67D-4C13-9DE9-A52BC3BA51B4}"/>
     </a:ext>
   </a:extLst>
 </a:theme>
